--- a/docs/wireframes/wireframes_3.0.pptx
+++ b/docs/wireframes/wireframes_3.0.pptx
@@ -18,12 +18,16 @@
     <p:sldId id="266" r:id="rId12"/>
     <p:sldId id="278" r:id="rId13"/>
     <p:sldId id="268" r:id="rId14"/>
-    <p:sldId id="272" r:id="rId15"/>
+    <p:sldId id="282" r:id="rId15"/>
     <p:sldId id="273" r:id="rId16"/>
     <p:sldId id="269" r:id="rId17"/>
     <p:sldId id="270" r:id="rId18"/>
-    <p:sldId id="271" r:id="rId19"/>
+    <p:sldId id="283" r:id="rId19"/>
     <p:sldId id="280" r:id="rId20"/>
+    <p:sldId id="281" r:id="rId21"/>
+    <p:sldId id="279" r:id="rId22"/>
+    <p:sldId id="284" r:id="rId23"/>
+    <p:sldId id="285" r:id="rId24"/>
   </p:sldIdLst>
   <p:sldSz cx="12192000" cy="6858000"/>
   <p:notesSz cx="6858000" cy="9144000"/>
@@ -272,7 +276,7 @@
           <a:p>
             <a:fld id="{E739BB41-DB51-AC40-8BC3-82550C14AA6F}" type="datetimeFigureOut">
               <a:rPr lang="en-US" smtClean="0"/>
-              <a:t>4/30/2019</a:t>
+              <a:t>5/1/19</a:t>
             </a:fld>
             <a:endParaRPr lang="en-US"/>
           </a:p>
@@ -442,7 +446,7 @@
           <a:p>
             <a:fld id="{E739BB41-DB51-AC40-8BC3-82550C14AA6F}" type="datetimeFigureOut">
               <a:rPr lang="en-US" smtClean="0"/>
-              <a:t>4/30/2019</a:t>
+              <a:t>5/1/19</a:t>
             </a:fld>
             <a:endParaRPr lang="en-US"/>
           </a:p>
@@ -622,7 +626,7 @@
           <a:p>
             <a:fld id="{E739BB41-DB51-AC40-8BC3-82550C14AA6F}" type="datetimeFigureOut">
               <a:rPr lang="en-US" smtClean="0"/>
-              <a:t>4/30/2019</a:t>
+              <a:t>5/1/19</a:t>
             </a:fld>
             <a:endParaRPr lang="en-US"/>
           </a:p>
@@ -792,7 +796,7 @@
           <a:p>
             <a:fld id="{E739BB41-DB51-AC40-8BC3-82550C14AA6F}" type="datetimeFigureOut">
               <a:rPr lang="en-US" smtClean="0"/>
-              <a:t>4/30/2019</a:t>
+              <a:t>5/1/19</a:t>
             </a:fld>
             <a:endParaRPr lang="en-US"/>
           </a:p>
@@ -1038,7 +1042,7 @@
           <a:p>
             <a:fld id="{E739BB41-DB51-AC40-8BC3-82550C14AA6F}" type="datetimeFigureOut">
               <a:rPr lang="en-US" smtClean="0"/>
-              <a:t>4/30/2019</a:t>
+              <a:t>5/1/19</a:t>
             </a:fld>
             <a:endParaRPr lang="en-US"/>
           </a:p>
@@ -1270,7 +1274,7 @@
           <a:p>
             <a:fld id="{E739BB41-DB51-AC40-8BC3-82550C14AA6F}" type="datetimeFigureOut">
               <a:rPr lang="en-US" smtClean="0"/>
-              <a:t>4/30/2019</a:t>
+              <a:t>5/1/19</a:t>
             </a:fld>
             <a:endParaRPr lang="en-US"/>
           </a:p>
@@ -1637,7 +1641,7 @@
           <a:p>
             <a:fld id="{E739BB41-DB51-AC40-8BC3-82550C14AA6F}" type="datetimeFigureOut">
               <a:rPr lang="en-US" smtClean="0"/>
-              <a:t>4/30/2019</a:t>
+              <a:t>5/1/19</a:t>
             </a:fld>
             <a:endParaRPr lang="en-US"/>
           </a:p>
@@ -1755,7 +1759,7 @@
           <a:p>
             <a:fld id="{E739BB41-DB51-AC40-8BC3-82550C14AA6F}" type="datetimeFigureOut">
               <a:rPr lang="en-US" smtClean="0"/>
-              <a:t>4/30/2019</a:t>
+              <a:t>5/1/19</a:t>
             </a:fld>
             <a:endParaRPr lang="en-US"/>
           </a:p>
@@ -1850,7 +1854,7 @@
           <a:p>
             <a:fld id="{E739BB41-DB51-AC40-8BC3-82550C14AA6F}" type="datetimeFigureOut">
               <a:rPr lang="en-US" smtClean="0"/>
-              <a:t>4/30/2019</a:t>
+              <a:t>5/1/19</a:t>
             </a:fld>
             <a:endParaRPr lang="en-US"/>
           </a:p>
@@ -2127,7 +2131,7 @@
           <a:p>
             <a:fld id="{E739BB41-DB51-AC40-8BC3-82550C14AA6F}" type="datetimeFigureOut">
               <a:rPr lang="en-US" smtClean="0"/>
-              <a:t>4/30/2019</a:t>
+              <a:t>5/1/19</a:t>
             </a:fld>
             <a:endParaRPr lang="en-US"/>
           </a:p>
@@ -2384,7 +2388,7 @@
           <a:p>
             <a:fld id="{E739BB41-DB51-AC40-8BC3-82550C14AA6F}" type="datetimeFigureOut">
               <a:rPr lang="en-US" smtClean="0"/>
-              <a:t>4/30/2019</a:t>
+              <a:t>5/1/19</a:t>
             </a:fld>
             <a:endParaRPr lang="en-US"/>
           </a:p>
@@ -2730,7 +2734,7 @@
           <a:p>
             <a:fld id="{E739BB41-DB51-AC40-8BC3-82550C14AA6F}" type="datetimeFigureOut">
               <a:rPr lang="en-US" smtClean="0"/>
-              <a:t>4/30/2019</a:t>
+              <a:t>5/1/19</a:t>
             </a:fld>
             <a:endParaRPr lang="en-US"/>
           </a:p>
@@ -6292,13 +6296,15 @@
               </a:ext>
             </a:extLst>
           </p:cNvPr>
-          <p:cNvCxnSpPr/>
+          <p:cNvCxnSpPr>
+            <a:cxnSpLocks/>
+          </p:cNvCxnSpPr>
           <p:nvPr/>
         </p:nvCxnSpPr>
         <p:spPr>
           <a:xfrm flipH="1">
-            <a:off x="5727176" y="3823284"/>
-            <a:ext cx="1457739" cy="422901"/>
+            <a:off x="4980139" y="1899352"/>
+            <a:ext cx="1990506" cy="159914"/>
           </a:xfrm>
           <a:prstGeom prst="straightConnector1">
             <a:avLst/>
@@ -6336,7 +6342,7 @@
         </p:nvSpPr>
         <p:spPr>
           <a:xfrm>
-            <a:off x="7184915" y="3158817"/>
+            <a:off x="6957382" y="1395359"/>
             <a:ext cx="2151530" cy="989259"/>
           </a:xfrm>
           <a:prstGeom prst="rect">
@@ -6376,7 +6382,7 @@
                   <a:schemeClr val="bg1"/>
                 </a:solidFill>
               </a:rPr>
-              <a:t>Extra boxes appear if applicable, once category is selected</a:t>
+              <a:t>If image exit, then displayed below this open</a:t>
             </a:r>
           </a:p>
         </p:txBody>
@@ -6885,6 +6891,68 @@
                 <a:latin typeface="Comic Sans MS" panose="030F0902030302020204" pitchFamily="66" charset="0"/>
               </a:rPr>
               <a:t>Catalog     Users Profile    Username</a:t>
+            </a:r>
+          </a:p>
+        </p:txBody>
+      </p:sp>
+      <p:sp>
+        <p:nvSpPr>
+          <p:cNvPr id="35" name="Rectangle 34">
+            <a:extLst>
+              <a:ext uri="{FF2B5EF4-FFF2-40B4-BE49-F238E27FC236}">
+                <a16:creationId xmlns:a16="http://schemas.microsoft.com/office/drawing/2014/main" id="{7FA70BF5-FA95-384A-810E-033575466ECE}"/>
+              </a:ext>
+            </a:extLst>
+          </p:cNvPr>
+          <p:cNvSpPr/>
+          <p:nvPr/>
+        </p:nvSpPr>
+        <p:spPr>
+          <a:xfrm>
+            <a:off x="6625652" y="865442"/>
+            <a:ext cx="4330172" cy="344384"/>
+          </a:xfrm>
+          <a:prstGeom prst="rect">
+            <a:avLst/>
+          </a:prstGeom>
+          <a:solidFill>
+            <a:schemeClr val="tx1"/>
+          </a:solidFill>
+          <a:ln>
+            <a:noFill/>
+          </a:ln>
+        </p:spPr>
+        <p:style>
+          <a:lnRef idx="2">
+            <a:schemeClr val="accent1">
+              <a:shade val="50000"/>
+            </a:schemeClr>
+          </a:lnRef>
+          <a:fillRef idx="1">
+            <a:schemeClr val="accent1"/>
+          </a:fillRef>
+          <a:effectRef idx="0">
+            <a:schemeClr val="accent1"/>
+          </a:effectRef>
+          <a:fontRef idx="minor">
+            <a:schemeClr val="lt1"/>
+          </a:fontRef>
+        </p:style>
+        <p:txBody>
+          <a:bodyPr rtlCol="0" anchor="ctr"/>
+          <a:lstStyle/>
+          <a:p>
+            <a:pPr algn="r"/>
+            <a:r>
+              <a:rPr lang="en-US" sz="1400" dirty="0">
+                <a:solidFill>
+                  <a:schemeClr val="bg2">
+                    <a:lumMod val="50000"/>
+                  </a:schemeClr>
+                </a:solidFill>
+                <a:latin typeface="Comic Sans MS" panose="030F0902030302020204" pitchFamily="66" charset="0"/>
+              </a:rPr>
+              <a:t>Catalog     Messages   Users Profile    Username</a:t>
             </a:r>
           </a:p>
         </p:txBody>
@@ -8132,6 +8200,68 @@
           </a:p>
         </p:txBody>
       </p:sp>
+      <p:sp>
+        <p:nvSpPr>
+          <p:cNvPr id="18" name="Rectangle 17">
+            <a:extLst>
+              <a:ext uri="{FF2B5EF4-FFF2-40B4-BE49-F238E27FC236}">
+                <a16:creationId xmlns:a16="http://schemas.microsoft.com/office/drawing/2014/main" id="{49378FF8-E7C2-8D4F-A6D1-67AA88A77C14}"/>
+              </a:ext>
+            </a:extLst>
+          </p:cNvPr>
+          <p:cNvSpPr/>
+          <p:nvPr/>
+        </p:nvSpPr>
+        <p:spPr>
+          <a:xfrm>
+            <a:off x="6625652" y="865442"/>
+            <a:ext cx="4330172" cy="344384"/>
+          </a:xfrm>
+          <a:prstGeom prst="rect">
+            <a:avLst/>
+          </a:prstGeom>
+          <a:solidFill>
+            <a:schemeClr val="tx1"/>
+          </a:solidFill>
+          <a:ln>
+            <a:noFill/>
+          </a:ln>
+        </p:spPr>
+        <p:style>
+          <a:lnRef idx="2">
+            <a:schemeClr val="accent1">
+              <a:shade val="50000"/>
+            </a:schemeClr>
+          </a:lnRef>
+          <a:fillRef idx="1">
+            <a:schemeClr val="accent1"/>
+          </a:fillRef>
+          <a:effectRef idx="0">
+            <a:schemeClr val="accent1"/>
+          </a:effectRef>
+          <a:fontRef idx="minor">
+            <a:schemeClr val="lt1"/>
+          </a:fontRef>
+        </p:style>
+        <p:txBody>
+          <a:bodyPr rtlCol="0" anchor="ctr"/>
+          <a:lstStyle/>
+          <a:p>
+            <a:pPr algn="r"/>
+            <a:r>
+              <a:rPr lang="en-US" sz="1400" dirty="0">
+                <a:solidFill>
+                  <a:schemeClr val="bg2">
+                    <a:lumMod val="50000"/>
+                  </a:schemeClr>
+                </a:solidFill>
+                <a:latin typeface="Comic Sans MS" panose="030F0902030302020204" pitchFamily="66" charset="0"/>
+              </a:rPr>
+              <a:t>Catalog     Messages   Users Profile    Username</a:t>
+            </a:r>
+          </a:p>
+        </p:txBody>
+      </p:sp>
     </p:spTree>
     <p:extLst>
       <p:ext uri="{BB962C8B-B14F-4D97-AF65-F5344CB8AC3E}">
@@ -9443,6 +9573,68 @@
             <a:r>
               <a:rPr lang="en-US" i="1" dirty="0"/>
               <a:t>Item Picture3</a:t>
+            </a:r>
+          </a:p>
+        </p:txBody>
+      </p:sp>
+      <p:sp>
+        <p:nvSpPr>
+          <p:cNvPr id="22" name="Rectangle 21">
+            <a:extLst>
+              <a:ext uri="{FF2B5EF4-FFF2-40B4-BE49-F238E27FC236}">
+                <a16:creationId xmlns:a16="http://schemas.microsoft.com/office/drawing/2014/main" id="{FB51D5FF-5707-D645-AEEF-92FB9AB5C57B}"/>
+              </a:ext>
+            </a:extLst>
+          </p:cNvPr>
+          <p:cNvSpPr/>
+          <p:nvPr/>
+        </p:nvSpPr>
+        <p:spPr>
+          <a:xfrm>
+            <a:off x="6625652" y="865442"/>
+            <a:ext cx="4330172" cy="344384"/>
+          </a:xfrm>
+          <a:prstGeom prst="rect">
+            <a:avLst/>
+          </a:prstGeom>
+          <a:solidFill>
+            <a:schemeClr val="tx1"/>
+          </a:solidFill>
+          <a:ln>
+            <a:noFill/>
+          </a:ln>
+        </p:spPr>
+        <p:style>
+          <a:lnRef idx="2">
+            <a:schemeClr val="accent1">
+              <a:shade val="50000"/>
+            </a:schemeClr>
+          </a:lnRef>
+          <a:fillRef idx="1">
+            <a:schemeClr val="accent1"/>
+          </a:fillRef>
+          <a:effectRef idx="0">
+            <a:schemeClr val="accent1"/>
+          </a:effectRef>
+          <a:fontRef idx="minor">
+            <a:schemeClr val="lt1"/>
+          </a:fontRef>
+        </p:style>
+        <p:txBody>
+          <a:bodyPr rtlCol="0" anchor="ctr"/>
+          <a:lstStyle/>
+          <a:p>
+            <a:pPr algn="r"/>
+            <a:r>
+              <a:rPr lang="en-US" sz="1400" dirty="0">
+                <a:solidFill>
+                  <a:schemeClr val="bg2">
+                    <a:lumMod val="50000"/>
+                  </a:schemeClr>
+                </a:solidFill>
+                <a:latin typeface="Comic Sans MS" panose="030F0902030302020204" pitchFamily="66" charset="0"/>
+              </a:rPr>
+              <a:t>Catalog     Messages   Users Profile    Username</a:t>
             </a:r>
           </a:p>
         </p:txBody>
@@ -10218,6 +10410,68 @@
           </a:p>
         </p:txBody>
       </p:sp>
+      <p:sp>
+        <p:nvSpPr>
+          <p:cNvPr id="16" name="Rectangle 15">
+            <a:extLst>
+              <a:ext uri="{FF2B5EF4-FFF2-40B4-BE49-F238E27FC236}">
+                <a16:creationId xmlns:a16="http://schemas.microsoft.com/office/drawing/2014/main" id="{0918D868-84A1-0A43-867F-C96A82529452}"/>
+              </a:ext>
+            </a:extLst>
+          </p:cNvPr>
+          <p:cNvSpPr/>
+          <p:nvPr/>
+        </p:nvSpPr>
+        <p:spPr>
+          <a:xfrm>
+            <a:off x="6625652" y="865442"/>
+            <a:ext cx="4330172" cy="344384"/>
+          </a:xfrm>
+          <a:prstGeom prst="rect">
+            <a:avLst/>
+          </a:prstGeom>
+          <a:solidFill>
+            <a:schemeClr val="tx1"/>
+          </a:solidFill>
+          <a:ln>
+            <a:noFill/>
+          </a:ln>
+        </p:spPr>
+        <p:style>
+          <a:lnRef idx="2">
+            <a:schemeClr val="accent1">
+              <a:shade val="50000"/>
+            </a:schemeClr>
+          </a:lnRef>
+          <a:fillRef idx="1">
+            <a:schemeClr val="accent1"/>
+          </a:fillRef>
+          <a:effectRef idx="0">
+            <a:schemeClr val="accent1"/>
+          </a:effectRef>
+          <a:fontRef idx="minor">
+            <a:schemeClr val="lt1"/>
+          </a:fontRef>
+        </p:style>
+        <p:txBody>
+          <a:bodyPr rtlCol="0" anchor="ctr"/>
+          <a:lstStyle/>
+          <a:p>
+            <a:pPr algn="r"/>
+            <a:r>
+              <a:rPr lang="en-US" sz="1400" dirty="0">
+                <a:solidFill>
+                  <a:schemeClr val="bg2">
+                    <a:lumMod val="50000"/>
+                  </a:schemeClr>
+                </a:solidFill>
+                <a:latin typeface="Comic Sans MS" panose="030F0902030302020204" pitchFamily="66" charset="0"/>
+              </a:rPr>
+              <a:t>Catalog     Messages   Users Profile    Username</a:t>
+            </a:r>
+          </a:p>
+        </p:txBody>
+      </p:sp>
     </p:spTree>
     <p:extLst>
       <p:ext uri="{BB962C8B-B14F-4D97-AF65-F5344CB8AC3E}">
@@ -10339,64 +10593,6 @@
       </p:sp>
       <p:sp>
         <p:nvSpPr>
-          <p:cNvPr id="8" name="TextBox 7">
-            <a:extLst>
-              <a:ext uri="{FF2B5EF4-FFF2-40B4-BE49-F238E27FC236}">
-                <a16:creationId xmlns:a16="http://schemas.microsoft.com/office/drawing/2014/main" id="{49DF0299-C639-944C-9F0E-91BE71AC7E52}"/>
-              </a:ext>
-            </a:extLst>
-          </p:cNvPr>
-          <p:cNvSpPr txBox="1"/>
-          <p:nvPr/>
-        </p:nvSpPr>
-        <p:spPr>
-          <a:xfrm>
-            <a:off x="2233351" y="581403"/>
-            <a:ext cx="2715808" cy="276999"/>
-          </a:xfrm>
-          <a:prstGeom prst="rect">
-            <a:avLst/>
-          </a:prstGeom>
-          <a:noFill/>
-        </p:spPr>
-        <p:txBody>
-          <a:bodyPr wrap="none" rtlCol="0">
-            <a:spAutoFit/>
-          </a:bodyPr>
-          <a:lstStyle/>
-          <a:p>
-            <a:r>
-              <a:rPr lang="en-US" sz="1200" dirty="0">
-                <a:solidFill>
-                  <a:schemeClr val="bg1"/>
-                </a:solidFill>
-                <a:latin typeface="Comic Sans MS" panose="030F0902030302020204" pitchFamily="66" charset="0"/>
-              </a:rPr>
-              <a:t>http://localhost:3000/</a:t>
-            </a:r>
-            <a:r>
-              <a:rPr lang="en-US" sz="1200" dirty="0" err="1">
-                <a:solidFill>
-                  <a:schemeClr val="bg1"/>
-                </a:solidFill>
-                <a:latin typeface="Comic Sans MS" panose="030F0902030302020204" pitchFamily="66" charset="0"/>
-              </a:rPr>
-              <a:t>My_Profile</a:t>
-            </a:r>
-            <a:r>
-              <a:rPr lang="en-US" sz="1200" dirty="0">
-                <a:solidFill>
-                  <a:schemeClr val="bg1"/>
-                </a:solidFill>
-                <a:latin typeface="Comic Sans MS" panose="030F0902030302020204" pitchFamily="66" charset="0"/>
-              </a:rPr>
-              <a:t>/</a:t>
-            </a:r>
-          </a:p>
-        </p:txBody>
-      </p:sp>
-      <p:sp>
-        <p:nvSpPr>
           <p:cNvPr id="16" name="Rectangle 15">
             <a:extLst>
               <a:ext uri="{FF2B5EF4-FFF2-40B4-BE49-F238E27FC236}">
@@ -10528,141 +10724,12 @@
         </p:nvGrpSpPr>
         <p:grpSpPr>
           <a:xfrm>
-            <a:off x="2125922" y="2056987"/>
-            <a:ext cx="5034533" cy="2894841"/>
+            <a:off x="2125922" y="2056988"/>
+            <a:ext cx="3011835" cy="377042"/>
             <a:chOff x="5028014" y="1634955"/>
-            <a:chExt cx="4650632" cy="2641399"/>
+            <a:chExt cx="2782172" cy="344032"/>
           </a:xfrm>
         </p:grpSpPr>
-        <p:sp>
-          <p:nvSpPr>
-            <p:cNvPr id="9" name="TextBox 8">
-              <a:extLst>
-                <a:ext uri="{FF2B5EF4-FFF2-40B4-BE49-F238E27FC236}">
-                  <a16:creationId xmlns:a16="http://schemas.microsoft.com/office/drawing/2014/main" id="{9DDBC895-FCFB-3A47-9E03-ECA92F586E8E}"/>
-                </a:ext>
-              </a:extLst>
-            </p:cNvPr>
-            <p:cNvSpPr txBox="1"/>
-            <p:nvPr/>
-          </p:nvSpPr>
-          <p:spPr>
-            <a:xfrm>
-              <a:off x="5028014" y="1968030"/>
-              <a:ext cx="4650632" cy="2308324"/>
-            </a:xfrm>
-            <a:prstGeom prst="rect">
-              <a:avLst/>
-            </a:prstGeom>
-            <a:noFill/>
-            <a:ln>
-              <a:solidFill>
-                <a:schemeClr val="bg1"/>
-              </a:solidFill>
-            </a:ln>
-          </p:spPr>
-          <p:txBody>
-            <a:bodyPr wrap="none" rtlCol="0">
-              <a:spAutoFit/>
-            </a:bodyPr>
-            <a:lstStyle/>
-            <a:p>
-              <a:pPr algn="l"/>
-              <a:r>
-                <a:rPr lang="en-US" sz="1600" dirty="0">
-                  <a:solidFill>
-                    <a:schemeClr val="bg1"/>
-                  </a:solidFill>
-                  <a:latin typeface="Comic Sans MS" panose="030F0902030302020204" pitchFamily="66" charset="0"/>
-                </a:rPr>
-                <a:t>User1:</a:t>
-              </a:r>
-            </a:p>
-            <a:p>
-              <a:pPr algn="l"/>
-              <a:r>
-                <a:rPr lang="en-US" sz="1600" dirty="0">
-                  <a:solidFill>
-                    <a:schemeClr val="bg1"/>
-                  </a:solidFill>
-                  <a:latin typeface="Comic Sans MS" panose="030F0902030302020204" pitchFamily="66" charset="0"/>
-                </a:rPr>
-                <a:t>Description of feedback given by other buyers</a:t>
-              </a:r>
-            </a:p>
-            <a:p>
-              <a:pPr algn="l"/>
-              <a:endParaRPr lang="en-US" sz="1600" dirty="0">
-                <a:solidFill>
-                  <a:schemeClr val="bg1"/>
-                </a:solidFill>
-                <a:latin typeface="Comic Sans MS" panose="030F0902030302020204" pitchFamily="66" charset="0"/>
-              </a:endParaRPr>
-            </a:p>
-            <a:p>
-              <a:r>
-                <a:rPr lang="en-US" sz="1600" dirty="0">
-                  <a:solidFill>
-                    <a:schemeClr val="bg1"/>
-                  </a:solidFill>
-                  <a:latin typeface="Comic Sans MS" panose="030F0902030302020204" pitchFamily="66" charset="0"/>
-                </a:rPr>
-                <a:t>User2:</a:t>
-              </a:r>
-            </a:p>
-            <a:p>
-              <a:r>
-                <a:rPr lang="en-US" sz="1600" dirty="0">
-                  <a:solidFill>
-                    <a:schemeClr val="bg1"/>
-                  </a:solidFill>
-                  <a:latin typeface="Comic Sans MS" panose="030F0902030302020204" pitchFamily="66" charset="0"/>
-                </a:rPr>
-                <a:t>Description of feedback given by other buyers</a:t>
-              </a:r>
-            </a:p>
-            <a:p>
-              <a:pPr algn="l"/>
-              <a:endParaRPr lang="en-US" sz="1600" dirty="0">
-                <a:solidFill>
-                  <a:schemeClr val="bg1"/>
-                </a:solidFill>
-                <a:latin typeface="Comic Sans MS" panose="030F0902030302020204" pitchFamily="66" charset="0"/>
-              </a:endParaRPr>
-            </a:p>
-            <a:p>
-              <a:r>
-                <a:rPr lang="en-US" sz="1600" dirty="0">
-                  <a:solidFill>
-                    <a:schemeClr val="bg1"/>
-                  </a:solidFill>
-                  <a:latin typeface="Comic Sans MS" panose="030F0902030302020204" pitchFamily="66" charset="0"/>
-                </a:rPr>
-                <a:t>User3:</a:t>
-              </a:r>
-            </a:p>
-            <a:p>
-              <a:r>
-                <a:rPr lang="en-US" sz="1600" dirty="0">
-                  <a:solidFill>
-                    <a:schemeClr val="bg1"/>
-                  </a:solidFill>
-                  <a:latin typeface="Comic Sans MS" panose="030F0902030302020204" pitchFamily="66" charset="0"/>
-                </a:rPr>
-                <a:t>Description of feedback given by other buyers</a:t>
-              </a:r>
-            </a:p>
-            <a:p>
-              <a:pPr algn="l"/>
-              <a:endParaRPr lang="en-US" sz="1600" dirty="0">
-                <a:solidFill>
-                  <a:schemeClr val="bg1"/>
-                </a:solidFill>
-                <a:latin typeface="Comic Sans MS" panose="030F0902030302020204" pitchFamily="66" charset="0"/>
-              </a:endParaRPr>
-            </a:p>
-          </p:txBody>
-        </p:sp>
         <p:sp>
           <p:nvSpPr>
             <p:cNvPr id="4" name="TextBox 3">
@@ -11086,10 +11153,233 @@
           </a:p>
         </p:txBody>
       </p:sp>
+      <p:sp>
+        <p:nvSpPr>
+          <p:cNvPr id="11" name="TextBox 10">
+            <a:extLst>
+              <a:ext uri="{FF2B5EF4-FFF2-40B4-BE49-F238E27FC236}">
+                <a16:creationId xmlns:a16="http://schemas.microsoft.com/office/drawing/2014/main" id="{EB458B06-DD5E-AC45-BDF2-205788C0CD73}"/>
+              </a:ext>
+            </a:extLst>
+          </p:cNvPr>
+          <p:cNvSpPr txBox="1"/>
+          <p:nvPr/>
+        </p:nvSpPr>
+        <p:spPr>
+          <a:xfrm>
+            <a:off x="2125922" y="2437147"/>
+            <a:ext cx="5072222" cy="1323439"/>
+          </a:xfrm>
+          <a:prstGeom prst="rect">
+            <a:avLst/>
+          </a:prstGeom>
+          <a:noFill/>
+          <a:ln>
+            <a:solidFill>
+              <a:schemeClr val="bg1"/>
+            </a:solidFill>
+          </a:ln>
+        </p:spPr>
+        <p:txBody>
+          <a:bodyPr wrap="none" rtlCol="0">
+            <a:spAutoFit/>
+          </a:bodyPr>
+          <a:lstStyle/>
+          <a:p>
+            <a:pPr algn="l"/>
+            <a:r>
+              <a:rPr lang="en-US" sz="1600" dirty="0">
+                <a:solidFill>
+                  <a:schemeClr val="bg1"/>
+                </a:solidFill>
+                <a:latin typeface="Comic Sans MS" panose="030F0902030302020204" pitchFamily="66" charset="0"/>
+              </a:rPr>
+              <a:t>Item		Review		Buyer</a:t>
+            </a:r>
+          </a:p>
+          <a:p>
+            <a:pPr algn="l"/>
+            <a:endParaRPr lang="en-US" sz="1600" dirty="0">
+              <a:solidFill>
+                <a:schemeClr val="bg1"/>
+              </a:solidFill>
+              <a:latin typeface="Comic Sans MS" panose="030F0902030302020204" pitchFamily="66" charset="0"/>
+            </a:endParaRPr>
+          </a:p>
+          <a:p>
+            <a:pPr algn="l"/>
+            <a:r>
+              <a:rPr lang="en-US" sz="1600" dirty="0">
+                <a:solidFill>
+                  <a:schemeClr val="bg1"/>
+                </a:solidFill>
+                <a:latin typeface="Comic Sans MS" panose="030F0902030302020204" pitchFamily="66" charset="0"/>
+              </a:rPr>
+              <a:t>Item1	        Review Statement 1	</a:t>
+            </a:r>
+            <a:r>
+              <a:rPr lang="en-US" sz="1600" dirty="0">
+                <a:solidFill>
+                  <a:srgbClr val="0432FF"/>
+                </a:solidFill>
+                <a:latin typeface="Comic Sans MS" panose="030F0902030302020204" pitchFamily="66" charset="0"/>
+              </a:rPr>
+              <a:t>Buyer1 name</a:t>
+            </a:r>
+          </a:p>
+          <a:p>
+            <a:pPr algn="l"/>
+            <a:endParaRPr lang="en-US" sz="1600" dirty="0">
+              <a:solidFill>
+                <a:schemeClr val="bg1"/>
+              </a:solidFill>
+              <a:latin typeface="Comic Sans MS" panose="030F0902030302020204" pitchFamily="66" charset="0"/>
+            </a:endParaRPr>
+          </a:p>
+          <a:p>
+            <a:pPr algn="l"/>
+            <a:r>
+              <a:rPr lang="en-US" sz="1600" dirty="0">
+                <a:solidFill>
+                  <a:schemeClr val="bg1"/>
+                </a:solidFill>
+                <a:latin typeface="Comic Sans MS" panose="030F0902030302020204" pitchFamily="66" charset="0"/>
+              </a:rPr>
+              <a:t>Item2	        Review Statement 2	</a:t>
+            </a:r>
+            <a:r>
+              <a:rPr lang="en-US" sz="1600" dirty="0">
+                <a:solidFill>
+                  <a:srgbClr val="0432FF"/>
+                </a:solidFill>
+                <a:latin typeface="Comic Sans MS" panose="030F0902030302020204" pitchFamily="66" charset="0"/>
+              </a:rPr>
+              <a:t>Buyer2 name</a:t>
+            </a:r>
+          </a:p>
+        </p:txBody>
+      </p:sp>
+      <p:sp>
+        <p:nvSpPr>
+          <p:cNvPr id="18" name="TextBox 17">
+            <a:extLst>
+              <a:ext uri="{FF2B5EF4-FFF2-40B4-BE49-F238E27FC236}">
+                <a16:creationId xmlns:a16="http://schemas.microsoft.com/office/drawing/2014/main" id="{F5E890E1-473A-554C-847E-F88E4D053B57}"/>
+              </a:ext>
+            </a:extLst>
+          </p:cNvPr>
+          <p:cNvSpPr txBox="1"/>
+          <p:nvPr/>
+        </p:nvSpPr>
+        <p:spPr>
+          <a:xfrm>
+            <a:off x="2125922" y="590276"/>
+            <a:ext cx="3090911" cy="276999"/>
+          </a:xfrm>
+          <a:prstGeom prst="rect">
+            <a:avLst/>
+          </a:prstGeom>
+          <a:noFill/>
+        </p:spPr>
+        <p:txBody>
+          <a:bodyPr wrap="none" rtlCol="0">
+            <a:spAutoFit/>
+          </a:bodyPr>
+          <a:lstStyle/>
+          <a:p>
+            <a:r>
+              <a:rPr lang="en-US" sz="1200" dirty="0">
+                <a:solidFill>
+                  <a:schemeClr val="bg1"/>
+                </a:solidFill>
+                <a:latin typeface="Comic Sans MS" panose="030F0902030302020204" pitchFamily="66" charset="0"/>
+              </a:rPr>
+              <a:t>http://localhost:3000/users/</a:t>
+            </a:r>
+            <a:r>
+              <a:rPr lang="en-US" sz="1200" dirty="0" err="1">
+                <a:solidFill>
+                  <a:schemeClr val="bg1"/>
+                </a:solidFill>
+                <a:latin typeface="Comic Sans MS" panose="030F0902030302020204" pitchFamily="66" charset="0"/>
+              </a:rPr>
+              <a:t>my_profile</a:t>
+            </a:r>
+            <a:endParaRPr lang="en-US" sz="1200" dirty="0">
+              <a:solidFill>
+                <a:schemeClr val="bg1"/>
+              </a:solidFill>
+              <a:latin typeface="Comic Sans MS" panose="030F0902030302020204" pitchFamily="66" charset="0"/>
+            </a:endParaRPr>
+          </a:p>
+        </p:txBody>
+      </p:sp>
+      <p:sp>
+        <p:nvSpPr>
+          <p:cNvPr id="20" name="Rectangle 19">
+            <a:extLst>
+              <a:ext uri="{FF2B5EF4-FFF2-40B4-BE49-F238E27FC236}">
+                <a16:creationId xmlns:a16="http://schemas.microsoft.com/office/drawing/2014/main" id="{DA766E68-908E-FC4E-A14F-1D4943841DA0}"/>
+              </a:ext>
+            </a:extLst>
+          </p:cNvPr>
+          <p:cNvSpPr/>
+          <p:nvPr/>
+        </p:nvSpPr>
+        <p:spPr>
+          <a:xfrm>
+            <a:off x="6625652" y="865442"/>
+            <a:ext cx="4330172" cy="344384"/>
+          </a:xfrm>
+          <a:prstGeom prst="rect">
+            <a:avLst/>
+          </a:prstGeom>
+          <a:solidFill>
+            <a:schemeClr val="tx1"/>
+          </a:solidFill>
+          <a:ln>
+            <a:noFill/>
+          </a:ln>
+        </p:spPr>
+        <p:style>
+          <a:lnRef idx="2">
+            <a:schemeClr val="accent1">
+              <a:shade val="50000"/>
+            </a:schemeClr>
+          </a:lnRef>
+          <a:fillRef idx="1">
+            <a:schemeClr val="accent1"/>
+          </a:fillRef>
+          <a:effectRef idx="0">
+            <a:schemeClr val="accent1"/>
+          </a:effectRef>
+          <a:fontRef idx="minor">
+            <a:schemeClr val="lt1"/>
+          </a:fontRef>
+        </p:style>
+        <p:txBody>
+          <a:bodyPr rtlCol="0" anchor="ctr"/>
+          <a:lstStyle/>
+          <a:p>
+            <a:pPr algn="r"/>
+            <a:r>
+              <a:rPr lang="en-US" sz="1400" dirty="0">
+                <a:solidFill>
+                  <a:schemeClr val="bg2">
+                    <a:lumMod val="50000"/>
+                  </a:schemeClr>
+                </a:solidFill>
+                <a:latin typeface="Comic Sans MS" panose="030F0902030302020204" pitchFamily="66" charset="0"/>
+              </a:rPr>
+              <a:t>Catalog     Messages   Users Profile    Username</a:t>
+            </a:r>
+          </a:p>
+        </p:txBody>
+      </p:sp>
     </p:spTree>
     <p:extLst>
       <p:ext uri="{BB962C8B-B14F-4D97-AF65-F5344CB8AC3E}">
-        <p14:creationId xmlns:p14="http://schemas.microsoft.com/office/powerpoint/2010/main" val="4238849578"/>
+        <p14:creationId xmlns:p14="http://schemas.microsoft.com/office/powerpoint/2010/main" val="640928251"/>
       </p:ext>
     </p:extLst>
   </p:cSld>
@@ -12687,6 +12977,68 @@
           </a:graphicData>
         </a:graphic>
       </p:graphicFrame>
+      <p:sp>
+        <p:nvSpPr>
+          <p:cNvPr id="20" name="Rectangle 19">
+            <a:extLst>
+              <a:ext uri="{FF2B5EF4-FFF2-40B4-BE49-F238E27FC236}">
+                <a16:creationId xmlns:a16="http://schemas.microsoft.com/office/drawing/2014/main" id="{D06ADF3E-F152-2241-80F6-6D3F2FC8D304}"/>
+              </a:ext>
+            </a:extLst>
+          </p:cNvPr>
+          <p:cNvSpPr/>
+          <p:nvPr/>
+        </p:nvSpPr>
+        <p:spPr>
+          <a:xfrm>
+            <a:off x="6625651" y="933243"/>
+            <a:ext cx="4330172" cy="344384"/>
+          </a:xfrm>
+          <a:prstGeom prst="rect">
+            <a:avLst/>
+          </a:prstGeom>
+          <a:solidFill>
+            <a:schemeClr val="tx1"/>
+          </a:solidFill>
+          <a:ln>
+            <a:noFill/>
+          </a:ln>
+        </p:spPr>
+        <p:style>
+          <a:lnRef idx="2">
+            <a:schemeClr val="accent1">
+              <a:shade val="50000"/>
+            </a:schemeClr>
+          </a:lnRef>
+          <a:fillRef idx="1">
+            <a:schemeClr val="accent1"/>
+          </a:fillRef>
+          <a:effectRef idx="0">
+            <a:schemeClr val="accent1"/>
+          </a:effectRef>
+          <a:fontRef idx="minor">
+            <a:schemeClr val="lt1"/>
+          </a:fontRef>
+        </p:style>
+        <p:txBody>
+          <a:bodyPr rtlCol="0" anchor="ctr"/>
+          <a:lstStyle/>
+          <a:p>
+            <a:pPr algn="r"/>
+            <a:r>
+              <a:rPr lang="en-US" sz="1400" dirty="0">
+                <a:solidFill>
+                  <a:schemeClr val="bg2">
+                    <a:lumMod val="50000"/>
+                  </a:schemeClr>
+                </a:solidFill>
+                <a:latin typeface="Comic Sans MS" panose="030F0902030302020204" pitchFamily="66" charset="0"/>
+              </a:rPr>
+              <a:t>Catalog     Messages   Users Profile    Username</a:t>
+            </a:r>
+          </a:p>
+        </p:txBody>
+      </p:sp>
     </p:spTree>
     <p:extLst>
       <p:ext uri="{BB962C8B-B14F-4D97-AF65-F5344CB8AC3E}">
@@ -12717,518 +13069,6 @@
           <a:chExt cx="0" cy="0"/>
         </a:xfrm>
       </p:grpSpPr>
-      <p:sp>
-        <p:nvSpPr>
-          <p:cNvPr id="2" name="TextBox 1">
-            <a:extLst>
-              <a:ext uri="{FF2B5EF4-FFF2-40B4-BE49-F238E27FC236}">
-                <a16:creationId xmlns:a16="http://schemas.microsoft.com/office/drawing/2014/main" id="{221DED5B-F56B-0F43-A308-4F2DD034B5B7}"/>
-              </a:ext>
-            </a:extLst>
-          </p:cNvPr>
-          <p:cNvSpPr txBox="1"/>
-          <p:nvPr/>
-        </p:nvSpPr>
-        <p:spPr>
-          <a:xfrm>
-            <a:off x="2018803" y="1421284"/>
-            <a:ext cx="2146742" cy="338554"/>
-          </a:xfrm>
-          <a:prstGeom prst="rect">
-            <a:avLst/>
-          </a:prstGeom>
-          <a:noFill/>
-        </p:spPr>
-        <p:txBody>
-          <a:bodyPr wrap="none" rtlCol="0">
-            <a:spAutoFit/>
-          </a:bodyPr>
-          <a:lstStyle/>
-          <a:p>
-            <a:r>
-              <a:rPr lang="en-US" sz="1600" b="1" dirty="0">
-                <a:solidFill>
-                  <a:schemeClr val="bg1"/>
-                </a:solidFill>
-                <a:latin typeface="Comic Sans MS" panose="030F0902030302020204" pitchFamily="66" charset="0"/>
-              </a:rPr>
-              <a:t>Update your Profile</a:t>
-            </a:r>
-          </a:p>
-        </p:txBody>
-      </p:sp>
-      <p:sp>
-        <p:nvSpPr>
-          <p:cNvPr id="7" name="TextBox 6">
-            <a:extLst>
-              <a:ext uri="{FF2B5EF4-FFF2-40B4-BE49-F238E27FC236}">
-                <a16:creationId xmlns:a16="http://schemas.microsoft.com/office/drawing/2014/main" id="{F3573DF9-457D-7948-8B22-DB5337292FA7}"/>
-              </a:ext>
-            </a:extLst>
-          </p:cNvPr>
-          <p:cNvSpPr txBox="1"/>
-          <p:nvPr/>
-        </p:nvSpPr>
-        <p:spPr>
-          <a:xfrm>
-            <a:off x="1784068" y="292529"/>
-            <a:ext cx="2140330" cy="276999"/>
-          </a:xfrm>
-          <a:prstGeom prst="rect">
-            <a:avLst/>
-          </a:prstGeom>
-          <a:noFill/>
-        </p:spPr>
-        <p:txBody>
-          <a:bodyPr wrap="none" rtlCol="0">
-            <a:spAutoFit/>
-          </a:bodyPr>
-          <a:lstStyle/>
-          <a:p>
-            <a:r>
-              <a:rPr lang="en-US" sz="1200" dirty="0" err="1">
-                <a:solidFill>
-                  <a:schemeClr val="bg1"/>
-                </a:solidFill>
-                <a:latin typeface="Comic Sans MS" panose="030F0902030302020204" pitchFamily="66" charset="0"/>
-              </a:rPr>
-              <a:t>SellbackMart</a:t>
-            </a:r>
-            <a:r>
-              <a:rPr lang="en-US" sz="1200" dirty="0">
-                <a:solidFill>
-                  <a:schemeClr val="bg1"/>
-                </a:solidFill>
-                <a:latin typeface="Comic Sans MS" panose="030F0902030302020204" pitchFamily="66" charset="0"/>
-              </a:rPr>
-              <a:t> - Edit Profile</a:t>
-            </a:r>
-          </a:p>
-        </p:txBody>
-      </p:sp>
-      <p:sp>
-        <p:nvSpPr>
-          <p:cNvPr id="8" name="TextBox 7">
-            <a:extLst>
-              <a:ext uri="{FF2B5EF4-FFF2-40B4-BE49-F238E27FC236}">
-                <a16:creationId xmlns:a16="http://schemas.microsoft.com/office/drawing/2014/main" id="{49DF0299-C639-944C-9F0E-91BE71AC7E52}"/>
-              </a:ext>
-            </a:extLst>
-          </p:cNvPr>
-          <p:cNvSpPr txBox="1"/>
-          <p:nvPr/>
-        </p:nvSpPr>
-        <p:spPr>
-          <a:xfrm>
-            <a:off x="2233351" y="581403"/>
-            <a:ext cx="3005876" cy="461665"/>
-          </a:xfrm>
-          <a:prstGeom prst="rect">
-            <a:avLst/>
-          </a:prstGeom>
-          <a:noFill/>
-        </p:spPr>
-        <p:txBody>
-          <a:bodyPr wrap="none" rtlCol="0">
-            <a:spAutoFit/>
-          </a:bodyPr>
-          <a:lstStyle/>
-          <a:p>
-            <a:r>
-              <a:rPr lang="en-US" sz="1200" dirty="0">
-                <a:solidFill>
-                  <a:schemeClr val="bg1"/>
-                </a:solidFill>
-                <a:latin typeface="Comic Sans MS" panose="030F0902030302020204" pitchFamily="66" charset="0"/>
-                <a:hlinkClick r:id="rId2">
-                  <a:extLst>
-                    <a:ext uri="{A12FA001-AC4F-418D-AE19-62706E023703}">
-                      <ahyp:hlinkClr xmlns:ahyp="http://schemas.microsoft.com/office/drawing/2018/hyperlinkcolor" val="tx"/>
-                    </a:ext>
-                  </a:extLst>
-                </a:hlinkClick>
-              </a:rPr>
-              <a:t>http://localhost:3000/my_Profile/edit</a:t>
-            </a:r>
-            <a:endParaRPr lang="en-US" sz="1200" dirty="0">
-              <a:solidFill>
-                <a:schemeClr val="bg1"/>
-              </a:solidFill>
-              <a:latin typeface="Comic Sans MS" panose="030F0902030302020204" pitchFamily="66" charset="0"/>
-            </a:endParaRPr>
-          </a:p>
-          <a:p>
-            <a:endParaRPr lang="en-US" sz="1200" dirty="0">
-              <a:solidFill>
-                <a:schemeClr val="bg1"/>
-              </a:solidFill>
-              <a:latin typeface="Comic Sans MS" panose="030F0902030302020204" pitchFamily="66" charset="0"/>
-            </a:endParaRPr>
-          </a:p>
-        </p:txBody>
-      </p:sp>
-      <p:sp>
-        <p:nvSpPr>
-          <p:cNvPr id="16" name="Rectangle 15">
-            <a:extLst>
-              <a:ext uri="{FF2B5EF4-FFF2-40B4-BE49-F238E27FC236}">
-                <a16:creationId xmlns:a16="http://schemas.microsoft.com/office/drawing/2014/main" id="{61CD5799-7FC2-F04C-ADCF-330CB97C8DA9}"/>
-              </a:ext>
-            </a:extLst>
-          </p:cNvPr>
-          <p:cNvSpPr/>
-          <p:nvPr/>
-        </p:nvSpPr>
-        <p:spPr>
-          <a:xfrm>
-            <a:off x="1175657" y="870277"/>
-            <a:ext cx="9832769" cy="344384"/>
-          </a:xfrm>
-          <a:prstGeom prst="rect">
-            <a:avLst/>
-          </a:prstGeom>
-          <a:solidFill>
-            <a:schemeClr val="bg1"/>
-          </a:solidFill>
-          <a:ln>
-            <a:noFill/>
-          </a:ln>
-        </p:spPr>
-        <p:style>
-          <a:lnRef idx="2">
-            <a:schemeClr val="accent1">
-              <a:shade val="50000"/>
-            </a:schemeClr>
-          </a:lnRef>
-          <a:fillRef idx="1">
-            <a:schemeClr val="accent1"/>
-          </a:fillRef>
-          <a:effectRef idx="0">
-            <a:schemeClr val="accent1"/>
-          </a:effectRef>
-          <a:fontRef idx="minor">
-            <a:schemeClr val="lt1"/>
-          </a:fontRef>
-        </p:style>
-        <p:txBody>
-          <a:bodyPr rtlCol="0" anchor="ctr"/>
-          <a:lstStyle/>
-          <a:p>
-            <a:r>
-              <a:rPr lang="en-US" sz="1400" dirty="0">
-                <a:solidFill>
-                  <a:schemeClr val="tx1"/>
-                </a:solidFill>
-                <a:latin typeface="Comic Sans MS" panose="030F0902030302020204" pitchFamily="66" charset="0"/>
-              </a:rPr>
-              <a:t>Profile |  Catalog |  Messages</a:t>
-            </a:r>
-          </a:p>
-        </p:txBody>
-      </p:sp>
-      <p:sp>
-        <p:nvSpPr>
-          <p:cNvPr id="17" name="Rectangle 16">
-            <a:extLst>
-              <a:ext uri="{FF2B5EF4-FFF2-40B4-BE49-F238E27FC236}">
-                <a16:creationId xmlns:a16="http://schemas.microsoft.com/office/drawing/2014/main" id="{6866C721-FE01-1B49-8B68-07C98D112373}"/>
-              </a:ext>
-            </a:extLst>
-          </p:cNvPr>
-          <p:cNvSpPr/>
-          <p:nvPr/>
-        </p:nvSpPr>
-        <p:spPr>
-          <a:xfrm>
-            <a:off x="8445690" y="870277"/>
-            <a:ext cx="2562736" cy="344384"/>
-          </a:xfrm>
-          <a:prstGeom prst="rect">
-            <a:avLst/>
-          </a:prstGeom>
-          <a:solidFill>
-            <a:schemeClr val="bg1"/>
-          </a:solidFill>
-          <a:ln>
-            <a:noFill/>
-          </a:ln>
-        </p:spPr>
-        <p:style>
-          <a:lnRef idx="2">
-            <a:schemeClr val="accent1">
-              <a:shade val="50000"/>
-            </a:schemeClr>
-          </a:lnRef>
-          <a:fillRef idx="1">
-            <a:schemeClr val="accent1"/>
-          </a:fillRef>
-          <a:effectRef idx="0">
-            <a:schemeClr val="accent1"/>
-          </a:effectRef>
-          <a:fontRef idx="minor">
-            <a:schemeClr val="lt1"/>
-          </a:fontRef>
-        </p:style>
-        <p:txBody>
-          <a:bodyPr rtlCol="0" anchor="ctr"/>
-          <a:lstStyle/>
-          <a:p>
-            <a:pPr algn="r"/>
-            <a:r>
-              <a:rPr lang="en-US" sz="1400" dirty="0">
-                <a:solidFill>
-                  <a:schemeClr val="tx1"/>
-                </a:solidFill>
-                <a:latin typeface="Comic Sans MS" panose="030F0902030302020204" pitchFamily="66" charset="0"/>
-              </a:rPr>
-              <a:t>Log Out</a:t>
-            </a:r>
-          </a:p>
-        </p:txBody>
-      </p:sp>
-      <p:sp>
-        <p:nvSpPr>
-          <p:cNvPr id="18" name="Rounded Rectangle 17">
-            <a:extLst>
-              <a:ext uri="{FF2B5EF4-FFF2-40B4-BE49-F238E27FC236}">
-                <a16:creationId xmlns:a16="http://schemas.microsoft.com/office/drawing/2014/main" id="{5BCBF1FE-BD27-3C4C-892A-36F7CB191B90}"/>
-              </a:ext>
-            </a:extLst>
-          </p:cNvPr>
-          <p:cNvSpPr/>
-          <p:nvPr/>
-        </p:nvSpPr>
-        <p:spPr>
-          <a:xfrm>
-            <a:off x="3320468" y="4961066"/>
-            <a:ext cx="831642" cy="327860"/>
-          </a:xfrm>
-          <a:prstGeom prst="roundRect">
-            <a:avLst/>
-          </a:prstGeom>
-          <a:solidFill>
-            <a:schemeClr val="tx2"/>
-          </a:solidFill>
-          <a:ln>
-            <a:solidFill>
-              <a:schemeClr val="bg1"/>
-            </a:solidFill>
-          </a:ln>
-        </p:spPr>
-        <p:style>
-          <a:lnRef idx="2">
-            <a:schemeClr val="accent1">
-              <a:shade val="50000"/>
-            </a:schemeClr>
-          </a:lnRef>
-          <a:fillRef idx="1">
-            <a:schemeClr val="accent1"/>
-          </a:fillRef>
-          <a:effectRef idx="0">
-            <a:schemeClr val="accent1"/>
-          </a:effectRef>
-          <a:fontRef idx="minor">
-            <a:schemeClr val="lt1"/>
-          </a:fontRef>
-        </p:style>
-        <p:txBody>
-          <a:bodyPr rtlCol="0" anchor="ctr"/>
-          <a:lstStyle/>
-          <a:p>
-            <a:pPr algn="ctr"/>
-            <a:r>
-              <a:rPr lang="en-US" sz="1400" dirty="0">
-                <a:solidFill>
-                  <a:schemeClr val="bg1"/>
-                </a:solidFill>
-                <a:latin typeface="Comic Sans MS" panose="030F0902030302020204" pitchFamily="66" charset="0"/>
-              </a:rPr>
-              <a:t>Back</a:t>
-            </a:r>
-          </a:p>
-        </p:txBody>
-      </p:sp>
-      <p:sp>
-        <p:nvSpPr>
-          <p:cNvPr id="20" name="Rounded Rectangle 19">
-            <a:extLst>
-              <a:ext uri="{FF2B5EF4-FFF2-40B4-BE49-F238E27FC236}">
-                <a16:creationId xmlns:a16="http://schemas.microsoft.com/office/drawing/2014/main" id="{4BEBFFB0-3422-9540-99C7-6A70E61CA9EE}"/>
-              </a:ext>
-            </a:extLst>
-          </p:cNvPr>
-          <p:cNvSpPr/>
-          <p:nvPr/>
-        </p:nvSpPr>
-        <p:spPr>
-          <a:xfrm>
-            <a:off x="3344807" y="4352460"/>
-            <a:ext cx="1962131" cy="327860"/>
-          </a:xfrm>
-          <a:prstGeom prst="roundRect">
-            <a:avLst/>
-          </a:prstGeom>
-          <a:solidFill>
-            <a:schemeClr val="tx2"/>
-          </a:solidFill>
-          <a:ln>
-            <a:solidFill>
-              <a:schemeClr val="bg1"/>
-            </a:solidFill>
-          </a:ln>
-        </p:spPr>
-        <p:style>
-          <a:lnRef idx="2">
-            <a:schemeClr val="accent1">
-              <a:shade val="50000"/>
-            </a:schemeClr>
-          </a:lnRef>
-          <a:fillRef idx="1">
-            <a:schemeClr val="accent1"/>
-          </a:fillRef>
-          <a:effectRef idx="0">
-            <a:schemeClr val="accent1"/>
-          </a:effectRef>
-          <a:fontRef idx="minor">
-            <a:schemeClr val="lt1"/>
-          </a:fontRef>
-        </p:style>
-        <p:txBody>
-          <a:bodyPr rtlCol="0" anchor="ctr"/>
-          <a:lstStyle/>
-          <a:p>
-            <a:pPr algn="ctr"/>
-            <a:r>
-              <a:rPr lang="en-US" sz="1400" dirty="0">
-                <a:solidFill>
-                  <a:schemeClr val="bg1"/>
-                </a:solidFill>
-                <a:latin typeface="Comic Sans MS" panose="030F0902030302020204" pitchFamily="66" charset="0"/>
-              </a:rPr>
-              <a:t>Update Profile</a:t>
-            </a:r>
-          </a:p>
-        </p:txBody>
-      </p:sp>
-      <p:sp>
-        <p:nvSpPr>
-          <p:cNvPr id="21" name="Rectangle 20">
-            <a:extLst>
-              <a:ext uri="{FF2B5EF4-FFF2-40B4-BE49-F238E27FC236}">
-                <a16:creationId xmlns:a16="http://schemas.microsoft.com/office/drawing/2014/main" id="{61CD5799-7FC2-F04C-ADCF-330CB97C8DA9}"/>
-              </a:ext>
-            </a:extLst>
-          </p:cNvPr>
-          <p:cNvSpPr/>
-          <p:nvPr/>
-        </p:nvSpPr>
-        <p:spPr>
-          <a:xfrm>
-            <a:off x="1188497" y="869150"/>
-            <a:ext cx="9832769" cy="344384"/>
-          </a:xfrm>
-          <a:prstGeom prst="rect">
-            <a:avLst/>
-          </a:prstGeom>
-          <a:solidFill>
-            <a:schemeClr val="bg1"/>
-          </a:solidFill>
-          <a:ln>
-            <a:noFill/>
-          </a:ln>
-        </p:spPr>
-        <p:style>
-          <a:lnRef idx="2">
-            <a:schemeClr val="accent1">
-              <a:shade val="50000"/>
-            </a:schemeClr>
-          </a:lnRef>
-          <a:fillRef idx="1">
-            <a:schemeClr val="accent1"/>
-          </a:fillRef>
-          <a:effectRef idx="0">
-            <a:schemeClr val="accent1"/>
-          </a:effectRef>
-          <a:fontRef idx="minor">
-            <a:schemeClr val="lt1"/>
-          </a:fontRef>
-        </p:style>
-        <p:txBody>
-          <a:bodyPr rtlCol="0" anchor="ctr"/>
-          <a:lstStyle/>
-          <a:p>
-            <a:r>
-              <a:rPr lang="en-US" sz="1400" dirty="0">
-                <a:solidFill>
-                  <a:schemeClr val="tx1"/>
-                </a:solidFill>
-                <a:latin typeface="Comic Sans MS" panose="030F0902030302020204" pitchFamily="66" charset="0"/>
-              </a:rPr>
-              <a:t> Catalog |  Messages</a:t>
-            </a:r>
-          </a:p>
-        </p:txBody>
-      </p:sp>
-      <p:sp>
-        <p:nvSpPr>
-          <p:cNvPr id="24" name="Rectangle 23">
-            <a:extLst>
-              <a:ext uri="{FF2B5EF4-FFF2-40B4-BE49-F238E27FC236}">
-                <a16:creationId xmlns:a16="http://schemas.microsoft.com/office/drawing/2014/main" id="{6866C721-FE01-1B49-8B68-07C98D112373}"/>
-              </a:ext>
-            </a:extLst>
-          </p:cNvPr>
-          <p:cNvSpPr/>
-          <p:nvPr/>
-        </p:nvSpPr>
-        <p:spPr>
-          <a:xfrm>
-            <a:off x="8393087" y="865442"/>
-            <a:ext cx="2562736" cy="344384"/>
-          </a:xfrm>
-          <a:prstGeom prst="rect">
-            <a:avLst/>
-          </a:prstGeom>
-          <a:solidFill>
-            <a:schemeClr val="bg1"/>
-          </a:solidFill>
-          <a:ln>
-            <a:noFill/>
-          </a:ln>
-        </p:spPr>
-        <p:style>
-          <a:lnRef idx="2">
-            <a:schemeClr val="accent1">
-              <a:shade val="50000"/>
-            </a:schemeClr>
-          </a:lnRef>
-          <a:fillRef idx="1">
-            <a:schemeClr val="accent1"/>
-          </a:fillRef>
-          <a:effectRef idx="0">
-            <a:schemeClr val="accent1"/>
-          </a:effectRef>
-          <a:fontRef idx="minor">
-            <a:schemeClr val="lt1"/>
-          </a:fontRef>
-        </p:style>
-        <p:txBody>
-          <a:bodyPr rtlCol="0" anchor="ctr"/>
-          <a:lstStyle/>
-          <a:p>
-            <a:pPr algn="r"/>
-            <a:r>
-              <a:rPr lang="en-US" sz="1400" dirty="0">
-                <a:solidFill>
-                  <a:schemeClr val="tx1"/>
-                </a:solidFill>
-                <a:latin typeface="Comic Sans MS" panose="030F0902030302020204" pitchFamily="66" charset="0"/>
-              </a:rPr>
-              <a:t>Username</a:t>
-            </a:r>
-          </a:p>
-        </p:txBody>
-      </p:sp>
       <p:grpSp>
         <p:nvGrpSpPr>
           <p:cNvPr id="3" name="Group 2">
@@ -13275,7 +13115,7 @@
             </a:ln>
           </p:spPr>
           <p:txBody>
-            <a:bodyPr wrap="none" rtlCol="0">
+            <a:bodyPr wrap="square" rtlCol="0">
               <a:spAutoFit/>
             </a:bodyPr>
             <a:lstStyle/>
@@ -13558,10 +13398,160 @@
       </p:grpSp>
       <p:sp>
         <p:nvSpPr>
-          <p:cNvPr id="27" name="Rectangle 26">
-            <a:extLst>
-              <a:ext uri="{FF2B5EF4-FFF2-40B4-BE49-F238E27FC236}">
-                <a16:creationId xmlns:a16="http://schemas.microsoft.com/office/drawing/2014/main" id="{7E5B074A-002E-D542-B2ED-64BB5A04359A}"/>
+          <p:cNvPr id="2" name="TextBox 1">
+            <a:extLst>
+              <a:ext uri="{FF2B5EF4-FFF2-40B4-BE49-F238E27FC236}">
+                <a16:creationId xmlns:a16="http://schemas.microsoft.com/office/drawing/2014/main" id="{221DED5B-F56B-0F43-A308-4F2DD034B5B7}"/>
+              </a:ext>
+            </a:extLst>
+          </p:cNvPr>
+          <p:cNvSpPr txBox="1"/>
+          <p:nvPr/>
+        </p:nvSpPr>
+        <p:spPr>
+          <a:xfrm>
+            <a:off x="2018803" y="1421284"/>
+            <a:ext cx="2146742" cy="338554"/>
+          </a:xfrm>
+          <a:prstGeom prst="rect">
+            <a:avLst/>
+          </a:prstGeom>
+          <a:noFill/>
+        </p:spPr>
+        <p:txBody>
+          <a:bodyPr wrap="none" rtlCol="0">
+            <a:spAutoFit/>
+          </a:bodyPr>
+          <a:lstStyle/>
+          <a:p>
+            <a:r>
+              <a:rPr lang="en-US" sz="1600" b="1" dirty="0">
+                <a:solidFill>
+                  <a:schemeClr val="bg1"/>
+                </a:solidFill>
+                <a:latin typeface="Comic Sans MS" panose="030F0902030302020204" pitchFamily="66" charset="0"/>
+              </a:rPr>
+              <a:t>Update your Profile</a:t>
+            </a:r>
+          </a:p>
+        </p:txBody>
+      </p:sp>
+      <p:sp>
+        <p:nvSpPr>
+          <p:cNvPr id="7" name="TextBox 6">
+            <a:extLst>
+              <a:ext uri="{FF2B5EF4-FFF2-40B4-BE49-F238E27FC236}">
+                <a16:creationId xmlns:a16="http://schemas.microsoft.com/office/drawing/2014/main" id="{F3573DF9-457D-7948-8B22-DB5337292FA7}"/>
+              </a:ext>
+            </a:extLst>
+          </p:cNvPr>
+          <p:cNvSpPr txBox="1"/>
+          <p:nvPr/>
+        </p:nvSpPr>
+        <p:spPr>
+          <a:xfrm>
+            <a:off x="1784068" y="292529"/>
+            <a:ext cx="2140330" cy="276999"/>
+          </a:xfrm>
+          <a:prstGeom prst="rect">
+            <a:avLst/>
+          </a:prstGeom>
+          <a:noFill/>
+        </p:spPr>
+        <p:txBody>
+          <a:bodyPr wrap="none" rtlCol="0">
+            <a:spAutoFit/>
+          </a:bodyPr>
+          <a:lstStyle/>
+          <a:p>
+            <a:r>
+              <a:rPr lang="en-US" sz="1200" dirty="0" err="1">
+                <a:solidFill>
+                  <a:schemeClr val="bg1"/>
+                </a:solidFill>
+                <a:latin typeface="Comic Sans MS" panose="030F0902030302020204" pitchFamily="66" charset="0"/>
+              </a:rPr>
+              <a:t>SellbackMart</a:t>
+            </a:r>
+            <a:r>
+              <a:rPr lang="en-US" sz="1200" dirty="0">
+                <a:solidFill>
+                  <a:schemeClr val="bg1"/>
+                </a:solidFill>
+                <a:latin typeface="Comic Sans MS" panose="030F0902030302020204" pitchFamily="66" charset="0"/>
+              </a:rPr>
+              <a:t> - Edit Profile</a:t>
+            </a:r>
+          </a:p>
+        </p:txBody>
+      </p:sp>
+      <p:sp>
+        <p:nvSpPr>
+          <p:cNvPr id="8" name="TextBox 7">
+            <a:extLst>
+              <a:ext uri="{FF2B5EF4-FFF2-40B4-BE49-F238E27FC236}">
+                <a16:creationId xmlns:a16="http://schemas.microsoft.com/office/drawing/2014/main" id="{49DF0299-C639-944C-9F0E-91BE71AC7E52}"/>
+              </a:ext>
+            </a:extLst>
+          </p:cNvPr>
+          <p:cNvSpPr txBox="1"/>
+          <p:nvPr/>
+        </p:nvSpPr>
+        <p:spPr>
+          <a:xfrm>
+            <a:off x="2233351" y="581403"/>
+            <a:ext cx="3005876" cy="461665"/>
+          </a:xfrm>
+          <a:prstGeom prst="rect">
+            <a:avLst/>
+          </a:prstGeom>
+          <a:noFill/>
+        </p:spPr>
+        <p:txBody>
+          <a:bodyPr wrap="none" rtlCol="0">
+            <a:spAutoFit/>
+          </a:bodyPr>
+          <a:lstStyle/>
+          <a:p>
+            <a:r>
+              <a:rPr lang="en-US" sz="1200" dirty="0">
+                <a:solidFill>
+                  <a:schemeClr val="bg1"/>
+                </a:solidFill>
+                <a:latin typeface="Comic Sans MS" panose="030F0902030302020204" pitchFamily="66" charset="0"/>
+                <a:hlinkClick r:id="rId2">
+                  <a:extLst>
+                    <a:ext uri="{A12FA001-AC4F-418D-AE19-62706E023703}">
+                      <ahyp:hlinkClr xmlns:ahyp="http://schemas.microsoft.com/office/drawing/2018/hyperlinkcolor" val="tx"/>
+                    </a:ext>
+                  </a:extLst>
+                </a:hlinkClick>
+              </a:rPr>
+              <a:t>http://localhost:3000/my_Profile/edit</a:t>
+            </a:r>
+            <a:endParaRPr lang="en-US" sz="1200" dirty="0">
+              <a:solidFill>
+                <a:schemeClr val="bg1"/>
+              </a:solidFill>
+              <a:latin typeface="Comic Sans MS" panose="030F0902030302020204" pitchFamily="66" charset="0"/>
+            </a:endParaRPr>
+          </a:p>
+          <a:p>
+            <a:endParaRPr lang="en-US" sz="1200" dirty="0">
+              <a:solidFill>
+                <a:schemeClr val="bg1"/>
+              </a:solidFill>
+              <a:latin typeface="Comic Sans MS" panose="030F0902030302020204" pitchFamily="66" charset="0"/>
+            </a:endParaRPr>
+          </a:p>
+        </p:txBody>
+      </p:sp>
+      <p:sp>
+        <p:nvSpPr>
+          <p:cNvPr id="16" name="Rectangle 15">
+            <a:extLst>
+              <a:ext uri="{FF2B5EF4-FFF2-40B4-BE49-F238E27FC236}">
+                <a16:creationId xmlns:a16="http://schemas.microsoft.com/office/drawing/2014/main" id="{61CD5799-7FC2-F04C-ADCF-330CB97C8DA9}"/>
               </a:ext>
             </a:extLst>
           </p:cNvPr>
@@ -13570,14 +13560,14 @@
         </p:nvSpPr>
         <p:spPr>
           <a:xfrm>
-            <a:off x="1188497" y="869150"/>
+            <a:off x="1175657" y="870277"/>
             <a:ext cx="9832769" cy="344384"/>
           </a:xfrm>
           <a:prstGeom prst="rect">
             <a:avLst/>
           </a:prstGeom>
           <a:solidFill>
-            <a:schemeClr val="tx1"/>
+            <a:schemeClr val="bg1"/>
           </a:solidFill>
           <a:ln>
             <a:noFill/>
@@ -13606,55 +13596,21 @@
             <a:r>
               <a:rPr lang="en-US" sz="1400" dirty="0">
                 <a:solidFill>
-                  <a:schemeClr val="accent1">
-                    <a:lumMod val="50000"/>
-                  </a:schemeClr>
-                </a:solidFill>
-                <a:latin typeface="Comic Sans MS" panose="030F0902030302020204" pitchFamily="66" charset="0"/>
-              </a:rPr>
-              <a:t> </a:t>
-            </a:r>
-            <a:r>
-              <a:rPr lang="en-US" sz="2400" b="1" dirty="0" err="1">
-                <a:solidFill>
-                  <a:schemeClr val="accent1">
-                    <a:lumMod val="50000"/>
-                  </a:schemeClr>
-                </a:solidFill>
-                <a:latin typeface="Comic Sans MS" panose="030F0902030302020204" pitchFamily="66" charset="0"/>
-              </a:rPr>
-              <a:t>SellBack</a:t>
-            </a:r>
-            <a:r>
-              <a:rPr lang="en-US" sz="2400" b="1" dirty="0" err="1">
-                <a:solidFill>
-                  <a:schemeClr val="accent1">
-                    <a:lumMod val="60000"/>
-                    <a:lumOff val="40000"/>
-                  </a:schemeClr>
-                </a:solidFill>
-                <a:latin typeface="Comic Sans MS" panose="030F0902030302020204" pitchFamily="66" charset="0"/>
-              </a:rPr>
-              <a:t>Mart</a:t>
-            </a:r>
-            <a:endParaRPr lang="en-US" sz="1400" b="1" dirty="0">
-              <a:solidFill>
-                <a:schemeClr val="accent1">
-                  <a:lumMod val="60000"/>
-                  <a:lumOff val="40000"/>
-                </a:schemeClr>
-              </a:solidFill>
-              <a:latin typeface="Comic Sans MS" panose="030F0902030302020204" pitchFamily="66" charset="0"/>
-            </a:endParaRPr>
-          </a:p>
-        </p:txBody>
-      </p:sp>
-      <p:sp>
-        <p:nvSpPr>
-          <p:cNvPr id="28" name="Rectangle 27">
-            <a:extLst>
-              <a:ext uri="{FF2B5EF4-FFF2-40B4-BE49-F238E27FC236}">
-                <a16:creationId xmlns:a16="http://schemas.microsoft.com/office/drawing/2014/main" id="{5539EB55-625C-3042-B2C8-1751F3084F12}"/>
+                  <a:schemeClr val="tx1"/>
+                </a:solidFill>
+                <a:latin typeface="Comic Sans MS" panose="030F0902030302020204" pitchFamily="66" charset="0"/>
+              </a:rPr>
+              <a:t>Profile |  Catalog |  Messages</a:t>
+            </a:r>
+          </a:p>
+        </p:txBody>
+      </p:sp>
+      <p:sp>
+        <p:nvSpPr>
+          <p:cNvPr id="17" name="Rectangle 16">
+            <a:extLst>
+              <a:ext uri="{FF2B5EF4-FFF2-40B4-BE49-F238E27FC236}">
+                <a16:creationId xmlns:a16="http://schemas.microsoft.com/office/drawing/2014/main" id="{6866C721-FE01-1B49-8B68-07C98D112373}"/>
               </a:ext>
             </a:extLst>
           </p:cNvPr>
@@ -13663,14 +13619,14 @@
         </p:nvSpPr>
         <p:spPr>
           <a:xfrm>
-            <a:off x="6911440" y="865442"/>
-            <a:ext cx="4044384" cy="344384"/>
+            <a:off x="8445690" y="870277"/>
+            <a:ext cx="2562736" cy="344384"/>
           </a:xfrm>
           <a:prstGeom prst="rect">
             <a:avLst/>
           </a:prstGeom>
           <a:solidFill>
-            <a:schemeClr val="tx1"/>
+            <a:schemeClr val="bg1"/>
           </a:solidFill>
           <a:ln>
             <a:noFill/>
@@ -13700,6 +13656,402 @@
             <a:r>
               <a:rPr lang="en-US" sz="1400" dirty="0">
                 <a:solidFill>
+                  <a:schemeClr val="tx1"/>
+                </a:solidFill>
+                <a:latin typeface="Comic Sans MS" panose="030F0902030302020204" pitchFamily="66" charset="0"/>
+              </a:rPr>
+              <a:t>Log Out</a:t>
+            </a:r>
+          </a:p>
+        </p:txBody>
+      </p:sp>
+      <p:sp>
+        <p:nvSpPr>
+          <p:cNvPr id="18" name="Rounded Rectangle 17">
+            <a:extLst>
+              <a:ext uri="{FF2B5EF4-FFF2-40B4-BE49-F238E27FC236}">
+                <a16:creationId xmlns:a16="http://schemas.microsoft.com/office/drawing/2014/main" id="{5BCBF1FE-BD27-3C4C-892A-36F7CB191B90}"/>
+              </a:ext>
+            </a:extLst>
+          </p:cNvPr>
+          <p:cNvSpPr/>
+          <p:nvPr/>
+        </p:nvSpPr>
+        <p:spPr>
+          <a:xfrm>
+            <a:off x="3301096" y="5737439"/>
+            <a:ext cx="831642" cy="327860"/>
+          </a:xfrm>
+          <a:prstGeom prst="roundRect">
+            <a:avLst/>
+          </a:prstGeom>
+          <a:solidFill>
+            <a:schemeClr val="tx2"/>
+          </a:solidFill>
+          <a:ln>
+            <a:solidFill>
+              <a:schemeClr val="bg1"/>
+            </a:solidFill>
+          </a:ln>
+        </p:spPr>
+        <p:style>
+          <a:lnRef idx="2">
+            <a:schemeClr val="accent1">
+              <a:shade val="50000"/>
+            </a:schemeClr>
+          </a:lnRef>
+          <a:fillRef idx="1">
+            <a:schemeClr val="accent1"/>
+          </a:fillRef>
+          <a:effectRef idx="0">
+            <a:schemeClr val="accent1"/>
+          </a:effectRef>
+          <a:fontRef idx="minor">
+            <a:schemeClr val="lt1"/>
+          </a:fontRef>
+        </p:style>
+        <p:txBody>
+          <a:bodyPr rtlCol="0" anchor="ctr"/>
+          <a:lstStyle/>
+          <a:p>
+            <a:pPr algn="ctr"/>
+            <a:r>
+              <a:rPr lang="en-US" sz="1400" dirty="0">
+                <a:solidFill>
+                  <a:schemeClr val="bg1"/>
+                </a:solidFill>
+                <a:latin typeface="Comic Sans MS" panose="030F0902030302020204" pitchFamily="66" charset="0"/>
+              </a:rPr>
+              <a:t>Back</a:t>
+            </a:r>
+          </a:p>
+        </p:txBody>
+      </p:sp>
+      <p:sp>
+        <p:nvSpPr>
+          <p:cNvPr id="20" name="Rounded Rectangle 19">
+            <a:extLst>
+              <a:ext uri="{FF2B5EF4-FFF2-40B4-BE49-F238E27FC236}">
+                <a16:creationId xmlns:a16="http://schemas.microsoft.com/office/drawing/2014/main" id="{4BEBFFB0-3422-9540-99C7-6A70E61CA9EE}"/>
+              </a:ext>
+            </a:extLst>
+          </p:cNvPr>
+          <p:cNvSpPr/>
+          <p:nvPr/>
+        </p:nvSpPr>
+        <p:spPr>
+          <a:xfrm>
+            <a:off x="3301096" y="6199170"/>
+            <a:ext cx="1962131" cy="327860"/>
+          </a:xfrm>
+          <a:prstGeom prst="roundRect">
+            <a:avLst/>
+          </a:prstGeom>
+          <a:solidFill>
+            <a:schemeClr val="tx2"/>
+          </a:solidFill>
+          <a:ln>
+            <a:solidFill>
+              <a:schemeClr val="bg1"/>
+            </a:solidFill>
+          </a:ln>
+        </p:spPr>
+        <p:style>
+          <a:lnRef idx="2">
+            <a:schemeClr val="accent1">
+              <a:shade val="50000"/>
+            </a:schemeClr>
+          </a:lnRef>
+          <a:fillRef idx="1">
+            <a:schemeClr val="accent1"/>
+          </a:fillRef>
+          <a:effectRef idx="0">
+            <a:schemeClr val="accent1"/>
+          </a:effectRef>
+          <a:fontRef idx="minor">
+            <a:schemeClr val="lt1"/>
+          </a:fontRef>
+        </p:style>
+        <p:txBody>
+          <a:bodyPr rtlCol="0" anchor="ctr"/>
+          <a:lstStyle/>
+          <a:p>
+            <a:pPr algn="ctr"/>
+            <a:r>
+              <a:rPr lang="en-US" sz="1400" dirty="0">
+                <a:solidFill>
+                  <a:schemeClr val="bg1"/>
+                </a:solidFill>
+                <a:latin typeface="Comic Sans MS" panose="030F0902030302020204" pitchFamily="66" charset="0"/>
+              </a:rPr>
+              <a:t>Update Profile</a:t>
+            </a:r>
+          </a:p>
+        </p:txBody>
+      </p:sp>
+      <p:sp>
+        <p:nvSpPr>
+          <p:cNvPr id="21" name="Rectangle 20">
+            <a:extLst>
+              <a:ext uri="{FF2B5EF4-FFF2-40B4-BE49-F238E27FC236}">
+                <a16:creationId xmlns:a16="http://schemas.microsoft.com/office/drawing/2014/main" id="{61CD5799-7FC2-F04C-ADCF-330CB97C8DA9}"/>
+              </a:ext>
+            </a:extLst>
+          </p:cNvPr>
+          <p:cNvSpPr/>
+          <p:nvPr/>
+        </p:nvSpPr>
+        <p:spPr>
+          <a:xfrm>
+            <a:off x="1188497" y="869150"/>
+            <a:ext cx="9832769" cy="344384"/>
+          </a:xfrm>
+          <a:prstGeom prst="rect">
+            <a:avLst/>
+          </a:prstGeom>
+          <a:solidFill>
+            <a:schemeClr val="bg1"/>
+          </a:solidFill>
+          <a:ln>
+            <a:noFill/>
+          </a:ln>
+        </p:spPr>
+        <p:style>
+          <a:lnRef idx="2">
+            <a:schemeClr val="accent1">
+              <a:shade val="50000"/>
+            </a:schemeClr>
+          </a:lnRef>
+          <a:fillRef idx="1">
+            <a:schemeClr val="accent1"/>
+          </a:fillRef>
+          <a:effectRef idx="0">
+            <a:schemeClr val="accent1"/>
+          </a:effectRef>
+          <a:fontRef idx="minor">
+            <a:schemeClr val="lt1"/>
+          </a:fontRef>
+        </p:style>
+        <p:txBody>
+          <a:bodyPr rtlCol="0" anchor="ctr"/>
+          <a:lstStyle/>
+          <a:p>
+            <a:r>
+              <a:rPr lang="en-US" sz="1400" dirty="0">
+                <a:solidFill>
+                  <a:schemeClr val="tx1"/>
+                </a:solidFill>
+                <a:latin typeface="Comic Sans MS" panose="030F0902030302020204" pitchFamily="66" charset="0"/>
+              </a:rPr>
+              <a:t> Catalog |  Messages</a:t>
+            </a:r>
+          </a:p>
+        </p:txBody>
+      </p:sp>
+      <p:sp>
+        <p:nvSpPr>
+          <p:cNvPr id="24" name="Rectangle 23">
+            <a:extLst>
+              <a:ext uri="{FF2B5EF4-FFF2-40B4-BE49-F238E27FC236}">
+                <a16:creationId xmlns:a16="http://schemas.microsoft.com/office/drawing/2014/main" id="{6866C721-FE01-1B49-8B68-07C98D112373}"/>
+              </a:ext>
+            </a:extLst>
+          </p:cNvPr>
+          <p:cNvSpPr/>
+          <p:nvPr/>
+        </p:nvSpPr>
+        <p:spPr>
+          <a:xfrm>
+            <a:off x="8393087" y="865442"/>
+            <a:ext cx="2562736" cy="344384"/>
+          </a:xfrm>
+          <a:prstGeom prst="rect">
+            <a:avLst/>
+          </a:prstGeom>
+          <a:solidFill>
+            <a:schemeClr val="bg1"/>
+          </a:solidFill>
+          <a:ln>
+            <a:noFill/>
+          </a:ln>
+        </p:spPr>
+        <p:style>
+          <a:lnRef idx="2">
+            <a:schemeClr val="accent1">
+              <a:shade val="50000"/>
+            </a:schemeClr>
+          </a:lnRef>
+          <a:fillRef idx="1">
+            <a:schemeClr val="accent1"/>
+          </a:fillRef>
+          <a:effectRef idx="0">
+            <a:schemeClr val="accent1"/>
+          </a:effectRef>
+          <a:fontRef idx="minor">
+            <a:schemeClr val="lt1"/>
+          </a:fontRef>
+        </p:style>
+        <p:txBody>
+          <a:bodyPr rtlCol="0" anchor="ctr"/>
+          <a:lstStyle/>
+          <a:p>
+            <a:pPr algn="r"/>
+            <a:r>
+              <a:rPr lang="en-US" sz="1400" dirty="0">
+                <a:solidFill>
+                  <a:schemeClr val="tx1"/>
+                </a:solidFill>
+                <a:latin typeface="Comic Sans MS" panose="030F0902030302020204" pitchFamily="66" charset="0"/>
+              </a:rPr>
+              <a:t>Username</a:t>
+            </a:r>
+          </a:p>
+        </p:txBody>
+      </p:sp>
+      <p:sp>
+        <p:nvSpPr>
+          <p:cNvPr id="27" name="Rectangle 26">
+            <a:extLst>
+              <a:ext uri="{FF2B5EF4-FFF2-40B4-BE49-F238E27FC236}">
+                <a16:creationId xmlns:a16="http://schemas.microsoft.com/office/drawing/2014/main" id="{7E5B074A-002E-D542-B2ED-64BB5A04359A}"/>
+              </a:ext>
+            </a:extLst>
+          </p:cNvPr>
+          <p:cNvSpPr/>
+          <p:nvPr/>
+        </p:nvSpPr>
+        <p:spPr>
+          <a:xfrm>
+            <a:off x="1188497" y="869150"/>
+            <a:ext cx="9832769" cy="344384"/>
+          </a:xfrm>
+          <a:prstGeom prst="rect">
+            <a:avLst/>
+          </a:prstGeom>
+          <a:solidFill>
+            <a:schemeClr val="tx1"/>
+          </a:solidFill>
+          <a:ln>
+            <a:noFill/>
+          </a:ln>
+        </p:spPr>
+        <p:style>
+          <a:lnRef idx="2">
+            <a:schemeClr val="accent1">
+              <a:shade val="50000"/>
+            </a:schemeClr>
+          </a:lnRef>
+          <a:fillRef idx="1">
+            <a:schemeClr val="accent1"/>
+          </a:fillRef>
+          <a:effectRef idx="0">
+            <a:schemeClr val="accent1"/>
+          </a:effectRef>
+          <a:fontRef idx="minor">
+            <a:schemeClr val="lt1"/>
+          </a:fontRef>
+        </p:style>
+        <p:txBody>
+          <a:bodyPr rtlCol="0" anchor="ctr"/>
+          <a:lstStyle/>
+          <a:p>
+            <a:r>
+              <a:rPr lang="en-US" sz="1400" dirty="0">
+                <a:solidFill>
+                  <a:schemeClr val="accent1">
+                    <a:lumMod val="50000"/>
+                  </a:schemeClr>
+                </a:solidFill>
+                <a:latin typeface="Comic Sans MS" panose="030F0902030302020204" pitchFamily="66" charset="0"/>
+              </a:rPr>
+              <a:t> </a:t>
+            </a:r>
+            <a:r>
+              <a:rPr lang="en-US" sz="2400" b="1" dirty="0" err="1">
+                <a:solidFill>
+                  <a:schemeClr val="accent1">
+                    <a:lumMod val="50000"/>
+                  </a:schemeClr>
+                </a:solidFill>
+                <a:latin typeface="Comic Sans MS" panose="030F0902030302020204" pitchFamily="66" charset="0"/>
+              </a:rPr>
+              <a:t>SellBack</a:t>
+            </a:r>
+            <a:r>
+              <a:rPr lang="en-US" sz="2400" b="1" dirty="0" err="1">
+                <a:solidFill>
+                  <a:schemeClr val="accent1">
+                    <a:lumMod val="60000"/>
+                    <a:lumOff val="40000"/>
+                  </a:schemeClr>
+                </a:solidFill>
+                <a:latin typeface="Comic Sans MS" panose="030F0902030302020204" pitchFamily="66" charset="0"/>
+              </a:rPr>
+              <a:t>Mart</a:t>
+            </a:r>
+            <a:endParaRPr lang="en-US" sz="1400" b="1" dirty="0">
+              <a:solidFill>
+                <a:schemeClr val="accent1">
+                  <a:lumMod val="60000"/>
+                  <a:lumOff val="40000"/>
+                </a:schemeClr>
+              </a:solidFill>
+              <a:latin typeface="Comic Sans MS" panose="030F0902030302020204" pitchFamily="66" charset="0"/>
+            </a:endParaRPr>
+          </a:p>
+        </p:txBody>
+      </p:sp>
+      <p:sp>
+        <p:nvSpPr>
+          <p:cNvPr id="28" name="Rectangle 27">
+            <a:extLst>
+              <a:ext uri="{FF2B5EF4-FFF2-40B4-BE49-F238E27FC236}">
+                <a16:creationId xmlns:a16="http://schemas.microsoft.com/office/drawing/2014/main" id="{5539EB55-625C-3042-B2C8-1751F3084F12}"/>
+              </a:ext>
+            </a:extLst>
+          </p:cNvPr>
+          <p:cNvSpPr/>
+          <p:nvPr/>
+        </p:nvSpPr>
+        <p:spPr>
+          <a:xfrm>
+            <a:off x="6911440" y="865442"/>
+            <a:ext cx="4044384" cy="344384"/>
+          </a:xfrm>
+          <a:prstGeom prst="rect">
+            <a:avLst/>
+          </a:prstGeom>
+          <a:solidFill>
+            <a:schemeClr val="tx1"/>
+          </a:solidFill>
+          <a:ln>
+            <a:noFill/>
+          </a:ln>
+        </p:spPr>
+        <p:style>
+          <a:lnRef idx="2">
+            <a:schemeClr val="accent1">
+              <a:shade val="50000"/>
+            </a:schemeClr>
+          </a:lnRef>
+          <a:fillRef idx="1">
+            <a:schemeClr val="accent1"/>
+          </a:fillRef>
+          <a:effectRef idx="0">
+            <a:schemeClr val="accent1"/>
+          </a:effectRef>
+          <a:fontRef idx="minor">
+            <a:schemeClr val="lt1"/>
+          </a:fontRef>
+        </p:style>
+        <p:txBody>
+          <a:bodyPr rtlCol="0" anchor="ctr"/>
+          <a:lstStyle/>
+          <a:p>
+            <a:pPr algn="r"/>
+            <a:r>
+              <a:rPr lang="en-US" sz="1400" dirty="0">
+                <a:solidFill>
                   <a:schemeClr val="bg2">
                     <a:lumMod val="50000"/>
                   </a:schemeClr>
@@ -13773,7 +14125,7 @@
         </p:nvSpPr>
         <p:spPr>
           <a:xfrm>
-            <a:off x="8238979" y="4961066"/>
+            <a:off x="8151476" y="6458562"/>
             <a:ext cx="3151163" cy="276999"/>
           </a:xfrm>
           <a:prstGeom prst="rect">
@@ -13796,6 +14148,456 @@
                 <a:latin typeface="Comic Sans MS" panose="030F0902030302020204" pitchFamily="66" charset="0"/>
               </a:rPr>
               <a:t>Cancel my account</a:t>
+            </a:r>
+          </a:p>
+        </p:txBody>
+      </p:sp>
+      <p:sp>
+        <p:nvSpPr>
+          <p:cNvPr id="9" name="Frame 8">
+            <a:extLst>
+              <a:ext uri="{FF2B5EF4-FFF2-40B4-BE49-F238E27FC236}">
+                <a16:creationId xmlns:a16="http://schemas.microsoft.com/office/drawing/2014/main" id="{CCB327BD-FBAC-3B46-A69C-C4BCC0F4B7E1}"/>
+              </a:ext>
+            </a:extLst>
+          </p:cNvPr>
+          <p:cNvSpPr/>
+          <p:nvPr/>
+        </p:nvSpPr>
+        <p:spPr>
+          <a:xfrm>
+            <a:off x="5178784" y="4307899"/>
+            <a:ext cx="225961" cy="198120"/>
+          </a:xfrm>
+          <a:prstGeom prst="frame">
+            <a:avLst/>
+          </a:prstGeom>
+        </p:spPr>
+        <p:style>
+          <a:lnRef idx="2">
+            <a:schemeClr val="accent1">
+              <a:shade val="50000"/>
+            </a:schemeClr>
+          </a:lnRef>
+          <a:fillRef idx="1">
+            <a:schemeClr val="accent1"/>
+          </a:fillRef>
+          <a:effectRef idx="0">
+            <a:schemeClr val="accent1"/>
+          </a:effectRef>
+          <a:fontRef idx="minor">
+            <a:schemeClr val="lt1"/>
+          </a:fontRef>
+        </p:style>
+        <p:txBody>
+          <a:bodyPr rtlCol="0" anchor="ctr"/>
+          <a:lstStyle/>
+          <a:p>
+            <a:pPr algn="ctr"/>
+            <a:endParaRPr lang="en-US">
+              <a:solidFill>
+                <a:schemeClr val="tx1"/>
+              </a:solidFill>
+            </a:endParaRPr>
+          </a:p>
+        </p:txBody>
+      </p:sp>
+      <p:sp>
+        <p:nvSpPr>
+          <p:cNvPr id="26" name="Frame 25">
+            <a:extLst>
+              <a:ext uri="{FF2B5EF4-FFF2-40B4-BE49-F238E27FC236}">
+                <a16:creationId xmlns:a16="http://schemas.microsoft.com/office/drawing/2014/main" id="{56625405-1484-434B-9D1B-598BC2F1FCDB}"/>
+              </a:ext>
+            </a:extLst>
+          </p:cNvPr>
+          <p:cNvSpPr/>
+          <p:nvPr/>
+        </p:nvSpPr>
+        <p:spPr>
+          <a:xfrm>
+            <a:off x="5191212" y="4624807"/>
+            <a:ext cx="225961" cy="198120"/>
+          </a:xfrm>
+          <a:prstGeom prst="frame">
+            <a:avLst/>
+          </a:prstGeom>
+        </p:spPr>
+        <p:style>
+          <a:lnRef idx="2">
+            <a:schemeClr val="accent1">
+              <a:shade val="50000"/>
+            </a:schemeClr>
+          </a:lnRef>
+          <a:fillRef idx="1">
+            <a:schemeClr val="accent1"/>
+          </a:fillRef>
+          <a:effectRef idx="0">
+            <a:schemeClr val="accent1"/>
+          </a:effectRef>
+          <a:fontRef idx="minor">
+            <a:schemeClr val="lt1"/>
+          </a:fontRef>
+        </p:style>
+        <p:txBody>
+          <a:bodyPr rtlCol="0" anchor="ctr"/>
+          <a:lstStyle/>
+          <a:p>
+            <a:pPr algn="ctr"/>
+            <a:endParaRPr lang="en-US">
+              <a:solidFill>
+                <a:schemeClr val="tx1"/>
+              </a:solidFill>
+            </a:endParaRPr>
+          </a:p>
+        </p:txBody>
+      </p:sp>
+      <p:sp>
+        <p:nvSpPr>
+          <p:cNvPr id="29" name="Frame 28">
+            <a:extLst>
+              <a:ext uri="{FF2B5EF4-FFF2-40B4-BE49-F238E27FC236}">
+                <a16:creationId xmlns:a16="http://schemas.microsoft.com/office/drawing/2014/main" id="{25E8A6F8-D221-B546-8866-F69F65FD46DF}"/>
+              </a:ext>
+            </a:extLst>
+          </p:cNvPr>
+          <p:cNvSpPr/>
+          <p:nvPr/>
+        </p:nvSpPr>
+        <p:spPr>
+          <a:xfrm>
+            <a:off x="5191212" y="4926291"/>
+            <a:ext cx="225961" cy="198120"/>
+          </a:xfrm>
+          <a:prstGeom prst="frame">
+            <a:avLst/>
+          </a:prstGeom>
+        </p:spPr>
+        <p:style>
+          <a:lnRef idx="2">
+            <a:schemeClr val="accent1">
+              <a:shade val="50000"/>
+            </a:schemeClr>
+          </a:lnRef>
+          <a:fillRef idx="1">
+            <a:schemeClr val="accent1"/>
+          </a:fillRef>
+          <a:effectRef idx="0">
+            <a:schemeClr val="accent1"/>
+          </a:effectRef>
+          <a:fontRef idx="minor">
+            <a:schemeClr val="lt1"/>
+          </a:fontRef>
+        </p:style>
+        <p:txBody>
+          <a:bodyPr rtlCol="0" anchor="ctr"/>
+          <a:lstStyle/>
+          <a:p>
+            <a:pPr algn="ctr"/>
+            <a:endParaRPr lang="en-US">
+              <a:solidFill>
+                <a:schemeClr val="tx1"/>
+              </a:solidFill>
+            </a:endParaRPr>
+          </a:p>
+        </p:txBody>
+      </p:sp>
+      <p:sp>
+        <p:nvSpPr>
+          <p:cNvPr id="30" name="Frame 29">
+            <a:extLst>
+              <a:ext uri="{FF2B5EF4-FFF2-40B4-BE49-F238E27FC236}">
+                <a16:creationId xmlns:a16="http://schemas.microsoft.com/office/drawing/2014/main" id="{FBE8C8FD-96A3-3F4A-AEC0-D7037FF67D02}"/>
+              </a:ext>
+            </a:extLst>
+          </p:cNvPr>
+          <p:cNvSpPr/>
+          <p:nvPr/>
+        </p:nvSpPr>
+        <p:spPr>
+          <a:xfrm>
+            <a:off x="5190388" y="5227775"/>
+            <a:ext cx="225961" cy="198120"/>
+          </a:xfrm>
+          <a:prstGeom prst="frame">
+            <a:avLst/>
+          </a:prstGeom>
+        </p:spPr>
+        <p:style>
+          <a:lnRef idx="2">
+            <a:schemeClr val="accent1">
+              <a:shade val="50000"/>
+            </a:schemeClr>
+          </a:lnRef>
+          <a:fillRef idx="1">
+            <a:schemeClr val="accent1"/>
+          </a:fillRef>
+          <a:effectRef idx="0">
+            <a:schemeClr val="accent1"/>
+          </a:effectRef>
+          <a:fontRef idx="minor">
+            <a:schemeClr val="lt1"/>
+          </a:fontRef>
+        </p:style>
+        <p:txBody>
+          <a:bodyPr rtlCol="0" anchor="ctr"/>
+          <a:lstStyle/>
+          <a:p>
+            <a:pPr algn="ctr"/>
+            <a:endParaRPr lang="en-US">
+              <a:solidFill>
+                <a:schemeClr val="tx1"/>
+              </a:solidFill>
+            </a:endParaRPr>
+          </a:p>
+        </p:txBody>
+      </p:sp>
+      <p:sp>
+        <p:nvSpPr>
+          <p:cNvPr id="10" name="TextBox 9">
+            <a:extLst>
+              <a:ext uri="{FF2B5EF4-FFF2-40B4-BE49-F238E27FC236}">
+                <a16:creationId xmlns:a16="http://schemas.microsoft.com/office/drawing/2014/main" id="{9ACDB8CE-8F91-2E43-8EDC-B3D9F3C43143}"/>
+              </a:ext>
+            </a:extLst>
+          </p:cNvPr>
+          <p:cNvSpPr txBox="1"/>
+          <p:nvPr/>
+        </p:nvSpPr>
+        <p:spPr>
+          <a:xfrm>
+            <a:off x="3288700" y="4258793"/>
+            <a:ext cx="2600305" cy="276999"/>
+          </a:xfrm>
+          <a:prstGeom prst="rect">
+            <a:avLst/>
+          </a:prstGeom>
+          <a:noFill/>
+        </p:spPr>
+        <p:txBody>
+          <a:bodyPr wrap="square" rtlCol="0">
+            <a:spAutoFit/>
+          </a:bodyPr>
+          <a:lstStyle/>
+          <a:p>
+            <a:pPr algn="l"/>
+            <a:r>
+              <a:rPr lang="en-US" sz="1200" dirty="0">
+                <a:solidFill>
+                  <a:schemeClr val="bg1"/>
+                </a:solidFill>
+                <a:latin typeface="Comic Sans MS" panose="030F0902030302020204" pitchFamily="66" charset="0"/>
+              </a:rPr>
+              <a:t>Comment notifications</a:t>
+            </a:r>
+            <a:endParaRPr lang="en-US" sz="1100" dirty="0">
+              <a:solidFill>
+                <a:schemeClr val="bg1"/>
+              </a:solidFill>
+              <a:latin typeface="Comic Sans MS" panose="030F0902030302020204" pitchFamily="66" charset="0"/>
+            </a:endParaRPr>
+          </a:p>
+        </p:txBody>
+      </p:sp>
+      <p:sp>
+        <p:nvSpPr>
+          <p:cNvPr id="31" name="TextBox 30">
+            <a:extLst>
+              <a:ext uri="{FF2B5EF4-FFF2-40B4-BE49-F238E27FC236}">
+                <a16:creationId xmlns:a16="http://schemas.microsoft.com/office/drawing/2014/main" id="{9CF0938C-4F26-B84F-8C67-4BD2466E27CE}"/>
+              </a:ext>
+            </a:extLst>
+          </p:cNvPr>
+          <p:cNvSpPr txBox="1"/>
+          <p:nvPr/>
+        </p:nvSpPr>
+        <p:spPr>
+          <a:xfrm>
+            <a:off x="3277096" y="4596745"/>
+            <a:ext cx="2600305" cy="276999"/>
+          </a:xfrm>
+          <a:prstGeom prst="rect">
+            <a:avLst/>
+          </a:prstGeom>
+          <a:noFill/>
+        </p:spPr>
+        <p:txBody>
+          <a:bodyPr wrap="square" rtlCol="0">
+            <a:spAutoFit/>
+          </a:bodyPr>
+          <a:lstStyle/>
+          <a:p>
+            <a:pPr algn="l"/>
+            <a:r>
+              <a:rPr lang="en-US" sz="1200" dirty="0">
+                <a:solidFill>
+                  <a:schemeClr val="bg1"/>
+                </a:solidFill>
+                <a:latin typeface="Comic Sans MS" panose="030F0902030302020204" pitchFamily="66" charset="0"/>
+              </a:rPr>
+              <a:t>Response notifications</a:t>
+            </a:r>
+            <a:endParaRPr lang="en-US" sz="1100" dirty="0">
+              <a:solidFill>
+                <a:schemeClr val="bg1"/>
+              </a:solidFill>
+              <a:latin typeface="Comic Sans MS" panose="030F0902030302020204" pitchFamily="66" charset="0"/>
+            </a:endParaRPr>
+          </a:p>
+        </p:txBody>
+      </p:sp>
+      <p:sp>
+        <p:nvSpPr>
+          <p:cNvPr id="32" name="TextBox 31">
+            <a:extLst>
+              <a:ext uri="{FF2B5EF4-FFF2-40B4-BE49-F238E27FC236}">
+                <a16:creationId xmlns:a16="http://schemas.microsoft.com/office/drawing/2014/main" id="{2DBCA87D-FF23-F145-9BF8-9C76AE060A7E}"/>
+              </a:ext>
+            </a:extLst>
+          </p:cNvPr>
+          <p:cNvSpPr txBox="1"/>
+          <p:nvPr/>
+        </p:nvSpPr>
+        <p:spPr>
+          <a:xfrm>
+            <a:off x="3301097" y="4874022"/>
+            <a:ext cx="2600305" cy="276999"/>
+          </a:xfrm>
+          <a:prstGeom prst="rect">
+            <a:avLst/>
+          </a:prstGeom>
+          <a:noFill/>
+        </p:spPr>
+        <p:txBody>
+          <a:bodyPr wrap="square" rtlCol="0">
+            <a:spAutoFit/>
+          </a:bodyPr>
+          <a:lstStyle/>
+          <a:p>
+            <a:pPr algn="l"/>
+            <a:r>
+              <a:rPr lang="en-US" sz="1200" dirty="0">
+                <a:solidFill>
+                  <a:schemeClr val="bg1"/>
+                </a:solidFill>
+                <a:latin typeface="Comic Sans MS" panose="030F0902030302020204" pitchFamily="66" charset="0"/>
+              </a:rPr>
+              <a:t>Message notifications</a:t>
+            </a:r>
+            <a:endParaRPr lang="en-US" sz="1100" dirty="0">
+              <a:solidFill>
+                <a:schemeClr val="bg1"/>
+              </a:solidFill>
+              <a:latin typeface="Comic Sans MS" panose="030F0902030302020204" pitchFamily="66" charset="0"/>
+            </a:endParaRPr>
+          </a:p>
+        </p:txBody>
+      </p:sp>
+      <p:sp>
+        <p:nvSpPr>
+          <p:cNvPr id="33" name="TextBox 32">
+            <a:extLst>
+              <a:ext uri="{FF2B5EF4-FFF2-40B4-BE49-F238E27FC236}">
+                <a16:creationId xmlns:a16="http://schemas.microsoft.com/office/drawing/2014/main" id="{6948D75D-109B-4A48-8385-2B6DC6C772F0}"/>
+              </a:ext>
+            </a:extLst>
+          </p:cNvPr>
+          <p:cNvSpPr txBox="1"/>
+          <p:nvPr/>
+        </p:nvSpPr>
+        <p:spPr>
+          <a:xfrm>
+            <a:off x="3301096" y="5192167"/>
+            <a:ext cx="2600305" cy="276999"/>
+          </a:xfrm>
+          <a:prstGeom prst="rect">
+            <a:avLst/>
+          </a:prstGeom>
+          <a:noFill/>
+        </p:spPr>
+        <p:txBody>
+          <a:bodyPr wrap="square" rtlCol="0">
+            <a:spAutoFit/>
+          </a:bodyPr>
+          <a:lstStyle/>
+          <a:p>
+            <a:pPr algn="l"/>
+            <a:r>
+              <a:rPr lang="en-US" sz="1200" dirty="0">
+                <a:solidFill>
+                  <a:schemeClr val="bg1"/>
+                </a:solidFill>
+                <a:latin typeface="Comic Sans MS" panose="030F0902030302020204" pitchFamily="66" charset="0"/>
+              </a:rPr>
+              <a:t>Watchlist notifications</a:t>
+            </a:r>
+            <a:endParaRPr lang="en-US" sz="1100" dirty="0">
+              <a:solidFill>
+                <a:schemeClr val="bg1"/>
+              </a:solidFill>
+              <a:latin typeface="Comic Sans MS" panose="030F0902030302020204" pitchFamily="66" charset="0"/>
+            </a:endParaRPr>
+          </a:p>
+        </p:txBody>
+      </p:sp>
+      <p:sp>
+        <p:nvSpPr>
+          <p:cNvPr id="34" name="Rectangle 33">
+            <a:extLst>
+              <a:ext uri="{FF2B5EF4-FFF2-40B4-BE49-F238E27FC236}">
+                <a16:creationId xmlns:a16="http://schemas.microsoft.com/office/drawing/2014/main" id="{3E68FF64-9F35-2643-A4B8-BBEA5B878899}"/>
+              </a:ext>
+            </a:extLst>
+          </p:cNvPr>
+          <p:cNvSpPr/>
+          <p:nvPr/>
+        </p:nvSpPr>
+        <p:spPr>
+          <a:xfrm>
+            <a:off x="6625652" y="895422"/>
+            <a:ext cx="4330172" cy="344384"/>
+          </a:xfrm>
+          <a:prstGeom prst="rect">
+            <a:avLst/>
+          </a:prstGeom>
+          <a:solidFill>
+            <a:schemeClr val="tx1"/>
+          </a:solidFill>
+          <a:ln>
+            <a:noFill/>
+          </a:ln>
+        </p:spPr>
+        <p:style>
+          <a:lnRef idx="2">
+            <a:schemeClr val="accent1">
+              <a:shade val="50000"/>
+            </a:schemeClr>
+          </a:lnRef>
+          <a:fillRef idx="1">
+            <a:schemeClr val="accent1"/>
+          </a:fillRef>
+          <a:effectRef idx="0">
+            <a:schemeClr val="accent1"/>
+          </a:effectRef>
+          <a:fontRef idx="minor">
+            <a:schemeClr val="lt1"/>
+          </a:fontRef>
+        </p:style>
+        <p:txBody>
+          <a:bodyPr rtlCol="0" anchor="ctr"/>
+          <a:lstStyle/>
+          <a:p>
+            <a:pPr algn="r"/>
+            <a:r>
+              <a:rPr lang="en-US" sz="1400" dirty="0">
+                <a:solidFill>
+                  <a:schemeClr val="bg2">
+                    <a:lumMod val="50000"/>
+                  </a:schemeClr>
+                </a:solidFill>
+                <a:latin typeface="Comic Sans MS" panose="030F0902030302020204" pitchFamily="66" charset="0"/>
+              </a:rPr>
+              <a:t>Catalog     Messages   Users Profile    Username</a:t>
             </a:r>
           </a:p>
         </p:txBody>
@@ -14690,6 +15492,68 @@
           </a:extLst>
         </p:spPr>
       </p:pic>
+      <p:sp>
+        <p:nvSpPr>
+          <p:cNvPr id="18" name="Rectangle 17">
+            <a:extLst>
+              <a:ext uri="{FF2B5EF4-FFF2-40B4-BE49-F238E27FC236}">
+                <a16:creationId xmlns:a16="http://schemas.microsoft.com/office/drawing/2014/main" id="{4DA3D701-EFB8-4048-87FA-4DE264558715}"/>
+              </a:ext>
+            </a:extLst>
+          </p:cNvPr>
+          <p:cNvSpPr/>
+          <p:nvPr/>
+        </p:nvSpPr>
+        <p:spPr>
+          <a:xfrm>
+            <a:off x="6625652" y="880432"/>
+            <a:ext cx="4330172" cy="344384"/>
+          </a:xfrm>
+          <a:prstGeom prst="rect">
+            <a:avLst/>
+          </a:prstGeom>
+          <a:solidFill>
+            <a:schemeClr val="tx1"/>
+          </a:solidFill>
+          <a:ln>
+            <a:noFill/>
+          </a:ln>
+        </p:spPr>
+        <p:style>
+          <a:lnRef idx="2">
+            <a:schemeClr val="accent1">
+              <a:shade val="50000"/>
+            </a:schemeClr>
+          </a:lnRef>
+          <a:fillRef idx="1">
+            <a:schemeClr val="accent1"/>
+          </a:fillRef>
+          <a:effectRef idx="0">
+            <a:schemeClr val="accent1"/>
+          </a:effectRef>
+          <a:fontRef idx="minor">
+            <a:schemeClr val="lt1"/>
+          </a:fontRef>
+        </p:style>
+        <p:txBody>
+          <a:bodyPr rtlCol="0" anchor="ctr"/>
+          <a:lstStyle/>
+          <a:p>
+            <a:pPr algn="r"/>
+            <a:r>
+              <a:rPr lang="en-US" sz="1400" dirty="0">
+                <a:solidFill>
+                  <a:schemeClr val="bg2">
+                    <a:lumMod val="50000"/>
+                  </a:schemeClr>
+                </a:solidFill>
+                <a:latin typeface="Comic Sans MS" panose="030F0902030302020204" pitchFamily="66" charset="0"/>
+              </a:rPr>
+              <a:t>Catalog     Messages   Users Profile    Username</a:t>
+            </a:r>
+          </a:p>
+        </p:txBody>
+      </p:sp>
     </p:spTree>
     <p:extLst>
       <p:ext uri="{BB962C8B-B14F-4D97-AF65-F5344CB8AC3E}">
@@ -14983,7 +15847,7 @@
         <p:spPr>
           <a:xfrm>
             <a:off x="5028014" y="1968030"/>
-            <a:ext cx="4650632" cy="2308324"/>
+            <a:ext cx="5104282" cy="3046988"/>
           </a:xfrm>
           <a:prstGeom prst="rect">
             <a:avLst/>
@@ -15009,8 +15873,17 @@
                 </a:solidFill>
                 <a:latin typeface="Comic Sans MS" panose="030F0902030302020204" pitchFamily="66" charset="0"/>
               </a:rPr>
-              <a:t>User1:</a:t>
-            </a:r>
+              <a:t>Item		Review		Buyer</a:t>
+            </a:r>
+          </a:p>
+          <a:p>
+            <a:pPr algn="l"/>
+            <a:endParaRPr lang="en-US" sz="1600" dirty="0">
+              <a:solidFill>
+                <a:schemeClr val="bg1"/>
+              </a:solidFill>
+              <a:latin typeface="Comic Sans MS" panose="030F0902030302020204" pitchFamily="66" charset="0"/>
+            </a:endParaRPr>
           </a:p>
           <a:p>
             <a:pPr algn="l"/>
@@ -15021,7 +15894,16 @@
                 </a:solidFill>
                 <a:latin typeface="Comic Sans MS" panose="030F0902030302020204" pitchFamily="66" charset="0"/>
               </a:rPr>
-              <a:t>Description of feedback given by other buyers</a:t>
+              <a:t>Item1	        Review Statement 1.      </a:t>
+            </a:r>
+            <a:r>
+              <a:rPr lang="en-US" sz="1600" dirty="0">
+                <a:solidFill>
+                  <a:srgbClr val="0432FF"/>
+                </a:solidFill>
+                <a:latin typeface="Comic Sans MS" panose="030F0902030302020204" pitchFamily="66" charset="0"/>
+              </a:rPr>
+              <a:t>Buyer1 name</a:t>
             </a:r>
           </a:p>
           <a:p>
@@ -15034,6 +15916,7 @@
             </a:endParaRPr>
           </a:p>
           <a:p>
+            <a:pPr algn="l"/>
             <a:r>
               <a:rPr lang="en-US" sz="1600" dirty="0">
                 <a:solidFill>
@@ -15041,52 +15924,66 @@
                 </a:solidFill>
                 <a:latin typeface="Comic Sans MS" panose="030F0902030302020204" pitchFamily="66" charset="0"/>
               </a:rPr>
-              <a:t>User2:</a:t>
-            </a:r>
-          </a:p>
-          <a:p>
+              <a:t>Item2	        Review Statement 2.	</a:t>
+            </a:r>
             <a:r>
               <a:rPr lang="en-US" sz="1600" dirty="0">
                 <a:solidFill>
-                  <a:schemeClr val="bg1"/>
-                </a:solidFill>
-                <a:latin typeface="Comic Sans MS" panose="030F0902030302020204" pitchFamily="66" charset="0"/>
-              </a:rPr>
-              <a:t>Description of feedback given by other buyers</a:t>
+                  <a:srgbClr val="0432FF"/>
+                </a:solidFill>
+                <a:latin typeface="Comic Sans MS" panose="030F0902030302020204" pitchFamily="66" charset="0"/>
+              </a:rPr>
+              <a:t>Buyer2 name</a:t>
             </a:r>
           </a:p>
           <a:p>
             <a:pPr algn="l"/>
             <a:endParaRPr lang="en-US" sz="1600" dirty="0">
               <a:solidFill>
+                <a:srgbClr val="0432FF"/>
+              </a:solidFill>
+              <a:latin typeface="Comic Sans MS" panose="030F0902030302020204" pitchFamily="66" charset="0"/>
+            </a:endParaRPr>
+          </a:p>
+          <a:p>
+            <a:pPr algn="l"/>
+            <a:endParaRPr lang="en-US" sz="1600" dirty="0">
+              <a:solidFill>
+                <a:srgbClr val="0432FF"/>
+              </a:solidFill>
+              <a:latin typeface="Comic Sans MS" panose="030F0902030302020204" pitchFamily="66" charset="0"/>
+            </a:endParaRPr>
+          </a:p>
+          <a:p>
+            <a:r>
+              <a:rPr lang="en-US" sz="1600" dirty="0">
+                <a:solidFill>
+                  <a:schemeClr val="bg1"/>
+                </a:solidFill>
+              </a:rPr>
+              <a:t>Have you bought an item from this seller? </a:t>
+            </a:r>
+          </a:p>
+          <a:p>
+            <a:r>
+              <a:rPr lang="en-US" sz="1600" dirty="0">
+                <a:solidFill>
+                  <a:schemeClr val="bg1"/>
+                </a:solidFill>
+              </a:rPr>
+              <a:t>Please share your experience below:</a:t>
+            </a:r>
+          </a:p>
+          <a:p>
+            <a:pPr algn="l"/>
+            <a:endParaRPr lang="en-US" sz="1600" dirty="0">
+              <a:solidFill>
                 <a:schemeClr val="bg1"/>
               </a:solidFill>
               <a:latin typeface="Comic Sans MS" panose="030F0902030302020204" pitchFamily="66" charset="0"/>
             </a:endParaRPr>
           </a:p>
           <a:p>
-            <a:r>
-              <a:rPr lang="en-US" sz="1600" dirty="0">
-                <a:solidFill>
-                  <a:schemeClr val="bg1"/>
-                </a:solidFill>
-                <a:latin typeface="Comic Sans MS" panose="030F0902030302020204" pitchFamily="66" charset="0"/>
-              </a:rPr>
-              <a:t>User3:</a:t>
-            </a:r>
-          </a:p>
-          <a:p>
-            <a:r>
-              <a:rPr lang="en-US" sz="1600" dirty="0">
-                <a:solidFill>
-                  <a:schemeClr val="bg1"/>
-                </a:solidFill>
-                <a:latin typeface="Comic Sans MS" panose="030F0902030302020204" pitchFamily="66" charset="0"/>
-              </a:rPr>
-              <a:t>Description of feedback given by other buyers</a:t>
-            </a:r>
-          </a:p>
-          <a:p>
             <a:pPr algn="l"/>
             <a:endParaRPr lang="en-US" sz="1600" dirty="0">
               <a:solidFill>
@@ -15095,6 +15992,15 @@
               <a:latin typeface="Comic Sans MS" panose="030F0902030302020204" pitchFamily="66" charset="0"/>
             </a:endParaRPr>
           </a:p>
+          <a:p>
+            <a:pPr algn="l"/>
+            <a:endParaRPr lang="en-US" sz="1600" dirty="0">
+              <a:solidFill>
+                <a:schemeClr val="bg1"/>
+              </a:solidFill>
+              <a:latin typeface="Comic Sans MS" panose="030F0902030302020204" pitchFamily="66" charset="0"/>
+            </a:endParaRPr>
+          </a:p>
         </p:txBody>
       </p:sp>
       <p:sp>
@@ -15111,7 +16017,7 @@
         </p:nvSpPr>
         <p:spPr>
           <a:xfrm>
-            <a:off x="2176042" y="4264036"/>
+            <a:off x="2233351" y="4312822"/>
             <a:ext cx="1962131" cy="327860"/>
           </a:xfrm>
           <a:prstGeom prst="roundRect">
@@ -15578,10 +16484,117 @@
           </a:extLst>
         </p:spPr>
       </p:pic>
+      <p:sp>
+        <p:nvSpPr>
+          <p:cNvPr id="6" name="TextBox 5">
+            <a:extLst>
+              <a:ext uri="{FF2B5EF4-FFF2-40B4-BE49-F238E27FC236}">
+                <a16:creationId xmlns:a16="http://schemas.microsoft.com/office/drawing/2014/main" id="{1ACB3BA0-A8B2-494D-9DB3-1C520F0C9680}"/>
+              </a:ext>
+            </a:extLst>
+          </p:cNvPr>
+          <p:cNvSpPr txBox="1"/>
+          <p:nvPr/>
+        </p:nvSpPr>
+        <p:spPr>
+          <a:xfrm>
+            <a:off x="5203703" y="4471405"/>
+            <a:ext cx="1306768" cy="338554"/>
+          </a:xfrm>
+          <a:prstGeom prst="rect">
+            <a:avLst/>
+          </a:prstGeom>
+          <a:solidFill>
+            <a:srgbClr val="0432FF"/>
+          </a:solidFill>
+          <a:ln>
+            <a:solidFill>
+              <a:schemeClr val="bg1"/>
+            </a:solidFill>
+          </a:ln>
+        </p:spPr>
+        <p:txBody>
+          <a:bodyPr wrap="none" rtlCol="0">
+            <a:spAutoFit/>
+          </a:bodyPr>
+          <a:lstStyle/>
+          <a:p>
+            <a:pPr algn="l"/>
+            <a:r>
+              <a:rPr lang="en-US" sz="1600" dirty="0">
+                <a:latin typeface="Comic Sans MS" panose="030F0902030302020204" pitchFamily="66" charset="0"/>
+              </a:rPr>
+              <a:t>Post Review</a:t>
+            </a:r>
+          </a:p>
+        </p:txBody>
+      </p:sp>
+      <p:sp>
+        <p:nvSpPr>
+          <p:cNvPr id="18" name="Rectangle 17">
+            <a:extLst>
+              <a:ext uri="{FF2B5EF4-FFF2-40B4-BE49-F238E27FC236}">
+                <a16:creationId xmlns:a16="http://schemas.microsoft.com/office/drawing/2014/main" id="{2D4C9521-B47C-4E47-84CE-4EEF35C9A1C6}"/>
+              </a:ext>
+            </a:extLst>
+          </p:cNvPr>
+          <p:cNvSpPr/>
+          <p:nvPr/>
+        </p:nvSpPr>
+        <p:spPr>
+          <a:xfrm>
+            <a:off x="6625652" y="880432"/>
+            <a:ext cx="4330172" cy="344384"/>
+          </a:xfrm>
+          <a:prstGeom prst="rect">
+            <a:avLst/>
+          </a:prstGeom>
+          <a:solidFill>
+            <a:schemeClr val="tx1"/>
+          </a:solidFill>
+          <a:ln>
+            <a:noFill/>
+          </a:ln>
+        </p:spPr>
+        <p:style>
+          <a:lnRef idx="2">
+            <a:schemeClr val="accent1">
+              <a:shade val="50000"/>
+            </a:schemeClr>
+          </a:lnRef>
+          <a:fillRef idx="1">
+            <a:schemeClr val="accent1"/>
+          </a:fillRef>
+          <a:effectRef idx="0">
+            <a:schemeClr val="accent1"/>
+          </a:effectRef>
+          <a:fontRef idx="minor">
+            <a:schemeClr val="lt1"/>
+          </a:fontRef>
+        </p:style>
+        <p:txBody>
+          <a:bodyPr rtlCol="0" anchor="ctr"/>
+          <a:lstStyle/>
+          <a:p>
+            <a:pPr algn="r"/>
+            <a:r>
+              <a:rPr lang="en-US" sz="1400" dirty="0">
+                <a:solidFill>
+                  <a:schemeClr val="bg2">
+                    <a:lumMod val="50000"/>
+                  </a:schemeClr>
+                </a:solidFill>
+                <a:latin typeface="Comic Sans MS" panose="030F0902030302020204" pitchFamily="66" charset="0"/>
+              </a:rPr>
+              <a:t>Catalog     Messages   Users Profile    Username</a:t>
+            </a:r>
+          </a:p>
+        </p:txBody>
+      </p:sp>
     </p:spTree>
     <p:extLst>
       <p:ext uri="{BB962C8B-B14F-4D97-AF65-F5344CB8AC3E}">
-        <p14:creationId xmlns:p14="http://schemas.microsoft.com/office/powerpoint/2010/main" val="3824123874"/>
+        <p14:creationId xmlns:p14="http://schemas.microsoft.com/office/powerpoint/2010/main" val="1001504810"/>
       </p:ext>
     </p:extLst>
   </p:cSld>
@@ -17691,6 +18704,3346 @@
 </p:sld>
 </file>
 
+<file path=ppt/slides/slide20.xml><?xml version="1.0" encoding="utf-8"?>
+<p:sld xmlns:a="http://schemas.openxmlformats.org/drawingml/2006/main" xmlns:r="http://schemas.openxmlformats.org/officeDocument/2006/relationships" xmlns:p="http://schemas.openxmlformats.org/presentationml/2006/main">
+  <p:cSld>
+    <p:spTree>
+      <p:nvGrpSpPr>
+        <p:cNvPr id="1" name=""/>
+        <p:cNvGrpSpPr/>
+        <p:nvPr/>
+      </p:nvGrpSpPr>
+      <p:grpSpPr>
+        <a:xfrm>
+          <a:off x="0" y="0"/>
+          <a:ext cx="0" cy="0"/>
+          <a:chOff x="0" y="0"/>
+          <a:chExt cx="0" cy="0"/>
+        </a:xfrm>
+      </p:grpSpPr>
+      <p:sp>
+        <p:nvSpPr>
+          <p:cNvPr id="19" name="TextBox 18">
+            <a:extLst>
+              <a:ext uri="{FF2B5EF4-FFF2-40B4-BE49-F238E27FC236}">
+                <a16:creationId xmlns:a16="http://schemas.microsoft.com/office/drawing/2014/main" id="{8A3A2BB8-1A5C-034A-93DB-EC3ECCD2DADB}"/>
+              </a:ext>
+            </a:extLst>
+          </p:cNvPr>
+          <p:cNvSpPr txBox="1"/>
+          <p:nvPr/>
+        </p:nvSpPr>
+        <p:spPr>
+          <a:xfrm>
+            <a:off x="3352127" y="2381249"/>
+            <a:ext cx="3610099" cy="307777"/>
+          </a:xfrm>
+          <a:prstGeom prst="rect">
+            <a:avLst/>
+          </a:prstGeom>
+          <a:noFill/>
+          <a:ln>
+            <a:solidFill>
+              <a:schemeClr val="bg1"/>
+            </a:solidFill>
+          </a:ln>
+        </p:spPr>
+        <p:txBody>
+          <a:bodyPr wrap="square" rtlCol="0">
+            <a:spAutoFit/>
+          </a:bodyPr>
+          <a:lstStyle/>
+          <a:p>
+            <a:pPr algn="l"/>
+            <a:endParaRPr lang="en-US" sz="1400" dirty="0">
+              <a:solidFill>
+                <a:schemeClr val="bg1"/>
+              </a:solidFill>
+              <a:latin typeface="Comic Sans MS" panose="030F0902030302020204" pitchFamily="66" charset="0"/>
+            </a:endParaRPr>
+          </a:p>
+        </p:txBody>
+      </p:sp>
+      <p:sp>
+        <p:nvSpPr>
+          <p:cNvPr id="2" name="TextBox 1">
+            <a:extLst>
+              <a:ext uri="{FF2B5EF4-FFF2-40B4-BE49-F238E27FC236}">
+                <a16:creationId xmlns:a16="http://schemas.microsoft.com/office/drawing/2014/main" id="{221DED5B-F56B-0F43-A308-4F2DD034B5B7}"/>
+              </a:ext>
+            </a:extLst>
+          </p:cNvPr>
+          <p:cNvSpPr txBox="1"/>
+          <p:nvPr/>
+        </p:nvSpPr>
+        <p:spPr>
+          <a:xfrm>
+            <a:off x="2018803" y="1421284"/>
+            <a:ext cx="3583032" cy="338554"/>
+          </a:xfrm>
+          <a:prstGeom prst="rect">
+            <a:avLst/>
+          </a:prstGeom>
+          <a:noFill/>
+        </p:spPr>
+        <p:txBody>
+          <a:bodyPr wrap="none" rtlCol="0">
+            <a:spAutoFit/>
+          </a:bodyPr>
+          <a:lstStyle/>
+          <a:p>
+            <a:r>
+              <a:rPr lang="en-US" sz="1600" b="1" dirty="0">
+                <a:solidFill>
+                  <a:schemeClr val="bg1"/>
+                </a:solidFill>
+                <a:latin typeface="Comic Sans MS" panose="030F0902030302020204" pitchFamily="66" charset="0"/>
+              </a:rPr>
+              <a:t>Resend Confirmation Instructions </a:t>
+            </a:r>
+          </a:p>
+        </p:txBody>
+      </p:sp>
+      <p:sp>
+        <p:nvSpPr>
+          <p:cNvPr id="7" name="TextBox 6">
+            <a:extLst>
+              <a:ext uri="{FF2B5EF4-FFF2-40B4-BE49-F238E27FC236}">
+                <a16:creationId xmlns:a16="http://schemas.microsoft.com/office/drawing/2014/main" id="{F3573DF9-457D-7948-8B22-DB5337292FA7}"/>
+              </a:ext>
+            </a:extLst>
+          </p:cNvPr>
+          <p:cNvSpPr txBox="1"/>
+          <p:nvPr/>
+        </p:nvSpPr>
+        <p:spPr>
+          <a:xfrm>
+            <a:off x="1784068" y="292529"/>
+            <a:ext cx="2140330" cy="276999"/>
+          </a:xfrm>
+          <a:prstGeom prst="rect">
+            <a:avLst/>
+          </a:prstGeom>
+          <a:noFill/>
+        </p:spPr>
+        <p:txBody>
+          <a:bodyPr wrap="none" rtlCol="0">
+            <a:spAutoFit/>
+          </a:bodyPr>
+          <a:lstStyle/>
+          <a:p>
+            <a:r>
+              <a:rPr lang="en-US" sz="1200" dirty="0" err="1">
+                <a:solidFill>
+                  <a:schemeClr val="bg1"/>
+                </a:solidFill>
+                <a:latin typeface="Comic Sans MS" panose="030F0902030302020204" pitchFamily="66" charset="0"/>
+              </a:rPr>
+              <a:t>SellbackMart</a:t>
+            </a:r>
+            <a:r>
+              <a:rPr lang="en-US" sz="1200" dirty="0">
+                <a:solidFill>
+                  <a:schemeClr val="bg1"/>
+                </a:solidFill>
+                <a:latin typeface="Comic Sans MS" panose="030F0902030302020204" pitchFamily="66" charset="0"/>
+              </a:rPr>
+              <a:t> - Edit Profile</a:t>
+            </a:r>
+          </a:p>
+        </p:txBody>
+      </p:sp>
+      <p:sp>
+        <p:nvSpPr>
+          <p:cNvPr id="8" name="TextBox 7">
+            <a:extLst>
+              <a:ext uri="{FF2B5EF4-FFF2-40B4-BE49-F238E27FC236}">
+                <a16:creationId xmlns:a16="http://schemas.microsoft.com/office/drawing/2014/main" id="{49DF0299-C639-944C-9F0E-91BE71AC7E52}"/>
+              </a:ext>
+            </a:extLst>
+          </p:cNvPr>
+          <p:cNvSpPr txBox="1"/>
+          <p:nvPr/>
+        </p:nvSpPr>
+        <p:spPr>
+          <a:xfrm>
+            <a:off x="2233351" y="581403"/>
+            <a:ext cx="3005876" cy="461665"/>
+          </a:xfrm>
+          <a:prstGeom prst="rect">
+            <a:avLst/>
+          </a:prstGeom>
+          <a:noFill/>
+        </p:spPr>
+        <p:txBody>
+          <a:bodyPr wrap="none" rtlCol="0">
+            <a:spAutoFit/>
+          </a:bodyPr>
+          <a:lstStyle/>
+          <a:p>
+            <a:r>
+              <a:rPr lang="en-US" sz="1200" dirty="0">
+                <a:solidFill>
+                  <a:schemeClr val="bg1"/>
+                </a:solidFill>
+                <a:latin typeface="Comic Sans MS" panose="030F0902030302020204" pitchFamily="66" charset="0"/>
+                <a:hlinkClick r:id="rId2">
+                  <a:extLst>
+                    <a:ext uri="{A12FA001-AC4F-418D-AE19-62706E023703}">
+                      <ahyp:hlinkClr xmlns:ahyp="http://schemas.microsoft.com/office/drawing/2018/hyperlinkcolor" val="tx"/>
+                    </a:ext>
+                  </a:extLst>
+                </a:hlinkClick>
+              </a:rPr>
+              <a:t>http://localhost:3000/my_Profile/edit</a:t>
+            </a:r>
+            <a:endParaRPr lang="en-US" sz="1200" dirty="0">
+              <a:solidFill>
+                <a:schemeClr val="bg1"/>
+              </a:solidFill>
+              <a:latin typeface="Comic Sans MS" panose="030F0902030302020204" pitchFamily="66" charset="0"/>
+            </a:endParaRPr>
+          </a:p>
+          <a:p>
+            <a:endParaRPr lang="en-US" sz="1200" dirty="0">
+              <a:solidFill>
+                <a:schemeClr val="bg1"/>
+              </a:solidFill>
+              <a:latin typeface="Comic Sans MS" panose="030F0902030302020204" pitchFamily="66" charset="0"/>
+            </a:endParaRPr>
+          </a:p>
+        </p:txBody>
+      </p:sp>
+      <p:sp>
+        <p:nvSpPr>
+          <p:cNvPr id="16" name="Rectangle 15">
+            <a:extLst>
+              <a:ext uri="{FF2B5EF4-FFF2-40B4-BE49-F238E27FC236}">
+                <a16:creationId xmlns:a16="http://schemas.microsoft.com/office/drawing/2014/main" id="{61CD5799-7FC2-F04C-ADCF-330CB97C8DA9}"/>
+              </a:ext>
+            </a:extLst>
+          </p:cNvPr>
+          <p:cNvSpPr/>
+          <p:nvPr/>
+        </p:nvSpPr>
+        <p:spPr>
+          <a:xfrm>
+            <a:off x="1175657" y="870277"/>
+            <a:ext cx="9832769" cy="344384"/>
+          </a:xfrm>
+          <a:prstGeom prst="rect">
+            <a:avLst/>
+          </a:prstGeom>
+          <a:solidFill>
+            <a:schemeClr val="bg1"/>
+          </a:solidFill>
+          <a:ln>
+            <a:noFill/>
+          </a:ln>
+        </p:spPr>
+        <p:style>
+          <a:lnRef idx="2">
+            <a:schemeClr val="accent1">
+              <a:shade val="50000"/>
+            </a:schemeClr>
+          </a:lnRef>
+          <a:fillRef idx="1">
+            <a:schemeClr val="accent1"/>
+          </a:fillRef>
+          <a:effectRef idx="0">
+            <a:schemeClr val="accent1"/>
+          </a:effectRef>
+          <a:fontRef idx="minor">
+            <a:schemeClr val="lt1"/>
+          </a:fontRef>
+        </p:style>
+        <p:txBody>
+          <a:bodyPr rtlCol="0" anchor="ctr"/>
+          <a:lstStyle/>
+          <a:p>
+            <a:r>
+              <a:rPr lang="en-US" sz="1400" dirty="0">
+                <a:solidFill>
+                  <a:schemeClr val="tx1"/>
+                </a:solidFill>
+                <a:latin typeface="Comic Sans MS" panose="030F0902030302020204" pitchFamily="66" charset="0"/>
+              </a:rPr>
+              <a:t>Profile |  Catalog |  Messages</a:t>
+            </a:r>
+          </a:p>
+        </p:txBody>
+      </p:sp>
+      <p:sp>
+        <p:nvSpPr>
+          <p:cNvPr id="17" name="Rectangle 16">
+            <a:extLst>
+              <a:ext uri="{FF2B5EF4-FFF2-40B4-BE49-F238E27FC236}">
+                <a16:creationId xmlns:a16="http://schemas.microsoft.com/office/drawing/2014/main" id="{6866C721-FE01-1B49-8B68-07C98D112373}"/>
+              </a:ext>
+            </a:extLst>
+          </p:cNvPr>
+          <p:cNvSpPr/>
+          <p:nvPr/>
+        </p:nvSpPr>
+        <p:spPr>
+          <a:xfrm>
+            <a:off x="8445690" y="870277"/>
+            <a:ext cx="2562736" cy="344384"/>
+          </a:xfrm>
+          <a:prstGeom prst="rect">
+            <a:avLst/>
+          </a:prstGeom>
+          <a:solidFill>
+            <a:schemeClr val="bg1"/>
+          </a:solidFill>
+          <a:ln>
+            <a:noFill/>
+          </a:ln>
+        </p:spPr>
+        <p:style>
+          <a:lnRef idx="2">
+            <a:schemeClr val="accent1">
+              <a:shade val="50000"/>
+            </a:schemeClr>
+          </a:lnRef>
+          <a:fillRef idx="1">
+            <a:schemeClr val="accent1"/>
+          </a:fillRef>
+          <a:effectRef idx="0">
+            <a:schemeClr val="accent1"/>
+          </a:effectRef>
+          <a:fontRef idx="minor">
+            <a:schemeClr val="lt1"/>
+          </a:fontRef>
+        </p:style>
+        <p:txBody>
+          <a:bodyPr rtlCol="0" anchor="ctr"/>
+          <a:lstStyle/>
+          <a:p>
+            <a:pPr algn="r"/>
+            <a:r>
+              <a:rPr lang="en-US" sz="1400" dirty="0">
+                <a:solidFill>
+                  <a:schemeClr val="tx1"/>
+                </a:solidFill>
+                <a:latin typeface="Comic Sans MS" panose="030F0902030302020204" pitchFamily="66" charset="0"/>
+              </a:rPr>
+              <a:t>Log Out</a:t>
+            </a:r>
+          </a:p>
+        </p:txBody>
+      </p:sp>
+      <p:sp>
+        <p:nvSpPr>
+          <p:cNvPr id="20" name="Rounded Rectangle 19">
+            <a:extLst>
+              <a:ext uri="{FF2B5EF4-FFF2-40B4-BE49-F238E27FC236}">
+                <a16:creationId xmlns:a16="http://schemas.microsoft.com/office/drawing/2014/main" id="{4BEBFFB0-3422-9540-99C7-6A70E61CA9EE}"/>
+              </a:ext>
+            </a:extLst>
+          </p:cNvPr>
+          <p:cNvSpPr/>
+          <p:nvPr/>
+        </p:nvSpPr>
+        <p:spPr>
+          <a:xfrm>
+            <a:off x="3352127" y="3027256"/>
+            <a:ext cx="3204635" cy="259392"/>
+          </a:xfrm>
+          <a:prstGeom prst="roundRect">
+            <a:avLst/>
+          </a:prstGeom>
+          <a:solidFill>
+            <a:schemeClr val="tx2"/>
+          </a:solidFill>
+          <a:ln>
+            <a:solidFill>
+              <a:schemeClr val="bg1"/>
+            </a:solidFill>
+          </a:ln>
+        </p:spPr>
+        <p:style>
+          <a:lnRef idx="2">
+            <a:schemeClr val="accent1">
+              <a:shade val="50000"/>
+            </a:schemeClr>
+          </a:lnRef>
+          <a:fillRef idx="1">
+            <a:schemeClr val="accent1"/>
+          </a:fillRef>
+          <a:effectRef idx="0">
+            <a:schemeClr val="accent1"/>
+          </a:effectRef>
+          <a:fontRef idx="minor">
+            <a:schemeClr val="lt1"/>
+          </a:fontRef>
+        </p:style>
+        <p:txBody>
+          <a:bodyPr rtlCol="0" anchor="ctr"/>
+          <a:lstStyle/>
+          <a:p>
+            <a:pPr algn="ctr"/>
+            <a:r>
+              <a:rPr lang="en-US" sz="1400" dirty="0">
+                <a:solidFill>
+                  <a:schemeClr val="bg1"/>
+                </a:solidFill>
+                <a:latin typeface="Comic Sans MS" panose="030F0902030302020204" pitchFamily="66" charset="0"/>
+              </a:rPr>
+              <a:t>Resend Confirmation Instructions</a:t>
+            </a:r>
+          </a:p>
+        </p:txBody>
+      </p:sp>
+      <p:sp>
+        <p:nvSpPr>
+          <p:cNvPr id="21" name="Rectangle 20">
+            <a:extLst>
+              <a:ext uri="{FF2B5EF4-FFF2-40B4-BE49-F238E27FC236}">
+                <a16:creationId xmlns:a16="http://schemas.microsoft.com/office/drawing/2014/main" id="{61CD5799-7FC2-F04C-ADCF-330CB97C8DA9}"/>
+              </a:ext>
+            </a:extLst>
+          </p:cNvPr>
+          <p:cNvSpPr/>
+          <p:nvPr/>
+        </p:nvSpPr>
+        <p:spPr>
+          <a:xfrm>
+            <a:off x="1188497" y="869150"/>
+            <a:ext cx="9832769" cy="344384"/>
+          </a:xfrm>
+          <a:prstGeom prst="rect">
+            <a:avLst/>
+          </a:prstGeom>
+          <a:solidFill>
+            <a:schemeClr val="bg1"/>
+          </a:solidFill>
+          <a:ln>
+            <a:noFill/>
+          </a:ln>
+        </p:spPr>
+        <p:style>
+          <a:lnRef idx="2">
+            <a:schemeClr val="accent1">
+              <a:shade val="50000"/>
+            </a:schemeClr>
+          </a:lnRef>
+          <a:fillRef idx="1">
+            <a:schemeClr val="accent1"/>
+          </a:fillRef>
+          <a:effectRef idx="0">
+            <a:schemeClr val="accent1"/>
+          </a:effectRef>
+          <a:fontRef idx="minor">
+            <a:schemeClr val="lt1"/>
+          </a:fontRef>
+        </p:style>
+        <p:txBody>
+          <a:bodyPr rtlCol="0" anchor="ctr"/>
+          <a:lstStyle/>
+          <a:p>
+            <a:r>
+              <a:rPr lang="en-US" sz="1400" dirty="0">
+                <a:solidFill>
+                  <a:schemeClr val="tx1"/>
+                </a:solidFill>
+                <a:latin typeface="Comic Sans MS" panose="030F0902030302020204" pitchFamily="66" charset="0"/>
+              </a:rPr>
+              <a:t> Catalog |  Messages</a:t>
+            </a:r>
+          </a:p>
+        </p:txBody>
+      </p:sp>
+      <p:sp>
+        <p:nvSpPr>
+          <p:cNvPr id="24" name="Rectangle 23">
+            <a:extLst>
+              <a:ext uri="{FF2B5EF4-FFF2-40B4-BE49-F238E27FC236}">
+                <a16:creationId xmlns:a16="http://schemas.microsoft.com/office/drawing/2014/main" id="{6866C721-FE01-1B49-8B68-07C98D112373}"/>
+              </a:ext>
+            </a:extLst>
+          </p:cNvPr>
+          <p:cNvSpPr/>
+          <p:nvPr/>
+        </p:nvSpPr>
+        <p:spPr>
+          <a:xfrm>
+            <a:off x="8393087" y="865442"/>
+            <a:ext cx="2562736" cy="344384"/>
+          </a:xfrm>
+          <a:prstGeom prst="rect">
+            <a:avLst/>
+          </a:prstGeom>
+          <a:solidFill>
+            <a:schemeClr val="bg1"/>
+          </a:solidFill>
+          <a:ln>
+            <a:noFill/>
+          </a:ln>
+        </p:spPr>
+        <p:style>
+          <a:lnRef idx="2">
+            <a:schemeClr val="accent1">
+              <a:shade val="50000"/>
+            </a:schemeClr>
+          </a:lnRef>
+          <a:fillRef idx="1">
+            <a:schemeClr val="accent1"/>
+          </a:fillRef>
+          <a:effectRef idx="0">
+            <a:schemeClr val="accent1"/>
+          </a:effectRef>
+          <a:fontRef idx="minor">
+            <a:schemeClr val="lt1"/>
+          </a:fontRef>
+        </p:style>
+        <p:txBody>
+          <a:bodyPr rtlCol="0" anchor="ctr"/>
+          <a:lstStyle/>
+          <a:p>
+            <a:pPr algn="r"/>
+            <a:r>
+              <a:rPr lang="en-US" sz="1400" dirty="0">
+                <a:solidFill>
+                  <a:schemeClr val="tx1"/>
+                </a:solidFill>
+                <a:latin typeface="Comic Sans MS" panose="030F0902030302020204" pitchFamily="66" charset="0"/>
+              </a:rPr>
+              <a:t>Username</a:t>
+            </a:r>
+          </a:p>
+        </p:txBody>
+      </p:sp>
+      <p:sp>
+        <p:nvSpPr>
+          <p:cNvPr id="27" name="Rectangle 26">
+            <a:extLst>
+              <a:ext uri="{FF2B5EF4-FFF2-40B4-BE49-F238E27FC236}">
+                <a16:creationId xmlns:a16="http://schemas.microsoft.com/office/drawing/2014/main" id="{7E5B074A-002E-D542-B2ED-64BB5A04359A}"/>
+              </a:ext>
+            </a:extLst>
+          </p:cNvPr>
+          <p:cNvSpPr/>
+          <p:nvPr/>
+        </p:nvSpPr>
+        <p:spPr>
+          <a:xfrm>
+            <a:off x="1188497" y="869150"/>
+            <a:ext cx="9832769" cy="344384"/>
+          </a:xfrm>
+          <a:prstGeom prst="rect">
+            <a:avLst/>
+          </a:prstGeom>
+          <a:solidFill>
+            <a:schemeClr val="tx1"/>
+          </a:solidFill>
+          <a:ln>
+            <a:noFill/>
+          </a:ln>
+        </p:spPr>
+        <p:style>
+          <a:lnRef idx="2">
+            <a:schemeClr val="accent1">
+              <a:shade val="50000"/>
+            </a:schemeClr>
+          </a:lnRef>
+          <a:fillRef idx="1">
+            <a:schemeClr val="accent1"/>
+          </a:fillRef>
+          <a:effectRef idx="0">
+            <a:schemeClr val="accent1"/>
+          </a:effectRef>
+          <a:fontRef idx="minor">
+            <a:schemeClr val="lt1"/>
+          </a:fontRef>
+        </p:style>
+        <p:txBody>
+          <a:bodyPr rtlCol="0" anchor="ctr"/>
+          <a:lstStyle/>
+          <a:p>
+            <a:r>
+              <a:rPr lang="en-US" sz="1400" dirty="0">
+                <a:solidFill>
+                  <a:schemeClr val="accent1">
+                    <a:lumMod val="50000"/>
+                  </a:schemeClr>
+                </a:solidFill>
+                <a:latin typeface="Comic Sans MS" panose="030F0902030302020204" pitchFamily="66" charset="0"/>
+              </a:rPr>
+              <a:t> </a:t>
+            </a:r>
+            <a:r>
+              <a:rPr lang="en-US" sz="2400" b="1" dirty="0" err="1">
+                <a:solidFill>
+                  <a:schemeClr val="accent1">
+                    <a:lumMod val="50000"/>
+                  </a:schemeClr>
+                </a:solidFill>
+                <a:latin typeface="Comic Sans MS" panose="030F0902030302020204" pitchFamily="66" charset="0"/>
+              </a:rPr>
+              <a:t>SellBack</a:t>
+            </a:r>
+            <a:r>
+              <a:rPr lang="en-US" sz="2400" b="1" dirty="0" err="1">
+                <a:solidFill>
+                  <a:schemeClr val="accent1">
+                    <a:lumMod val="60000"/>
+                    <a:lumOff val="40000"/>
+                  </a:schemeClr>
+                </a:solidFill>
+                <a:latin typeface="Comic Sans MS" panose="030F0902030302020204" pitchFamily="66" charset="0"/>
+              </a:rPr>
+              <a:t>Mart</a:t>
+            </a:r>
+            <a:endParaRPr lang="en-US" sz="1400" b="1" dirty="0">
+              <a:solidFill>
+                <a:schemeClr val="accent1">
+                  <a:lumMod val="60000"/>
+                  <a:lumOff val="40000"/>
+                </a:schemeClr>
+              </a:solidFill>
+              <a:latin typeface="Comic Sans MS" panose="030F0902030302020204" pitchFamily="66" charset="0"/>
+            </a:endParaRPr>
+          </a:p>
+        </p:txBody>
+      </p:sp>
+      <p:sp>
+        <p:nvSpPr>
+          <p:cNvPr id="28" name="Rectangle 27">
+            <a:extLst>
+              <a:ext uri="{FF2B5EF4-FFF2-40B4-BE49-F238E27FC236}">
+                <a16:creationId xmlns:a16="http://schemas.microsoft.com/office/drawing/2014/main" id="{5539EB55-625C-3042-B2C8-1751F3084F12}"/>
+              </a:ext>
+            </a:extLst>
+          </p:cNvPr>
+          <p:cNvSpPr/>
+          <p:nvPr/>
+        </p:nvSpPr>
+        <p:spPr>
+          <a:xfrm>
+            <a:off x="6911440" y="865442"/>
+            <a:ext cx="4044384" cy="344384"/>
+          </a:xfrm>
+          <a:prstGeom prst="rect">
+            <a:avLst/>
+          </a:prstGeom>
+          <a:solidFill>
+            <a:schemeClr val="tx1"/>
+          </a:solidFill>
+          <a:ln>
+            <a:noFill/>
+          </a:ln>
+        </p:spPr>
+        <p:style>
+          <a:lnRef idx="2">
+            <a:schemeClr val="accent1">
+              <a:shade val="50000"/>
+            </a:schemeClr>
+          </a:lnRef>
+          <a:fillRef idx="1">
+            <a:schemeClr val="accent1"/>
+          </a:fillRef>
+          <a:effectRef idx="0">
+            <a:schemeClr val="accent1"/>
+          </a:effectRef>
+          <a:fontRef idx="minor">
+            <a:schemeClr val="lt1"/>
+          </a:fontRef>
+        </p:style>
+        <p:txBody>
+          <a:bodyPr rtlCol="0" anchor="ctr"/>
+          <a:lstStyle/>
+          <a:p>
+            <a:pPr algn="r"/>
+            <a:r>
+              <a:rPr lang="en-US" sz="1400" dirty="0">
+                <a:solidFill>
+                  <a:schemeClr val="bg2">
+                    <a:lumMod val="50000"/>
+                  </a:schemeClr>
+                </a:solidFill>
+                <a:latin typeface="Comic Sans MS" panose="030F0902030302020204" pitchFamily="66" charset="0"/>
+              </a:rPr>
+              <a:t>Catalog     Users Profile    Username</a:t>
+            </a:r>
+          </a:p>
+        </p:txBody>
+      </p:sp>
+      <p:sp>
+        <p:nvSpPr>
+          <p:cNvPr id="4" name="Rectangle 3">
+            <a:extLst>
+              <a:ext uri="{FF2B5EF4-FFF2-40B4-BE49-F238E27FC236}">
+                <a16:creationId xmlns:a16="http://schemas.microsoft.com/office/drawing/2014/main" id="{600A7C86-DA99-44EC-9549-B16544BA45B6}"/>
+              </a:ext>
+            </a:extLst>
+          </p:cNvPr>
+          <p:cNvSpPr/>
+          <p:nvPr/>
+        </p:nvSpPr>
+        <p:spPr>
+          <a:xfrm>
+            <a:off x="3222479" y="1939830"/>
+            <a:ext cx="590354" cy="307777"/>
+          </a:xfrm>
+          <a:prstGeom prst="rect">
+            <a:avLst/>
+          </a:prstGeom>
+        </p:spPr>
+        <p:txBody>
+          <a:bodyPr wrap="none">
+            <a:spAutoFit/>
+          </a:bodyPr>
+          <a:lstStyle/>
+          <a:p>
+            <a:r>
+              <a:rPr lang="en-US" sz="1400" dirty="0">
+                <a:solidFill>
+                  <a:schemeClr val="bg1"/>
+                </a:solidFill>
+              </a:rPr>
+              <a:t>Email</a:t>
+            </a:r>
+            <a:endParaRPr lang="en-US" dirty="0">
+              <a:solidFill>
+                <a:srgbClr val="000000"/>
+              </a:solidFill>
+              <a:latin typeface="Comic Sans MS" panose="030F0902030302020204" pitchFamily="66" charset="0"/>
+            </a:endParaRPr>
+          </a:p>
+        </p:txBody>
+      </p:sp>
+      <p:sp>
+        <p:nvSpPr>
+          <p:cNvPr id="5" name="TextBox 4">
+            <a:extLst>
+              <a:ext uri="{FF2B5EF4-FFF2-40B4-BE49-F238E27FC236}">
+                <a16:creationId xmlns:a16="http://schemas.microsoft.com/office/drawing/2014/main" id="{77775DFF-B972-4F56-9F93-3D5A2656E08F}"/>
+              </a:ext>
+            </a:extLst>
+          </p:cNvPr>
+          <p:cNvSpPr txBox="1"/>
+          <p:nvPr/>
+        </p:nvSpPr>
+        <p:spPr>
+          <a:xfrm>
+            <a:off x="8151476" y="6458562"/>
+            <a:ext cx="3151163" cy="276999"/>
+          </a:xfrm>
+          <a:prstGeom prst="rect">
+            <a:avLst/>
+          </a:prstGeom>
+          <a:noFill/>
+        </p:spPr>
+        <p:txBody>
+          <a:bodyPr wrap="square" rtlCol="0">
+            <a:spAutoFit/>
+          </a:bodyPr>
+          <a:lstStyle/>
+          <a:p>
+            <a:pPr algn="l"/>
+            <a:r>
+              <a:rPr lang="en-US" sz="1200" dirty="0">
+                <a:solidFill>
+                  <a:schemeClr val="bg1"/>
+                </a:solidFill>
+                <a:latin typeface="Comic Sans MS" panose="030F0902030302020204" pitchFamily="66" charset="0"/>
+              </a:rPr>
+              <a:t>Cancel my account</a:t>
+            </a:r>
+          </a:p>
+        </p:txBody>
+      </p:sp>
+      <p:sp>
+        <p:nvSpPr>
+          <p:cNvPr id="10" name="TextBox 9">
+            <a:extLst>
+              <a:ext uri="{FF2B5EF4-FFF2-40B4-BE49-F238E27FC236}">
+                <a16:creationId xmlns:a16="http://schemas.microsoft.com/office/drawing/2014/main" id="{9ACDB8CE-8F91-2E43-8EDC-B3D9F3C43143}"/>
+              </a:ext>
+            </a:extLst>
+          </p:cNvPr>
+          <p:cNvSpPr txBox="1"/>
+          <p:nvPr/>
+        </p:nvSpPr>
+        <p:spPr>
+          <a:xfrm>
+            <a:off x="3301096" y="3525825"/>
+            <a:ext cx="2600305" cy="276999"/>
+          </a:xfrm>
+          <a:prstGeom prst="rect">
+            <a:avLst/>
+          </a:prstGeom>
+          <a:noFill/>
+        </p:spPr>
+        <p:txBody>
+          <a:bodyPr wrap="square" rtlCol="0">
+            <a:spAutoFit/>
+          </a:bodyPr>
+          <a:lstStyle/>
+          <a:p>
+            <a:pPr algn="l"/>
+            <a:r>
+              <a:rPr lang="en-US" sz="1200" dirty="0">
+                <a:solidFill>
+                  <a:schemeClr val="bg1"/>
+                </a:solidFill>
+                <a:latin typeface="Comic Sans MS" panose="030F0902030302020204" pitchFamily="66" charset="0"/>
+              </a:rPr>
+              <a:t>Log in</a:t>
+            </a:r>
+            <a:endParaRPr lang="en-US" sz="1100" dirty="0">
+              <a:solidFill>
+                <a:schemeClr val="bg1"/>
+              </a:solidFill>
+              <a:latin typeface="Comic Sans MS" panose="030F0902030302020204" pitchFamily="66" charset="0"/>
+            </a:endParaRPr>
+          </a:p>
+        </p:txBody>
+      </p:sp>
+      <p:sp>
+        <p:nvSpPr>
+          <p:cNvPr id="31" name="TextBox 30">
+            <a:extLst>
+              <a:ext uri="{FF2B5EF4-FFF2-40B4-BE49-F238E27FC236}">
+                <a16:creationId xmlns:a16="http://schemas.microsoft.com/office/drawing/2014/main" id="{9CF0938C-4F26-B84F-8C67-4BD2466E27CE}"/>
+              </a:ext>
+            </a:extLst>
+          </p:cNvPr>
+          <p:cNvSpPr txBox="1"/>
+          <p:nvPr/>
+        </p:nvSpPr>
+        <p:spPr>
+          <a:xfrm>
+            <a:off x="3289492" y="3863777"/>
+            <a:ext cx="2600305" cy="276999"/>
+          </a:xfrm>
+          <a:prstGeom prst="rect">
+            <a:avLst/>
+          </a:prstGeom>
+          <a:noFill/>
+        </p:spPr>
+        <p:txBody>
+          <a:bodyPr wrap="square" rtlCol="0">
+            <a:spAutoFit/>
+          </a:bodyPr>
+          <a:lstStyle/>
+          <a:p>
+            <a:pPr algn="l"/>
+            <a:r>
+              <a:rPr lang="en-US" sz="1200" dirty="0">
+                <a:solidFill>
+                  <a:schemeClr val="bg1"/>
+                </a:solidFill>
+                <a:latin typeface="Comic Sans MS" panose="030F0902030302020204" pitchFamily="66" charset="0"/>
+              </a:rPr>
+              <a:t>Sign up</a:t>
+            </a:r>
+            <a:endParaRPr lang="en-US" sz="1100" dirty="0">
+              <a:solidFill>
+                <a:schemeClr val="bg1"/>
+              </a:solidFill>
+              <a:latin typeface="Comic Sans MS" panose="030F0902030302020204" pitchFamily="66" charset="0"/>
+            </a:endParaRPr>
+          </a:p>
+        </p:txBody>
+      </p:sp>
+      <p:sp>
+        <p:nvSpPr>
+          <p:cNvPr id="32" name="TextBox 31">
+            <a:extLst>
+              <a:ext uri="{FF2B5EF4-FFF2-40B4-BE49-F238E27FC236}">
+                <a16:creationId xmlns:a16="http://schemas.microsoft.com/office/drawing/2014/main" id="{2DBCA87D-FF23-F145-9BF8-9C76AE060A7E}"/>
+              </a:ext>
+            </a:extLst>
+          </p:cNvPr>
+          <p:cNvSpPr txBox="1"/>
+          <p:nvPr/>
+        </p:nvSpPr>
+        <p:spPr>
+          <a:xfrm>
+            <a:off x="3313493" y="4141054"/>
+            <a:ext cx="2600305" cy="276999"/>
+          </a:xfrm>
+          <a:prstGeom prst="rect">
+            <a:avLst/>
+          </a:prstGeom>
+          <a:noFill/>
+        </p:spPr>
+        <p:txBody>
+          <a:bodyPr wrap="square" rtlCol="0">
+            <a:spAutoFit/>
+          </a:bodyPr>
+          <a:lstStyle/>
+          <a:p>
+            <a:pPr algn="l"/>
+            <a:r>
+              <a:rPr lang="en-US" sz="1200" dirty="0">
+                <a:solidFill>
+                  <a:schemeClr val="bg1"/>
+                </a:solidFill>
+                <a:latin typeface="Comic Sans MS" panose="030F0902030302020204" pitchFamily="66" charset="0"/>
+              </a:rPr>
+              <a:t>Forgot your password?</a:t>
+            </a:r>
+            <a:endParaRPr lang="en-US" sz="1100" dirty="0">
+              <a:solidFill>
+                <a:schemeClr val="bg1"/>
+              </a:solidFill>
+              <a:latin typeface="Comic Sans MS" panose="030F0902030302020204" pitchFamily="66" charset="0"/>
+            </a:endParaRPr>
+          </a:p>
+        </p:txBody>
+      </p:sp>
+    </p:spTree>
+    <p:extLst>
+      <p:ext uri="{BB962C8B-B14F-4D97-AF65-F5344CB8AC3E}">
+        <p14:creationId xmlns:p14="http://schemas.microsoft.com/office/powerpoint/2010/main" val="4010420802"/>
+      </p:ext>
+    </p:extLst>
+  </p:cSld>
+  <p:clrMapOvr>
+    <a:masterClrMapping/>
+  </p:clrMapOvr>
+</p:sld>
+</file>
+
+<file path=ppt/slides/slide21.xml><?xml version="1.0" encoding="utf-8"?>
+<p:sld xmlns:a="http://schemas.openxmlformats.org/drawingml/2006/main" xmlns:r="http://schemas.openxmlformats.org/officeDocument/2006/relationships" xmlns:p="http://schemas.openxmlformats.org/presentationml/2006/main">
+  <p:cSld>
+    <p:spTree>
+      <p:nvGrpSpPr>
+        <p:cNvPr id="1" name=""/>
+        <p:cNvGrpSpPr/>
+        <p:nvPr/>
+      </p:nvGrpSpPr>
+      <p:grpSpPr>
+        <a:xfrm>
+          <a:off x="0" y="0"/>
+          <a:ext cx="0" cy="0"/>
+          <a:chOff x="0" y="0"/>
+          <a:chExt cx="0" cy="0"/>
+        </a:xfrm>
+      </p:grpSpPr>
+      <p:sp>
+        <p:nvSpPr>
+          <p:cNvPr id="2" name="TextBox 1">
+            <a:extLst>
+              <a:ext uri="{FF2B5EF4-FFF2-40B4-BE49-F238E27FC236}">
+                <a16:creationId xmlns:a16="http://schemas.microsoft.com/office/drawing/2014/main" id="{221DED5B-F56B-0F43-A308-4F2DD034B5B7}"/>
+              </a:ext>
+            </a:extLst>
+          </p:cNvPr>
+          <p:cNvSpPr txBox="1"/>
+          <p:nvPr/>
+        </p:nvSpPr>
+        <p:spPr>
+          <a:xfrm>
+            <a:off x="2018803" y="1267014"/>
+            <a:ext cx="1388522" cy="338554"/>
+          </a:xfrm>
+          <a:prstGeom prst="rect">
+            <a:avLst/>
+          </a:prstGeom>
+          <a:noFill/>
+        </p:spPr>
+        <p:txBody>
+          <a:bodyPr wrap="none" rtlCol="0">
+            <a:spAutoFit/>
+          </a:bodyPr>
+          <a:lstStyle/>
+          <a:p>
+            <a:r>
+              <a:rPr lang="en-US" sz="1600" b="1" dirty="0">
+                <a:solidFill>
+                  <a:schemeClr val="bg1"/>
+                </a:solidFill>
+                <a:latin typeface="Comic Sans MS" panose="030F0902030302020204" pitchFamily="66" charset="0"/>
+              </a:rPr>
+              <a:t>User Profile</a:t>
+            </a:r>
+          </a:p>
+        </p:txBody>
+      </p:sp>
+      <p:sp>
+        <p:nvSpPr>
+          <p:cNvPr id="7" name="TextBox 6">
+            <a:extLst>
+              <a:ext uri="{FF2B5EF4-FFF2-40B4-BE49-F238E27FC236}">
+                <a16:creationId xmlns:a16="http://schemas.microsoft.com/office/drawing/2014/main" id="{F3573DF9-457D-7948-8B22-DB5337292FA7}"/>
+              </a:ext>
+            </a:extLst>
+          </p:cNvPr>
+          <p:cNvSpPr txBox="1"/>
+          <p:nvPr/>
+        </p:nvSpPr>
+        <p:spPr>
+          <a:xfrm>
+            <a:off x="1784068" y="292529"/>
+            <a:ext cx="2193229" cy="276999"/>
+          </a:xfrm>
+          <a:prstGeom prst="rect">
+            <a:avLst/>
+          </a:prstGeom>
+          <a:noFill/>
+        </p:spPr>
+        <p:txBody>
+          <a:bodyPr wrap="none" rtlCol="0">
+            <a:spAutoFit/>
+          </a:bodyPr>
+          <a:lstStyle/>
+          <a:p>
+            <a:r>
+              <a:rPr lang="en-US" sz="1200" dirty="0" err="1">
+                <a:solidFill>
+                  <a:schemeClr val="bg1"/>
+                </a:solidFill>
+                <a:latin typeface="Comic Sans MS" panose="030F0902030302020204" pitchFamily="66" charset="0"/>
+              </a:rPr>
+              <a:t>SellBackMart</a:t>
+            </a:r>
+            <a:r>
+              <a:rPr lang="en-US" sz="1200" dirty="0">
+                <a:solidFill>
+                  <a:schemeClr val="bg1"/>
+                </a:solidFill>
+                <a:latin typeface="Comic Sans MS" panose="030F0902030302020204" pitchFamily="66" charset="0"/>
+              </a:rPr>
+              <a:t> - User Profile</a:t>
+            </a:r>
+          </a:p>
+        </p:txBody>
+      </p:sp>
+      <p:sp>
+        <p:nvSpPr>
+          <p:cNvPr id="8" name="TextBox 7">
+            <a:extLst>
+              <a:ext uri="{FF2B5EF4-FFF2-40B4-BE49-F238E27FC236}">
+                <a16:creationId xmlns:a16="http://schemas.microsoft.com/office/drawing/2014/main" id="{49DF0299-C639-944C-9F0E-91BE71AC7E52}"/>
+              </a:ext>
+            </a:extLst>
+          </p:cNvPr>
+          <p:cNvSpPr txBox="1"/>
+          <p:nvPr/>
+        </p:nvSpPr>
+        <p:spPr>
+          <a:xfrm>
+            <a:off x="2233351" y="581403"/>
+            <a:ext cx="2429321" cy="276999"/>
+          </a:xfrm>
+          <a:prstGeom prst="rect">
+            <a:avLst/>
+          </a:prstGeom>
+          <a:noFill/>
+        </p:spPr>
+        <p:txBody>
+          <a:bodyPr wrap="none" rtlCol="0">
+            <a:spAutoFit/>
+          </a:bodyPr>
+          <a:lstStyle/>
+          <a:p>
+            <a:r>
+              <a:rPr lang="en-US" sz="1200" dirty="0">
+                <a:solidFill>
+                  <a:schemeClr val="bg1"/>
+                </a:solidFill>
+                <a:latin typeface="Comic Sans MS" panose="030F0902030302020204" pitchFamily="66" charset="0"/>
+              </a:rPr>
+              <a:t>http://localhost:3000/user/:id</a:t>
+            </a:r>
+          </a:p>
+        </p:txBody>
+      </p:sp>
+      <p:sp>
+        <p:nvSpPr>
+          <p:cNvPr id="16" name="Rectangle 15">
+            <a:extLst>
+              <a:ext uri="{FF2B5EF4-FFF2-40B4-BE49-F238E27FC236}">
+                <a16:creationId xmlns:a16="http://schemas.microsoft.com/office/drawing/2014/main" id="{61CD5799-7FC2-F04C-ADCF-330CB97C8DA9}"/>
+              </a:ext>
+            </a:extLst>
+          </p:cNvPr>
+          <p:cNvSpPr/>
+          <p:nvPr/>
+        </p:nvSpPr>
+        <p:spPr>
+          <a:xfrm>
+            <a:off x="1175657" y="870277"/>
+            <a:ext cx="9832769" cy="344384"/>
+          </a:xfrm>
+          <a:prstGeom prst="rect">
+            <a:avLst/>
+          </a:prstGeom>
+          <a:solidFill>
+            <a:schemeClr val="bg1"/>
+          </a:solidFill>
+          <a:ln>
+            <a:noFill/>
+          </a:ln>
+        </p:spPr>
+        <p:style>
+          <a:lnRef idx="2">
+            <a:schemeClr val="accent1">
+              <a:shade val="50000"/>
+            </a:schemeClr>
+          </a:lnRef>
+          <a:fillRef idx="1">
+            <a:schemeClr val="accent1"/>
+          </a:fillRef>
+          <a:effectRef idx="0">
+            <a:schemeClr val="accent1"/>
+          </a:effectRef>
+          <a:fontRef idx="minor">
+            <a:schemeClr val="lt1"/>
+          </a:fontRef>
+        </p:style>
+        <p:txBody>
+          <a:bodyPr rtlCol="0" anchor="ctr"/>
+          <a:lstStyle/>
+          <a:p>
+            <a:r>
+              <a:rPr lang="en-US" sz="1400" dirty="0">
+                <a:solidFill>
+                  <a:schemeClr val="tx1"/>
+                </a:solidFill>
+                <a:latin typeface="Comic Sans MS" panose="030F0902030302020204" pitchFamily="66" charset="0"/>
+              </a:rPr>
+              <a:t>Profile |  Catalog |  Messages</a:t>
+            </a:r>
+          </a:p>
+        </p:txBody>
+      </p:sp>
+      <p:sp>
+        <p:nvSpPr>
+          <p:cNvPr id="17" name="Rectangle 16">
+            <a:extLst>
+              <a:ext uri="{FF2B5EF4-FFF2-40B4-BE49-F238E27FC236}">
+                <a16:creationId xmlns:a16="http://schemas.microsoft.com/office/drawing/2014/main" id="{6866C721-FE01-1B49-8B68-07C98D112373}"/>
+              </a:ext>
+            </a:extLst>
+          </p:cNvPr>
+          <p:cNvSpPr/>
+          <p:nvPr/>
+        </p:nvSpPr>
+        <p:spPr>
+          <a:xfrm>
+            <a:off x="8445690" y="870277"/>
+            <a:ext cx="2562736" cy="344384"/>
+          </a:xfrm>
+          <a:prstGeom prst="rect">
+            <a:avLst/>
+          </a:prstGeom>
+          <a:solidFill>
+            <a:schemeClr val="bg1"/>
+          </a:solidFill>
+          <a:ln>
+            <a:noFill/>
+          </a:ln>
+        </p:spPr>
+        <p:style>
+          <a:lnRef idx="2">
+            <a:schemeClr val="accent1">
+              <a:shade val="50000"/>
+            </a:schemeClr>
+          </a:lnRef>
+          <a:fillRef idx="1">
+            <a:schemeClr val="accent1"/>
+          </a:fillRef>
+          <a:effectRef idx="0">
+            <a:schemeClr val="accent1"/>
+          </a:effectRef>
+          <a:fontRef idx="minor">
+            <a:schemeClr val="lt1"/>
+          </a:fontRef>
+        </p:style>
+        <p:txBody>
+          <a:bodyPr rtlCol="0" anchor="ctr"/>
+          <a:lstStyle/>
+          <a:p>
+            <a:pPr algn="r"/>
+            <a:r>
+              <a:rPr lang="en-US" sz="1400" dirty="0">
+                <a:solidFill>
+                  <a:schemeClr val="tx1"/>
+                </a:solidFill>
+                <a:latin typeface="Comic Sans MS" panose="030F0902030302020204" pitchFamily="66" charset="0"/>
+              </a:rPr>
+              <a:t>Log Out</a:t>
+            </a:r>
+          </a:p>
+        </p:txBody>
+      </p:sp>
+      <p:sp>
+        <p:nvSpPr>
+          <p:cNvPr id="9" name="TextBox 8">
+            <a:extLst>
+              <a:ext uri="{FF2B5EF4-FFF2-40B4-BE49-F238E27FC236}">
+                <a16:creationId xmlns:a16="http://schemas.microsoft.com/office/drawing/2014/main" id="{9DDBC895-FCFB-3A47-9E03-ECA92F586E8E}"/>
+              </a:ext>
+            </a:extLst>
+          </p:cNvPr>
+          <p:cNvSpPr txBox="1"/>
+          <p:nvPr/>
+        </p:nvSpPr>
+        <p:spPr>
+          <a:xfrm>
+            <a:off x="5028014" y="1968030"/>
+            <a:ext cx="5104282" cy="2893100"/>
+          </a:xfrm>
+          <a:prstGeom prst="rect">
+            <a:avLst/>
+          </a:prstGeom>
+          <a:noFill/>
+          <a:ln>
+            <a:solidFill>
+              <a:schemeClr val="bg1"/>
+            </a:solidFill>
+          </a:ln>
+        </p:spPr>
+        <p:txBody>
+          <a:bodyPr wrap="none" rtlCol="0">
+            <a:spAutoFit/>
+          </a:bodyPr>
+          <a:lstStyle/>
+          <a:p>
+            <a:pPr algn="l"/>
+            <a:r>
+              <a:rPr lang="en-US" sz="1600" dirty="0">
+                <a:solidFill>
+                  <a:schemeClr val="bg1"/>
+                </a:solidFill>
+                <a:latin typeface="Comic Sans MS" panose="030F0902030302020204" pitchFamily="66" charset="0"/>
+              </a:rPr>
+              <a:t>Item		Review		Buyer</a:t>
+            </a:r>
+          </a:p>
+          <a:p>
+            <a:pPr algn="l"/>
+            <a:endParaRPr lang="en-US" sz="1600" dirty="0">
+              <a:solidFill>
+                <a:schemeClr val="bg1"/>
+              </a:solidFill>
+              <a:latin typeface="Comic Sans MS" panose="030F0902030302020204" pitchFamily="66" charset="0"/>
+            </a:endParaRPr>
+          </a:p>
+          <a:p>
+            <a:pPr algn="l"/>
+            <a:r>
+              <a:rPr lang="en-US" sz="1600" dirty="0">
+                <a:solidFill>
+                  <a:schemeClr val="bg1"/>
+                </a:solidFill>
+                <a:latin typeface="Comic Sans MS" panose="030F0902030302020204" pitchFamily="66" charset="0"/>
+              </a:rPr>
+              <a:t>Item1	        Review Statement 1.      </a:t>
+            </a:r>
+            <a:r>
+              <a:rPr lang="en-US" sz="1600" dirty="0">
+                <a:solidFill>
+                  <a:srgbClr val="0432FF"/>
+                </a:solidFill>
+                <a:latin typeface="Comic Sans MS" panose="030F0902030302020204" pitchFamily="66" charset="0"/>
+              </a:rPr>
+              <a:t>Buyer1 name</a:t>
+            </a:r>
+          </a:p>
+          <a:p>
+            <a:pPr algn="l"/>
+            <a:endParaRPr lang="en-US" sz="1600" dirty="0">
+              <a:solidFill>
+                <a:schemeClr val="bg1"/>
+              </a:solidFill>
+              <a:latin typeface="Comic Sans MS" panose="030F0902030302020204" pitchFamily="66" charset="0"/>
+            </a:endParaRPr>
+          </a:p>
+          <a:p>
+            <a:pPr algn="l"/>
+            <a:r>
+              <a:rPr lang="en-US" sz="1600" dirty="0">
+                <a:solidFill>
+                  <a:schemeClr val="bg1"/>
+                </a:solidFill>
+                <a:latin typeface="Comic Sans MS" panose="030F0902030302020204" pitchFamily="66" charset="0"/>
+              </a:rPr>
+              <a:t>Item2	        Review Statement 2.	</a:t>
+            </a:r>
+            <a:r>
+              <a:rPr lang="en-US" sz="1600" dirty="0">
+                <a:solidFill>
+                  <a:srgbClr val="0432FF"/>
+                </a:solidFill>
+                <a:latin typeface="Comic Sans MS" panose="030F0902030302020204" pitchFamily="66" charset="0"/>
+              </a:rPr>
+              <a:t>Buyer2 name</a:t>
+            </a:r>
+          </a:p>
+          <a:p>
+            <a:pPr algn="l"/>
+            <a:r>
+              <a:rPr lang="en-US" sz="1600" dirty="0">
+                <a:solidFill>
+                  <a:schemeClr val="bg1"/>
+                </a:solidFill>
+                <a:latin typeface="Comic Sans MS" panose="030F0902030302020204" pitchFamily="66" charset="0"/>
+              </a:rPr>
+              <a:t>		      </a:t>
+            </a:r>
+            <a:r>
+              <a:rPr lang="en-US" sz="1600" dirty="0">
+                <a:solidFill>
+                  <a:srgbClr val="0432FF"/>
+                </a:solidFill>
+                <a:latin typeface="Comic Sans MS" panose="030F0902030302020204" pitchFamily="66" charset="0"/>
+              </a:rPr>
+              <a:t>Edit Delete</a:t>
+            </a:r>
+          </a:p>
+          <a:p>
+            <a:endParaRPr lang="en-US" dirty="0">
+              <a:solidFill>
+                <a:schemeClr val="bg1"/>
+              </a:solidFill>
+            </a:endParaRPr>
+          </a:p>
+          <a:p>
+            <a:r>
+              <a:rPr lang="en-US" dirty="0">
+                <a:solidFill>
+                  <a:schemeClr val="bg1"/>
+                </a:solidFill>
+              </a:rPr>
+              <a:t>Have you bought an item from this seller? </a:t>
+            </a:r>
+          </a:p>
+          <a:p>
+            <a:r>
+              <a:rPr lang="en-US" dirty="0">
+                <a:solidFill>
+                  <a:schemeClr val="bg1"/>
+                </a:solidFill>
+              </a:rPr>
+              <a:t>Please share your experience below:</a:t>
+            </a:r>
+          </a:p>
+          <a:p>
+            <a:br>
+              <a:rPr lang="en-US" sz="1600" dirty="0">
+                <a:solidFill>
+                  <a:schemeClr val="bg1"/>
+                </a:solidFill>
+              </a:rPr>
+            </a:br>
+            <a:endParaRPr lang="en-US" sz="1600" dirty="0">
+              <a:solidFill>
+                <a:schemeClr val="bg1"/>
+              </a:solidFill>
+              <a:latin typeface="Comic Sans MS" panose="030F0902030302020204" pitchFamily="66" charset="0"/>
+            </a:endParaRPr>
+          </a:p>
+        </p:txBody>
+      </p:sp>
+      <p:sp>
+        <p:nvSpPr>
+          <p:cNvPr id="20" name="Rounded Rectangle 19">
+            <a:extLst>
+              <a:ext uri="{FF2B5EF4-FFF2-40B4-BE49-F238E27FC236}">
+                <a16:creationId xmlns:a16="http://schemas.microsoft.com/office/drawing/2014/main" id="{4BEBFFB0-3422-9540-99C7-6A70E61CA9EE}"/>
+              </a:ext>
+            </a:extLst>
+          </p:cNvPr>
+          <p:cNvSpPr/>
+          <p:nvPr/>
+        </p:nvSpPr>
+        <p:spPr>
+          <a:xfrm>
+            <a:off x="2233351" y="4312822"/>
+            <a:ext cx="1962131" cy="327860"/>
+          </a:xfrm>
+          <a:prstGeom prst="roundRect">
+            <a:avLst/>
+          </a:prstGeom>
+          <a:solidFill>
+            <a:schemeClr val="tx2"/>
+          </a:solidFill>
+          <a:ln>
+            <a:solidFill>
+              <a:schemeClr val="bg1"/>
+            </a:solidFill>
+          </a:ln>
+        </p:spPr>
+        <p:style>
+          <a:lnRef idx="2">
+            <a:schemeClr val="accent1">
+              <a:shade val="50000"/>
+            </a:schemeClr>
+          </a:lnRef>
+          <a:fillRef idx="1">
+            <a:schemeClr val="accent1"/>
+          </a:fillRef>
+          <a:effectRef idx="0">
+            <a:schemeClr val="accent1"/>
+          </a:effectRef>
+          <a:fontRef idx="minor">
+            <a:schemeClr val="lt1"/>
+          </a:fontRef>
+        </p:style>
+        <p:txBody>
+          <a:bodyPr rtlCol="0" anchor="ctr"/>
+          <a:lstStyle/>
+          <a:p>
+            <a:pPr algn="ctr"/>
+            <a:r>
+              <a:rPr lang="en-US" sz="1400" dirty="0">
+                <a:solidFill>
+                  <a:schemeClr val="bg1"/>
+                </a:solidFill>
+                <a:latin typeface="Comic Sans MS" panose="030F0902030302020204" pitchFamily="66" charset="0"/>
+              </a:rPr>
+              <a:t>Message</a:t>
+            </a:r>
+          </a:p>
+        </p:txBody>
+      </p:sp>
+      <p:sp>
+        <p:nvSpPr>
+          <p:cNvPr id="4" name="TextBox 3">
+            <a:extLst>
+              <a:ext uri="{FF2B5EF4-FFF2-40B4-BE49-F238E27FC236}">
+                <a16:creationId xmlns:a16="http://schemas.microsoft.com/office/drawing/2014/main" id="{F34410C0-B037-D144-80FC-AB321307446E}"/>
+              </a:ext>
+            </a:extLst>
+          </p:cNvPr>
+          <p:cNvSpPr txBox="1"/>
+          <p:nvPr/>
+        </p:nvSpPr>
+        <p:spPr>
+          <a:xfrm>
+            <a:off x="5028014" y="1640433"/>
+            <a:ext cx="829073" cy="338554"/>
+          </a:xfrm>
+          <a:prstGeom prst="rect">
+            <a:avLst/>
+          </a:prstGeom>
+          <a:solidFill>
+            <a:schemeClr val="tx1"/>
+          </a:solidFill>
+          <a:ln>
+            <a:solidFill>
+              <a:schemeClr val="bg1"/>
+            </a:solidFill>
+          </a:ln>
+        </p:spPr>
+        <p:txBody>
+          <a:bodyPr wrap="none" rtlCol="0">
+            <a:spAutoFit/>
+          </a:bodyPr>
+          <a:lstStyle/>
+          <a:p>
+            <a:pPr algn="l"/>
+            <a:r>
+              <a:rPr lang="en-US" sz="1600" dirty="0">
+                <a:solidFill>
+                  <a:schemeClr val="bg1"/>
+                </a:solidFill>
+                <a:latin typeface="Comic Sans MS" panose="030F0902030302020204" pitchFamily="66" charset="0"/>
+              </a:rPr>
+              <a:t>Profile</a:t>
+            </a:r>
+          </a:p>
+        </p:txBody>
+      </p:sp>
+      <p:sp>
+        <p:nvSpPr>
+          <p:cNvPr id="19" name="TextBox 18">
+            <a:extLst>
+              <a:ext uri="{FF2B5EF4-FFF2-40B4-BE49-F238E27FC236}">
+                <a16:creationId xmlns:a16="http://schemas.microsoft.com/office/drawing/2014/main" id="{B8792BF7-FDB0-C84B-AC3C-F44B726A4044}"/>
+              </a:ext>
+            </a:extLst>
+          </p:cNvPr>
+          <p:cNvSpPr txBox="1"/>
+          <p:nvPr/>
+        </p:nvSpPr>
+        <p:spPr>
+          <a:xfrm>
+            <a:off x="5857087" y="1634955"/>
+            <a:ext cx="835485" cy="338554"/>
+          </a:xfrm>
+          <a:prstGeom prst="rect">
+            <a:avLst/>
+          </a:prstGeom>
+          <a:solidFill>
+            <a:schemeClr val="tx1">
+              <a:lumMod val="75000"/>
+            </a:schemeClr>
+          </a:solidFill>
+          <a:ln>
+            <a:solidFill>
+              <a:schemeClr val="bg1"/>
+            </a:solidFill>
+          </a:ln>
+        </p:spPr>
+        <p:txBody>
+          <a:bodyPr wrap="none" rtlCol="0">
+            <a:spAutoFit/>
+          </a:bodyPr>
+          <a:lstStyle/>
+          <a:p>
+            <a:pPr algn="l"/>
+            <a:r>
+              <a:rPr lang="en-US" sz="1600" dirty="0">
+                <a:solidFill>
+                  <a:schemeClr val="bg1"/>
+                </a:solidFill>
+                <a:latin typeface="Comic Sans MS" panose="030F0902030302020204" pitchFamily="66" charset="0"/>
+              </a:rPr>
+              <a:t>Review</a:t>
+            </a:r>
+          </a:p>
+        </p:txBody>
+      </p:sp>
+      <p:sp>
+        <p:nvSpPr>
+          <p:cNvPr id="13" name="Rectangle 12">
+            <a:extLst>
+              <a:ext uri="{FF2B5EF4-FFF2-40B4-BE49-F238E27FC236}">
+                <a16:creationId xmlns:a16="http://schemas.microsoft.com/office/drawing/2014/main" id="{61CD5799-7FC2-F04C-ADCF-330CB97C8DA9}"/>
+              </a:ext>
+            </a:extLst>
+          </p:cNvPr>
+          <p:cNvSpPr/>
+          <p:nvPr/>
+        </p:nvSpPr>
+        <p:spPr>
+          <a:xfrm>
+            <a:off x="1188497" y="869150"/>
+            <a:ext cx="9832769" cy="344384"/>
+          </a:xfrm>
+          <a:prstGeom prst="rect">
+            <a:avLst/>
+          </a:prstGeom>
+          <a:solidFill>
+            <a:schemeClr val="bg1"/>
+          </a:solidFill>
+          <a:ln>
+            <a:noFill/>
+          </a:ln>
+        </p:spPr>
+        <p:style>
+          <a:lnRef idx="2">
+            <a:schemeClr val="accent1">
+              <a:shade val="50000"/>
+            </a:schemeClr>
+          </a:lnRef>
+          <a:fillRef idx="1">
+            <a:schemeClr val="accent1"/>
+          </a:fillRef>
+          <a:effectRef idx="0">
+            <a:schemeClr val="accent1"/>
+          </a:effectRef>
+          <a:fontRef idx="minor">
+            <a:schemeClr val="lt1"/>
+          </a:fontRef>
+        </p:style>
+        <p:txBody>
+          <a:bodyPr rtlCol="0" anchor="ctr"/>
+          <a:lstStyle/>
+          <a:p>
+            <a:r>
+              <a:rPr lang="en-US" sz="1400" dirty="0">
+                <a:solidFill>
+                  <a:schemeClr val="tx1"/>
+                </a:solidFill>
+                <a:latin typeface="Comic Sans MS" panose="030F0902030302020204" pitchFamily="66" charset="0"/>
+              </a:rPr>
+              <a:t> Catalog |  Messages</a:t>
+            </a:r>
+          </a:p>
+        </p:txBody>
+      </p:sp>
+      <p:sp>
+        <p:nvSpPr>
+          <p:cNvPr id="14" name="Rectangle 13">
+            <a:extLst>
+              <a:ext uri="{FF2B5EF4-FFF2-40B4-BE49-F238E27FC236}">
+                <a16:creationId xmlns:a16="http://schemas.microsoft.com/office/drawing/2014/main" id="{6866C721-FE01-1B49-8B68-07C98D112373}"/>
+              </a:ext>
+            </a:extLst>
+          </p:cNvPr>
+          <p:cNvSpPr/>
+          <p:nvPr/>
+        </p:nvSpPr>
+        <p:spPr>
+          <a:xfrm>
+            <a:off x="8393087" y="865442"/>
+            <a:ext cx="2562736" cy="344384"/>
+          </a:xfrm>
+          <a:prstGeom prst="rect">
+            <a:avLst/>
+          </a:prstGeom>
+          <a:solidFill>
+            <a:schemeClr val="bg1"/>
+          </a:solidFill>
+          <a:ln>
+            <a:noFill/>
+          </a:ln>
+        </p:spPr>
+        <p:style>
+          <a:lnRef idx="2">
+            <a:schemeClr val="accent1">
+              <a:shade val="50000"/>
+            </a:schemeClr>
+          </a:lnRef>
+          <a:fillRef idx="1">
+            <a:schemeClr val="accent1"/>
+          </a:fillRef>
+          <a:effectRef idx="0">
+            <a:schemeClr val="accent1"/>
+          </a:effectRef>
+          <a:fontRef idx="minor">
+            <a:schemeClr val="lt1"/>
+          </a:fontRef>
+        </p:style>
+        <p:txBody>
+          <a:bodyPr rtlCol="0" anchor="ctr"/>
+          <a:lstStyle/>
+          <a:p>
+            <a:pPr algn="r"/>
+            <a:r>
+              <a:rPr lang="en-US" sz="1400" dirty="0">
+                <a:solidFill>
+                  <a:schemeClr val="tx1"/>
+                </a:solidFill>
+                <a:latin typeface="Comic Sans MS" panose="030F0902030302020204" pitchFamily="66" charset="0"/>
+              </a:rPr>
+              <a:t>Username</a:t>
+            </a:r>
+          </a:p>
+        </p:txBody>
+      </p:sp>
+      <p:sp>
+        <p:nvSpPr>
+          <p:cNvPr id="15" name="Rectangle 14">
+            <a:extLst>
+              <a:ext uri="{FF2B5EF4-FFF2-40B4-BE49-F238E27FC236}">
+                <a16:creationId xmlns:a16="http://schemas.microsoft.com/office/drawing/2014/main" id="{E20295CC-58DF-0E47-95FC-6D5FF095C60D}"/>
+              </a:ext>
+            </a:extLst>
+          </p:cNvPr>
+          <p:cNvSpPr/>
+          <p:nvPr/>
+        </p:nvSpPr>
+        <p:spPr>
+          <a:xfrm>
+            <a:off x="1188497" y="869150"/>
+            <a:ext cx="9832769" cy="344384"/>
+          </a:xfrm>
+          <a:prstGeom prst="rect">
+            <a:avLst/>
+          </a:prstGeom>
+          <a:solidFill>
+            <a:schemeClr val="tx1"/>
+          </a:solidFill>
+          <a:ln>
+            <a:noFill/>
+          </a:ln>
+        </p:spPr>
+        <p:style>
+          <a:lnRef idx="2">
+            <a:schemeClr val="accent1">
+              <a:shade val="50000"/>
+            </a:schemeClr>
+          </a:lnRef>
+          <a:fillRef idx="1">
+            <a:schemeClr val="accent1"/>
+          </a:fillRef>
+          <a:effectRef idx="0">
+            <a:schemeClr val="accent1"/>
+          </a:effectRef>
+          <a:fontRef idx="minor">
+            <a:schemeClr val="lt1"/>
+          </a:fontRef>
+        </p:style>
+        <p:txBody>
+          <a:bodyPr rtlCol="0" anchor="ctr"/>
+          <a:lstStyle/>
+          <a:p>
+            <a:r>
+              <a:rPr lang="en-US" sz="1400" dirty="0">
+                <a:solidFill>
+                  <a:schemeClr val="accent1">
+                    <a:lumMod val="50000"/>
+                  </a:schemeClr>
+                </a:solidFill>
+                <a:latin typeface="Comic Sans MS" panose="030F0902030302020204" pitchFamily="66" charset="0"/>
+              </a:rPr>
+              <a:t> </a:t>
+            </a:r>
+            <a:r>
+              <a:rPr lang="en-US" sz="2400" b="1" dirty="0" err="1">
+                <a:solidFill>
+                  <a:schemeClr val="accent1">
+                    <a:lumMod val="50000"/>
+                  </a:schemeClr>
+                </a:solidFill>
+                <a:latin typeface="Comic Sans MS" panose="030F0902030302020204" pitchFamily="66" charset="0"/>
+              </a:rPr>
+              <a:t>SellBack</a:t>
+            </a:r>
+            <a:r>
+              <a:rPr lang="en-US" sz="2400" b="1" dirty="0" err="1">
+                <a:solidFill>
+                  <a:schemeClr val="accent1">
+                    <a:lumMod val="60000"/>
+                    <a:lumOff val="40000"/>
+                  </a:schemeClr>
+                </a:solidFill>
+                <a:latin typeface="Comic Sans MS" panose="030F0902030302020204" pitchFamily="66" charset="0"/>
+              </a:rPr>
+              <a:t>Mart</a:t>
+            </a:r>
+            <a:endParaRPr lang="en-US" sz="1400" b="1" dirty="0">
+              <a:solidFill>
+                <a:schemeClr val="accent1">
+                  <a:lumMod val="60000"/>
+                  <a:lumOff val="40000"/>
+                </a:schemeClr>
+              </a:solidFill>
+              <a:latin typeface="Comic Sans MS" panose="030F0902030302020204" pitchFamily="66" charset="0"/>
+            </a:endParaRPr>
+          </a:p>
+        </p:txBody>
+      </p:sp>
+      <p:sp>
+        <p:nvSpPr>
+          <p:cNvPr id="21" name="Rectangle 20">
+            <a:extLst>
+              <a:ext uri="{FF2B5EF4-FFF2-40B4-BE49-F238E27FC236}">
+                <a16:creationId xmlns:a16="http://schemas.microsoft.com/office/drawing/2014/main" id="{F22F8A5C-1EAD-7D4A-B24C-C2AA76DAF341}"/>
+              </a:ext>
+            </a:extLst>
+          </p:cNvPr>
+          <p:cNvSpPr/>
+          <p:nvPr/>
+        </p:nvSpPr>
+        <p:spPr>
+          <a:xfrm>
+            <a:off x="6911440" y="865442"/>
+            <a:ext cx="4044384" cy="344384"/>
+          </a:xfrm>
+          <a:prstGeom prst="rect">
+            <a:avLst/>
+          </a:prstGeom>
+          <a:solidFill>
+            <a:schemeClr val="tx1"/>
+          </a:solidFill>
+          <a:ln>
+            <a:noFill/>
+          </a:ln>
+        </p:spPr>
+        <p:style>
+          <a:lnRef idx="2">
+            <a:schemeClr val="accent1">
+              <a:shade val="50000"/>
+            </a:schemeClr>
+          </a:lnRef>
+          <a:fillRef idx="1">
+            <a:schemeClr val="accent1"/>
+          </a:fillRef>
+          <a:effectRef idx="0">
+            <a:schemeClr val="accent1"/>
+          </a:effectRef>
+          <a:fontRef idx="minor">
+            <a:schemeClr val="lt1"/>
+          </a:fontRef>
+        </p:style>
+        <p:txBody>
+          <a:bodyPr rtlCol="0" anchor="ctr"/>
+          <a:lstStyle/>
+          <a:p>
+            <a:pPr algn="r"/>
+            <a:r>
+              <a:rPr lang="en-US" sz="1400" dirty="0">
+                <a:solidFill>
+                  <a:schemeClr val="bg2">
+                    <a:lumMod val="50000"/>
+                  </a:schemeClr>
+                </a:solidFill>
+                <a:latin typeface="Comic Sans MS" panose="030F0902030302020204" pitchFamily="66" charset="0"/>
+              </a:rPr>
+              <a:t>Catalog     Users Profile    Username</a:t>
+            </a:r>
+          </a:p>
+        </p:txBody>
+      </p:sp>
+      <p:pic>
+        <p:nvPicPr>
+          <p:cNvPr id="22" name="Picture 2" descr="Memphis Tiger Logo">
+            <a:extLst>
+              <a:ext uri="{FF2B5EF4-FFF2-40B4-BE49-F238E27FC236}">
+                <a16:creationId xmlns:a16="http://schemas.microsoft.com/office/drawing/2014/main" id="{598C481B-F211-4AA9-AD89-9411F773EE64}"/>
+              </a:ext>
+            </a:extLst>
+          </p:cNvPr>
+          <p:cNvPicPr>
+            <a:picLocks noChangeAspect="1" noChangeArrowheads="1"/>
+          </p:cNvPicPr>
+          <p:nvPr/>
+        </p:nvPicPr>
+        <p:blipFill>
+          <a:blip r:embed="rId2">
+            <a:extLst>
+              <a:ext uri="{28A0092B-C50C-407E-A947-70E740481C1C}">
+                <a14:useLocalDpi xmlns:a14="http://schemas.microsoft.com/office/drawing/2010/main" val="0"/>
+              </a:ext>
+            </a:extLst>
+          </a:blip>
+          <a:srcRect/>
+          <a:stretch>
+            <a:fillRect/>
+          </a:stretch>
+        </p:blipFill>
+        <p:spPr bwMode="auto">
+          <a:xfrm>
+            <a:off x="1929708" y="1814655"/>
+            <a:ext cx="2368076" cy="2062103"/>
+          </a:xfrm>
+          <a:prstGeom prst="rect">
+            <a:avLst/>
+          </a:prstGeom>
+          <a:noFill/>
+          <a:extLst>
+            <a:ext uri="{909E8E84-426E-40DD-AFC4-6F175D3DCCD1}">
+              <a14:hiddenFill xmlns:a14="http://schemas.microsoft.com/office/drawing/2010/main">
+                <a:solidFill>
+                  <a:srgbClr val="FFFFFF"/>
+                </a:solidFill>
+              </a14:hiddenFill>
+            </a:ext>
+          </a:extLst>
+        </p:spPr>
+      </p:pic>
+      <p:sp>
+        <p:nvSpPr>
+          <p:cNvPr id="6" name="TextBox 5">
+            <a:extLst>
+              <a:ext uri="{FF2B5EF4-FFF2-40B4-BE49-F238E27FC236}">
+                <a16:creationId xmlns:a16="http://schemas.microsoft.com/office/drawing/2014/main" id="{1ACB3BA0-A8B2-494D-9DB3-1C520F0C9680}"/>
+              </a:ext>
+            </a:extLst>
+          </p:cNvPr>
+          <p:cNvSpPr txBox="1"/>
+          <p:nvPr/>
+        </p:nvSpPr>
+        <p:spPr>
+          <a:xfrm>
+            <a:off x="5113935" y="4312822"/>
+            <a:ext cx="1306768" cy="338554"/>
+          </a:xfrm>
+          <a:prstGeom prst="rect">
+            <a:avLst/>
+          </a:prstGeom>
+          <a:solidFill>
+            <a:srgbClr val="0432FF"/>
+          </a:solidFill>
+          <a:ln>
+            <a:solidFill>
+              <a:schemeClr val="bg1"/>
+            </a:solidFill>
+          </a:ln>
+        </p:spPr>
+        <p:txBody>
+          <a:bodyPr wrap="none" rtlCol="0">
+            <a:spAutoFit/>
+          </a:bodyPr>
+          <a:lstStyle/>
+          <a:p>
+            <a:pPr algn="l"/>
+            <a:r>
+              <a:rPr lang="en-US" sz="1600" dirty="0">
+                <a:latin typeface="Comic Sans MS" panose="030F0902030302020204" pitchFamily="66" charset="0"/>
+              </a:rPr>
+              <a:t>Post Review</a:t>
+            </a:r>
+          </a:p>
+        </p:txBody>
+      </p:sp>
+      <p:sp>
+        <p:nvSpPr>
+          <p:cNvPr id="18" name="Rectangle 17">
+            <a:extLst>
+              <a:ext uri="{FF2B5EF4-FFF2-40B4-BE49-F238E27FC236}">
+                <a16:creationId xmlns:a16="http://schemas.microsoft.com/office/drawing/2014/main" id="{A969F7B5-087A-614F-BA81-6DC975D775EE}"/>
+              </a:ext>
+            </a:extLst>
+          </p:cNvPr>
+          <p:cNvSpPr/>
+          <p:nvPr/>
+        </p:nvSpPr>
+        <p:spPr>
+          <a:xfrm>
+            <a:off x="6625652" y="865442"/>
+            <a:ext cx="4330172" cy="344384"/>
+          </a:xfrm>
+          <a:prstGeom prst="rect">
+            <a:avLst/>
+          </a:prstGeom>
+          <a:solidFill>
+            <a:schemeClr val="tx1"/>
+          </a:solidFill>
+          <a:ln>
+            <a:noFill/>
+          </a:ln>
+        </p:spPr>
+        <p:style>
+          <a:lnRef idx="2">
+            <a:schemeClr val="accent1">
+              <a:shade val="50000"/>
+            </a:schemeClr>
+          </a:lnRef>
+          <a:fillRef idx="1">
+            <a:schemeClr val="accent1"/>
+          </a:fillRef>
+          <a:effectRef idx="0">
+            <a:schemeClr val="accent1"/>
+          </a:effectRef>
+          <a:fontRef idx="minor">
+            <a:schemeClr val="lt1"/>
+          </a:fontRef>
+        </p:style>
+        <p:txBody>
+          <a:bodyPr rtlCol="0" anchor="ctr"/>
+          <a:lstStyle/>
+          <a:p>
+            <a:pPr algn="r"/>
+            <a:r>
+              <a:rPr lang="en-US" sz="1400" dirty="0">
+                <a:solidFill>
+                  <a:schemeClr val="bg2">
+                    <a:lumMod val="50000"/>
+                  </a:schemeClr>
+                </a:solidFill>
+                <a:latin typeface="Comic Sans MS" panose="030F0902030302020204" pitchFamily="66" charset="0"/>
+              </a:rPr>
+              <a:t>Catalog     Messages   Users Profile    Username</a:t>
+            </a:r>
+          </a:p>
+        </p:txBody>
+      </p:sp>
+    </p:spTree>
+    <p:extLst>
+      <p:ext uri="{BB962C8B-B14F-4D97-AF65-F5344CB8AC3E}">
+        <p14:creationId xmlns:p14="http://schemas.microsoft.com/office/powerpoint/2010/main" val="2064752256"/>
+      </p:ext>
+    </p:extLst>
+  </p:cSld>
+  <p:clrMapOvr>
+    <a:masterClrMapping/>
+  </p:clrMapOvr>
+</p:sld>
+</file>
+
+<file path=ppt/slides/slide22.xml><?xml version="1.0" encoding="utf-8"?>
+<p:sld xmlns:a="http://schemas.openxmlformats.org/drawingml/2006/main" xmlns:r="http://schemas.openxmlformats.org/officeDocument/2006/relationships" xmlns:p="http://schemas.openxmlformats.org/presentationml/2006/main">
+  <p:cSld>
+    <p:spTree>
+      <p:nvGrpSpPr>
+        <p:cNvPr id="1" name=""/>
+        <p:cNvGrpSpPr/>
+        <p:nvPr/>
+      </p:nvGrpSpPr>
+      <p:grpSpPr>
+        <a:xfrm>
+          <a:off x="0" y="0"/>
+          <a:ext cx="0" cy="0"/>
+          <a:chOff x="0" y="0"/>
+          <a:chExt cx="0" cy="0"/>
+        </a:xfrm>
+      </p:grpSpPr>
+      <p:sp>
+        <p:nvSpPr>
+          <p:cNvPr id="2" name="TextBox 1">
+            <a:extLst>
+              <a:ext uri="{FF2B5EF4-FFF2-40B4-BE49-F238E27FC236}">
+                <a16:creationId xmlns:a16="http://schemas.microsoft.com/office/drawing/2014/main" id="{221DED5B-F56B-0F43-A308-4F2DD034B5B7}"/>
+              </a:ext>
+            </a:extLst>
+          </p:cNvPr>
+          <p:cNvSpPr txBox="1"/>
+          <p:nvPr/>
+        </p:nvSpPr>
+        <p:spPr>
+          <a:xfrm>
+            <a:off x="1923798" y="1266033"/>
+            <a:ext cx="1358064" cy="338554"/>
+          </a:xfrm>
+          <a:prstGeom prst="rect">
+            <a:avLst/>
+          </a:prstGeom>
+          <a:noFill/>
+        </p:spPr>
+        <p:txBody>
+          <a:bodyPr wrap="none" rtlCol="0">
+            <a:spAutoFit/>
+          </a:bodyPr>
+          <a:lstStyle/>
+          <a:p>
+            <a:r>
+              <a:rPr lang="en-US" sz="1600" b="1" dirty="0">
+                <a:solidFill>
+                  <a:schemeClr val="bg1"/>
+                </a:solidFill>
+                <a:latin typeface="Comic Sans MS" panose="030F0902030302020204" pitchFamily="66" charset="0"/>
+              </a:rPr>
+              <a:t>New Review</a:t>
+            </a:r>
+          </a:p>
+        </p:txBody>
+      </p:sp>
+      <p:sp>
+        <p:nvSpPr>
+          <p:cNvPr id="7" name="TextBox 6">
+            <a:extLst>
+              <a:ext uri="{FF2B5EF4-FFF2-40B4-BE49-F238E27FC236}">
+                <a16:creationId xmlns:a16="http://schemas.microsoft.com/office/drawing/2014/main" id="{F3573DF9-457D-7948-8B22-DB5337292FA7}"/>
+              </a:ext>
+            </a:extLst>
+          </p:cNvPr>
+          <p:cNvSpPr txBox="1"/>
+          <p:nvPr/>
+        </p:nvSpPr>
+        <p:spPr>
+          <a:xfrm>
+            <a:off x="1784068" y="292529"/>
+            <a:ext cx="1938351" cy="276999"/>
+          </a:xfrm>
+          <a:prstGeom prst="rect">
+            <a:avLst/>
+          </a:prstGeom>
+          <a:noFill/>
+        </p:spPr>
+        <p:txBody>
+          <a:bodyPr wrap="none" rtlCol="0">
+            <a:spAutoFit/>
+          </a:bodyPr>
+          <a:lstStyle/>
+          <a:p>
+            <a:r>
+              <a:rPr lang="en-US" sz="1200" dirty="0" err="1">
+                <a:solidFill>
+                  <a:schemeClr val="bg1"/>
+                </a:solidFill>
+                <a:latin typeface="Comic Sans MS" panose="030F0902030302020204" pitchFamily="66" charset="0"/>
+              </a:rPr>
+              <a:t>SellbackMart</a:t>
+            </a:r>
+            <a:r>
+              <a:rPr lang="en-US" sz="1200" dirty="0">
+                <a:solidFill>
+                  <a:schemeClr val="bg1"/>
+                </a:solidFill>
+                <a:latin typeface="Comic Sans MS" panose="030F0902030302020204" pitchFamily="66" charset="0"/>
+              </a:rPr>
+              <a:t>-New Item</a:t>
+            </a:r>
+          </a:p>
+        </p:txBody>
+      </p:sp>
+      <p:sp>
+        <p:nvSpPr>
+          <p:cNvPr id="8" name="TextBox 7">
+            <a:extLst>
+              <a:ext uri="{FF2B5EF4-FFF2-40B4-BE49-F238E27FC236}">
+                <a16:creationId xmlns:a16="http://schemas.microsoft.com/office/drawing/2014/main" id="{49DF0299-C639-944C-9F0E-91BE71AC7E52}"/>
+              </a:ext>
+            </a:extLst>
+          </p:cNvPr>
+          <p:cNvSpPr txBox="1"/>
+          <p:nvPr/>
+        </p:nvSpPr>
+        <p:spPr>
+          <a:xfrm>
+            <a:off x="2233351" y="581403"/>
+            <a:ext cx="3411511" cy="276999"/>
+          </a:xfrm>
+          <a:prstGeom prst="rect">
+            <a:avLst/>
+          </a:prstGeom>
+          <a:noFill/>
+        </p:spPr>
+        <p:txBody>
+          <a:bodyPr wrap="none" rtlCol="0">
+            <a:spAutoFit/>
+          </a:bodyPr>
+          <a:lstStyle/>
+          <a:p>
+            <a:r>
+              <a:rPr lang="en-US" sz="1200" dirty="0">
+                <a:solidFill>
+                  <a:schemeClr val="bg1"/>
+                </a:solidFill>
+                <a:latin typeface="Comic Sans MS" panose="030F0902030302020204" pitchFamily="66" charset="0"/>
+              </a:rPr>
+              <a:t>http://localhost:3000/users/#/reviews/new</a:t>
+            </a:r>
+          </a:p>
+        </p:txBody>
+      </p:sp>
+      <p:sp>
+        <p:nvSpPr>
+          <p:cNvPr id="10" name="TextBox 9">
+            <a:extLst>
+              <a:ext uri="{FF2B5EF4-FFF2-40B4-BE49-F238E27FC236}">
+                <a16:creationId xmlns:a16="http://schemas.microsoft.com/office/drawing/2014/main" id="{C8E10E37-1019-8D4C-BA6F-9A6E9CF0D317}"/>
+              </a:ext>
+            </a:extLst>
+          </p:cNvPr>
+          <p:cNvSpPr txBox="1"/>
+          <p:nvPr/>
+        </p:nvSpPr>
+        <p:spPr>
+          <a:xfrm>
+            <a:off x="1913403" y="1826264"/>
+            <a:ext cx="1149674" cy="2677656"/>
+          </a:xfrm>
+          <a:prstGeom prst="rect">
+            <a:avLst/>
+          </a:prstGeom>
+          <a:noFill/>
+        </p:spPr>
+        <p:txBody>
+          <a:bodyPr wrap="none" rtlCol="0">
+            <a:spAutoFit/>
+          </a:bodyPr>
+          <a:lstStyle/>
+          <a:p>
+            <a:r>
+              <a:rPr lang="en-US" sz="1400" dirty="0">
+                <a:solidFill>
+                  <a:schemeClr val="bg1"/>
+                </a:solidFill>
+                <a:latin typeface="Comic Sans MS" panose="030F0902030302020204" pitchFamily="66" charset="0"/>
+              </a:rPr>
+              <a:t>Item</a:t>
+            </a:r>
+          </a:p>
+          <a:p>
+            <a:endParaRPr lang="en-US" sz="1400" dirty="0">
+              <a:solidFill>
+                <a:schemeClr val="bg1"/>
+              </a:solidFill>
+              <a:latin typeface="Comic Sans MS" panose="030F0902030302020204" pitchFamily="66" charset="0"/>
+            </a:endParaRPr>
+          </a:p>
+          <a:p>
+            <a:endParaRPr lang="en-US" sz="1400" dirty="0">
+              <a:solidFill>
+                <a:schemeClr val="bg1"/>
+              </a:solidFill>
+              <a:latin typeface="Comic Sans MS" panose="030F0902030302020204" pitchFamily="66" charset="0"/>
+            </a:endParaRPr>
+          </a:p>
+          <a:p>
+            <a:endParaRPr lang="en-US" sz="1400" dirty="0">
+              <a:solidFill>
+                <a:schemeClr val="bg1"/>
+              </a:solidFill>
+              <a:latin typeface="Comic Sans MS" panose="030F0902030302020204" pitchFamily="66" charset="0"/>
+            </a:endParaRPr>
+          </a:p>
+          <a:p>
+            <a:r>
+              <a:rPr lang="en-US" sz="1400" dirty="0">
+                <a:solidFill>
+                  <a:schemeClr val="bg1"/>
+                </a:solidFill>
+                <a:latin typeface="Comic Sans MS" panose="030F0902030302020204" pitchFamily="66" charset="0"/>
+              </a:rPr>
+              <a:t>Description</a:t>
+            </a:r>
+          </a:p>
+          <a:p>
+            <a:endParaRPr lang="en-US" sz="1400" dirty="0">
+              <a:solidFill>
+                <a:schemeClr val="bg1"/>
+              </a:solidFill>
+              <a:latin typeface="Comic Sans MS" panose="030F0902030302020204" pitchFamily="66" charset="0"/>
+            </a:endParaRPr>
+          </a:p>
+          <a:p>
+            <a:endParaRPr lang="en-US" sz="1400" dirty="0">
+              <a:solidFill>
+                <a:schemeClr val="bg1"/>
+              </a:solidFill>
+              <a:latin typeface="Comic Sans MS" panose="030F0902030302020204" pitchFamily="66" charset="0"/>
+            </a:endParaRPr>
+          </a:p>
+          <a:p>
+            <a:endParaRPr lang="en-US" sz="1400" dirty="0">
+              <a:solidFill>
+                <a:schemeClr val="bg1"/>
+              </a:solidFill>
+              <a:latin typeface="Comic Sans MS" panose="030F0902030302020204" pitchFamily="66" charset="0"/>
+            </a:endParaRPr>
+          </a:p>
+          <a:p>
+            <a:endParaRPr lang="en-US" sz="1400" dirty="0">
+              <a:solidFill>
+                <a:schemeClr val="bg1"/>
+              </a:solidFill>
+              <a:latin typeface="Comic Sans MS" panose="030F0902030302020204" pitchFamily="66" charset="0"/>
+            </a:endParaRPr>
+          </a:p>
+          <a:p>
+            <a:endParaRPr lang="en-US" sz="1400" u="sng" dirty="0">
+              <a:solidFill>
+                <a:srgbClr val="0432FF"/>
+              </a:solidFill>
+              <a:latin typeface="Comic Sans MS" panose="030F0902030302020204" pitchFamily="66" charset="0"/>
+            </a:endParaRPr>
+          </a:p>
+          <a:p>
+            <a:endParaRPr lang="en-US" sz="1400" u="sng" dirty="0">
+              <a:solidFill>
+                <a:srgbClr val="0432FF"/>
+              </a:solidFill>
+              <a:latin typeface="Comic Sans MS" panose="030F0902030302020204" pitchFamily="66" charset="0"/>
+            </a:endParaRPr>
+          </a:p>
+          <a:p>
+            <a:r>
+              <a:rPr lang="en-US" sz="1400" u="sng" dirty="0">
+                <a:solidFill>
+                  <a:srgbClr val="0432FF"/>
+                </a:solidFill>
+                <a:latin typeface="Comic Sans MS" panose="030F0902030302020204" pitchFamily="66" charset="0"/>
+              </a:rPr>
+              <a:t>Back</a:t>
+            </a:r>
+          </a:p>
+        </p:txBody>
+      </p:sp>
+      <p:sp>
+        <p:nvSpPr>
+          <p:cNvPr id="4" name="TextBox 3">
+            <a:extLst>
+              <a:ext uri="{FF2B5EF4-FFF2-40B4-BE49-F238E27FC236}">
+                <a16:creationId xmlns:a16="http://schemas.microsoft.com/office/drawing/2014/main" id="{32820AB9-7CA6-8F41-A812-9F4C46331562}"/>
+              </a:ext>
+            </a:extLst>
+          </p:cNvPr>
+          <p:cNvSpPr txBox="1"/>
+          <p:nvPr/>
+        </p:nvSpPr>
+        <p:spPr>
+          <a:xfrm>
+            <a:off x="2006065" y="2123495"/>
+            <a:ext cx="3610099" cy="307777"/>
+          </a:xfrm>
+          <a:prstGeom prst="rect">
+            <a:avLst/>
+          </a:prstGeom>
+          <a:noFill/>
+          <a:ln>
+            <a:solidFill>
+              <a:schemeClr val="bg1"/>
+            </a:solidFill>
+          </a:ln>
+        </p:spPr>
+        <p:txBody>
+          <a:bodyPr wrap="square" rtlCol="0">
+            <a:spAutoFit/>
+          </a:bodyPr>
+          <a:lstStyle/>
+          <a:p>
+            <a:pPr algn="l"/>
+            <a:r>
+              <a:rPr lang="en-US" sz="1400" dirty="0">
+                <a:solidFill>
+                  <a:schemeClr val="bg1"/>
+                </a:solidFill>
+                <a:latin typeface="Comic Sans MS" panose="030F0902030302020204" pitchFamily="66" charset="0"/>
+              </a:rPr>
+              <a:t>Please select</a:t>
+            </a:r>
+          </a:p>
+        </p:txBody>
+      </p:sp>
+      <p:sp>
+        <p:nvSpPr>
+          <p:cNvPr id="11" name="TextBox 10">
+            <a:extLst>
+              <a:ext uri="{FF2B5EF4-FFF2-40B4-BE49-F238E27FC236}">
+                <a16:creationId xmlns:a16="http://schemas.microsoft.com/office/drawing/2014/main" id="{5880DF0C-DDBC-A243-8BC6-846ACCD4FA07}"/>
+              </a:ext>
+            </a:extLst>
+          </p:cNvPr>
+          <p:cNvSpPr txBox="1"/>
+          <p:nvPr/>
+        </p:nvSpPr>
+        <p:spPr>
+          <a:xfrm>
+            <a:off x="2006065" y="3044002"/>
+            <a:ext cx="3610099" cy="307777"/>
+          </a:xfrm>
+          <a:prstGeom prst="rect">
+            <a:avLst/>
+          </a:prstGeom>
+          <a:noFill/>
+          <a:ln>
+            <a:solidFill>
+              <a:schemeClr val="bg1"/>
+            </a:solidFill>
+          </a:ln>
+        </p:spPr>
+        <p:txBody>
+          <a:bodyPr wrap="square" rtlCol="0">
+            <a:spAutoFit/>
+          </a:bodyPr>
+          <a:lstStyle/>
+          <a:p>
+            <a:pPr algn="l"/>
+            <a:endParaRPr lang="en-US" sz="1400" dirty="0">
+              <a:solidFill>
+                <a:schemeClr val="bg1"/>
+              </a:solidFill>
+              <a:latin typeface="Comic Sans MS" panose="030F0902030302020204" pitchFamily="66" charset="0"/>
+            </a:endParaRPr>
+          </a:p>
+        </p:txBody>
+      </p:sp>
+      <p:sp>
+        <p:nvSpPr>
+          <p:cNvPr id="5" name="Rounded Rectangle 4">
+            <a:extLst>
+              <a:ext uri="{FF2B5EF4-FFF2-40B4-BE49-F238E27FC236}">
+                <a16:creationId xmlns:a16="http://schemas.microsoft.com/office/drawing/2014/main" id="{1376ECFE-A6F2-6C42-A904-0E15AFF7920D}"/>
+              </a:ext>
+            </a:extLst>
+          </p:cNvPr>
+          <p:cNvSpPr/>
+          <p:nvPr/>
+        </p:nvSpPr>
+        <p:spPr>
+          <a:xfrm>
+            <a:off x="1954471" y="3696939"/>
+            <a:ext cx="1771663" cy="327860"/>
+          </a:xfrm>
+          <a:prstGeom prst="roundRect">
+            <a:avLst/>
+          </a:prstGeom>
+          <a:solidFill>
+            <a:srgbClr val="0432FF"/>
+          </a:solidFill>
+          <a:ln>
+            <a:solidFill>
+              <a:schemeClr val="bg1"/>
+            </a:solidFill>
+          </a:ln>
+        </p:spPr>
+        <p:style>
+          <a:lnRef idx="2">
+            <a:schemeClr val="accent1">
+              <a:shade val="50000"/>
+            </a:schemeClr>
+          </a:lnRef>
+          <a:fillRef idx="1">
+            <a:schemeClr val="accent1"/>
+          </a:fillRef>
+          <a:effectRef idx="0">
+            <a:schemeClr val="accent1"/>
+          </a:effectRef>
+          <a:fontRef idx="minor">
+            <a:schemeClr val="lt1"/>
+          </a:fontRef>
+        </p:style>
+        <p:txBody>
+          <a:bodyPr rtlCol="0" anchor="ctr"/>
+          <a:lstStyle/>
+          <a:p>
+            <a:pPr algn="r"/>
+            <a:r>
+              <a:rPr lang="en-US" sz="1400" dirty="0">
+                <a:solidFill>
+                  <a:schemeClr val="tx1"/>
+                </a:solidFill>
+                <a:latin typeface="Comic Sans MS" panose="030F0902030302020204" pitchFamily="66" charset="0"/>
+              </a:rPr>
+              <a:t>Post Item Review</a:t>
+            </a:r>
+          </a:p>
+        </p:txBody>
+      </p:sp>
+      <p:sp>
+        <p:nvSpPr>
+          <p:cNvPr id="3" name="Triangle 2">
+            <a:extLst>
+              <a:ext uri="{FF2B5EF4-FFF2-40B4-BE49-F238E27FC236}">
+                <a16:creationId xmlns:a16="http://schemas.microsoft.com/office/drawing/2014/main" id="{5F9400FE-0C26-6A4E-ACDE-0A649B57EB8F}"/>
+              </a:ext>
+            </a:extLst>
+          </p:cNvPr>
+          <p:cNvSpPr/>
+          <p:nvPr/>
+        </p:nvSpPr>
+        <p:spPr>
+          <a:xfrm rot="10800000">
+            <a:off x="5274404" y="2221536"/>
+            <a:ext cx="238500" cy="175033"/>
+          </a:xfrm>
+          <a:prstGeom prst="triangle">
+            <a:avLst/>
+          </a:prstGeom>
+          <a:solidFill>
+            <a:schemeClr val="tx2"/>
+          </a:solidFill>
+        </p:spPr>
+        <p:style>
+          <a:lnRef idx="2">
+            <a:schemeClr val="accent1">
+              <a:shade val="50000"/>
+            </a:schemeClr>
+          </a:lnRef>
+          <a:fillRef idx="1">
+            <a:schemeClr val="accent1"/>
+          </a:fillRef>
+          <a:effectRef idx="0">
+            <a:schemeClr val="accent1"/>
+          </a:effectRef>
+          <a:fontRef idx="minor">
+            <a:schemeClr val="lt1"/>
+          </a:fontRef>
+        </p:style>
+        <p:txBody>
+          <a:bodyPr rtlCol="0" anchor="ctr"/>
+          <a:lstStyle/>
+          <a:p>
+            <a:pPr algn="ctr"/>
+            <a:endParaRPr lang="en-US" dirty="0"/>
+          </a:p>
+        </p:txBody>
+      </p:sp>
+      <p:cxnSp>
+        <p:nvCxnSpPr>
+          <p:cNvPr id="32" name="Straight Arrow Connector 31">
+            <a:extLst>
+              <a:ext uri="{FF2B5EF4-FFF2-40B4-BE49-F238E27FC236}">
+                <a16:creationId xmlns:a16="http://schemas.microsoft.com/office/drawing/2014/main" id="{384FBB7B-8473-E04A-89B1-1D0EF7D0B7A8}"/>
+              </a:ext>
+            </a:extLst>
+          </p:cNvPr>
+          <p:cNvCxnSpPr>
+            <a:cxnSpLocks/>
+            <a:stCxn id="9" idx="1"/>
+          </p:cNvCxnSpPr>
+          <p:nvPr/>
+        </p:nvCxnSpPr>
+        <p:spPr>
+          <a:xfrm flipH="1">
+            <a:off x="5708827" y="2008313"/>
+            <a:ext cx="1457738" cy="256440"/>
+          </a:xfrm>
+          <a:prstGeom prst="straightConnector1">
+            <a:avLst/>
+          </a:prstGeom>
+          <a:ln w="47625">
+            <a:tailEnd type="triangle"/>
+          </a:ln>
+        </p:spPr>
+        <p:style>
+          <a:lnRef idx="1">
+            <a:schemeClr val="accent1"/>
+          </a:lnRef>
+          <a:fillRef idx="0">
+            <a:schemeClr val="accent1"/>
+          </a:fillRef>
+          <a:effectRef idx="0">
+            <a:schemeClr val="accent1"/>
+          </a:effectRef>
+          <a:fontRef idx="minor">
+            <a:schemeClr val="tx1"/>
+          </a:fontRef>
+        </p:style>
+      </p:cxnSp>
+      <p:sp>
+        <p:nvSpPr>
+          <p:cNvPr id="26" name="Rectangle 25">
+            <a:extLst>
+              <a:ext uri="{FF2B5EF4-FFF2-40B4-BE49-F238E27FC236}">
+                <a16:creationId xmlns:a16="http://schemas.microsoft.com/office/drawing/2014/main" id="{816F7272-CDBA-8C4B-8FE7-15C1FF6845BF}"/>
+              </a:ext>
+            </a:extLst>
+          </p:cNvPr>
+          <p:cNvSpPr/>
+          <p:nvPr/>
+        </p:nvSpPr>
+        <p:spPr>
+          <a:xfrm>
+            <a:off x="1188497" y="869150"/>
+            <a:ext cx="9832769" cy="344384"/>
+          </a:xfrm>
+          <a:prstGeom prst="rect">
+            <a:avLst/>
+          </a:prstGeom>
+          <a:solidFill>
+            <a:schemeClr val="tx1"/>
+          </a:solidFill>
+          <a:ln>
+            <a:noFill/>
+          </a:ln>
+        </p:spPr>
+        <p:style>
+          <a:lnRef idx="2">
+            <a:schemeClr val="accent1">
+              <a:shade val="50000"/>
+            </a:schemeClr>
+          </a:lnRef>
+          <a:fillRef idx="1">
+            <a:schemeClr val="accent1"/>
+          </a:fillRef>
+          <a:effectRef idx="0">
+            <a:schemeClr val="accent1"/>
+          </a:effectRef>
+          <a:fontRef idx="minor">
+            <a:schemeClr val="lt1"/>
+          </a:fontRef>
+        </p:style>
+        <p:txBody>
+          <a:bodyPr rtlCol="0" anchor="ctr"/>
+          <a:lstStyle/>
+          <a:p>
+            <a:r>
+              <a:rPr lang="en-US" sz="1400" dirty="0">
+                <a:solidFill>
+                  <a:schemeClr val="accent1">
+                    <a:lumMod val="50000"/>
+                  </a:schemeClr>
+                </a:solidFill>
+                <a:latin typeface="Comic Sans MS" panose="030F0902030302020204" pitchFamily="66" charset="0"/>
+              </a:rPr>
+              <a:t> </a:t>
+            </a:r>
+            <a:r>
+              <a:rPr lang="en-US" sz="2400" b="1" dirty="0" err="1">
+                <a:solidFill>
+                  <a:schemeClr val="accent1">
+                    <a:lumMod val="50000"/>
+                  </a:schemeClr>
+                </a:solidFill>
+                <a:latin typeface="Comic Sans MS" panose="030F0902030302020204" pitchFamily="66" charset="0"/>
+              </a:rPr>
+              <a:t>SellBack</a:t>
+            </a:r>
+            <a:r>
+              <a:rPr lang="en-US" sz="2400" b="1" dirty="0" err="1">
+                <a:solidFill>
+                  <a:schemeClr val="accent1">
+                    <a:lumMod val="60000"/>
+                    <a:lumOff val="40000"/>
+                  </a:schemeClr>
+                </a:solidFill>
+                <a:latin typeface="Comic Sans MS" panose="030F0902030302020204" pitchFamily="66" charset="0"/>
+              </a:rPr>
+              <a:t>Mart</a:t>
+            </a:r>
+            <a:endParaRPr lang="en-US" sz="1400" b="1" dirty="0">
+              <a:solidFill>
+                <a:schemeClr val="accent1">
+                  <a:lumMod val="60000"/>
+                  <a:lumOff val="40000"/>
+                </a:schemeClr>
+              </a:solidFill>
+              <a:latin typeface="Comic Sans MS" panose="030F0902030302020204" pitchFamily="66" charset="0"/>
+            </a:endParaRPr>
+          </a:p>
+        </p:txBody>
+      </p:sp>
+      <p:sp>
+        <p:nvSpPr>
+          <p:cNvPr id="27" name="Rectangle 26">
+            <a:extLst>
+              <a:ext uri="{FF2B5EF4-FFF2-40B4-BE49-F238E27FC236}">
+                <a16:creationId xmlns:a16="http://schemas.microsoft.com/office/drawing/2014/main" id="{97DCF38F-321F-6B4E-97DD-0ED3FE4EAE82}"/>
+              </a:ext>
+            </a:extLst>
+          </p:cNvPr>
+          <p:cNvSpPr/>
+          <p:nvPr/>
+        </p:nvSpPr>
+        <p:spPr>
+          <a:xfrm>
+            <a:off x="6911440" y="865442"/>
+            <a:ext cx="4044384" cy="344384"/>
+          </a:xfrm>
+          <a:prstGeom prst="rect">
+            <a:avLst/>
+          </a:prstGeom>
+          <a:solidFill>
+            <a:schemeClr val="tx1"/>
+          </a:solidFill>
+          <a:ln>
+            <a:noFill/>
+          </a:ln>
+        </p:spPr>
+        <p:style>
+          <a:lnRef idx="2">
+            <a:schemeClr val="accent1">
+              <a:shade val="50000"/>
+            </a:schemeClr>
+          </a:lnRef>
+          <a:fillRef idx="1">
+            <a:schemeClr val="accent1"/>
+          </a:fillRef>
+          <a:effectRef idx="0">
+            <a:schemeClr val="accent1"/>
+          </a:effectRef>
+          <a:fontRef idx="minor">
+            <a:schemeClr val="lt1"/>
+          </a:fontRef>
+        </p:style>
+        <p:txBody>
+          <a:bodyPr rtlCol="0" anchor="ctr"/>
+          <a:lstStyle/>
+          <a:p>
+            <a:pPr algn="r"/>
+            <a:r>
+              <a:rPr lang="en-US" sz="1400" dirty="0">
+                <a:solidFill>
+                  <a:schemeClr val="bg2">
+                    <a:lumMod val="50000"/>
+                  </a:schemeClr>
+                </a:solidFill>
+                <a:latin typeface="Comic Sans MS" panose="030F0902030302020204" pitchFamily="66" charset="0"/>
+              </a:rPr>
+              <a:t>Catalog     Users Profile    Username</a:t>
+            </a:r>
+          </a:p>
+        </p:txBody>
+      </p:sp>
+      <p:sp>
+        <p:nvSpPr>
+          <p:cNvPr id="9" name="TextBox 8">
+            <a:extLst>
+              <a:ext uri="{FF2B5EF4-FFF2-40B4-BE49-F238E27FC236}">
+                <a16:creationId xmlns:a16="http://schemas.microsoft.com/office/drawing/2014/main" id="{4F90826C-A988-7D45-8170-D9E60CF229BB}"/>
+              </a:ext>
+            </a:extLst>
+          </p:cNvPr>
+          <p:cNvSpPr txBox="1"/>
+          <p:nvPr/>
+        </p:nvSpPr>
+        <p:spPr>
+          <a:xfrm>
+            <a:off x="7166565" y="1715925"/>
+            <a:ext cx="1585549" cy="584775"/>
+          </a:xfrm>
+          <a:prstGeom prst="rect">
+            <a:avLst/>
+          </a:prstGeom>
+          <a:solidFill>
+            <a:schemeClr val="accent4">
+              <a:lumMod val="40000"/>
+              <a:lumOff val="60000"/>
+            </a:schemeClr>
+          </a:solidFill>
+          <a:ln>
+            <a:solidFill>
+              <a:schemeClr val="bg1"/>
+            </a:solidFill>
+          </a:ln>
+        </p:spPr>
+        <p:txBody>
+          <a:bodyPr wrap="square" rtlCol="0">
+            <a:spAutoFit/>
+          </a:bodyPr>
+          <a:lstStyle/>
+          <a:p>
+            <a:pPr algn="l"/>
+            <a:r>
+              <a:rPr lang="en-US" sz="1600" dirty="0">
+                <a:solidFill>
+                  <a:schemeClr val="bg1"/>
+                </a:solidFill>
+                <a:latin typeface="Comic Sans MS" panose="030F0902030302020204" pitchFamily="66" charset="0"/>
+              </a:rPr>
+              <a:t>Contains items of the seller</a:t>
+            </a:r>
+          </a:p>
+        </p:txBody>
+      </p:sp>
+      <p:sp>
+        <p:nvSpPr>
+          <p:cNvPr id="14" name="Rectangle 13">
+            <a:extLst>
+              <a:ext uri="{FF2B5EF4-FFF2-40B4-BE49-F238E27FC236}">
+                <a16:creationId xmlns:a16="http://schemas.microsoft.com/office/drawing/2014/main" id="{735E1A07-6B21-5E4C-8008-EDF7351C37DD}"/>
+              </a:ext>
+            </a:extLst>
+          </p:cNvPr>
+          <p:cNvSpPr/>
+          <p:nvPr/>
+        </p:nvSpPr>
+        <p:spPr>
+          <a:xfrm>
+            <a:off x="6625652" y="850452"/>
+            <a:ext cx="4330172" cy="344384"/>
+          </a:xfrm>
+          <a:prstGeom prst="rect">
+            <a:avLst/>
+          </a:prstGeom>
+          <a:solidFill>
+            <a:schemeClr val="tx1"/>
+          </a:solidFill>
+          <a:ln>
+            <a:noFill/>
+          </a:ln>
+        </p:spPr>
+        <p:style>
+          <a:lnRef idx="2">
+            <a:schemeClr val="accent1">
+              <a:shade val="50000"/>
+            </a:schemeClr>
+          </a:lnRef>
+          <a:fillRef idx="1">
+            <a:schemeClr val="accent1"/>
+          </a:fillRef>
+          <a:effectRef idx="0">
+            <a:schemeClr val="accent1"/>
+          </a:effectRef>
+          <a:fontRef idx="minor">
+            <a:schemeClr val="lt1"/>
+          </a:fontRef>
+        </p:style>
+        <p:txBody>
+          <a:bodyPr rtlCol="0" anchor="ctr"/>
+          <a:lstStyle/>
+          <a:p>
+            <a:pPr algn="r"/>
+            <a:r>
+              <a:rPr lang="en-US" sz="1400" dirty="0">
+                <a:solidFill>
+                  <a:schemeClr val="bg2">
+                    <a:lumMod val="50000"/>
+                  </a:schemeClr>
+                </a:solidFill>
+                <a:latin typeface="Comic Sans MS" panose="030F0902030302020204" pitchFamily="66" charset="0"/>
+              </a:rPr>
+              <a:t>Catalog     Messages   Users Profile    Username</a:t>
+            </a:r>
+          </a:p>
+        </p:txBody>
+      </p:sp>
+    </p:spTree>
+    <p:extLst>
+      <p:ext uri="{BB962C8B-B14F-4D97-AF65-F5344CB8AC3E}">
+        <p14:creationId xmlns:p14="http://schemas.microsoft.com/office/powerpoint/2010/main" val="4084309400"/>
+      </p:ext>
+    </p:extLst>
+  </p:cSld>
+  <p:clrMapOvr>
+    <a:masterClrMapping/>
+  </p:clrMapOvr>
+</p:sld>
+</file>
+
+<file path=ppt/slides/slide23.xml><?xml version="1.0" encoding="utf-8"?>
+<p:sld xmlns:a="http://schemas.openxmlformats.org/drawingml/2006/main" xmlns:r="http://schemas.openxmlformats.org/officeDocument/2006/relationships" xmlns:p="http://schemas.openxmlformats.org/presentationml/2006/main">
+  <p:cSld>
+    <p:spTree>
+      <p:nvGrpSpPr>
+        <p:cNvPr id="1" name=""/>
+        <p:cNvGrpSpPr/>
+        <p:nvPr/>
+      </p:nvGrpSpPr>
+      <p:grpSpPr>
+        <a:xfrm>
+          <a:off x="0" y="0"/>
+          <a:ext cx="0" cy="0"/>
+          <a:chOff x="0" y="0"/>
+          <a:chExt cx="0" cy="0"/>
+        </a:xfrm>
+      </p:grpSpPr>
+      <p:sp>
+        <p:nvSpPr>
+          <p:cNvPr id="2" name="TextBox 1">
+            <a:extLst>
+              <a:ext uri="{FF2B5EF4-FFF2-40B4-BE49-F238E27FC236}">
+                <a16:creationId xmlns:a16="http://schemas.microsoft.com/office/drawing/2014/main" id="{221DED5B-F56B-0F43-A308-4F2DD034B5B7}"/>
+              </a:ext>
+            </a:extLst>
+          </p:cNvPr>
+          <p:cNvSpPr txBox="1"/>
+          <p:nvPr/>
+        </p:nvSpPr>
+        <p:spPr>
+          <a:xfrm>
+            <a:off x="1923798" y="1266033"/>
+            <a:ext cx="1337226" cy="338554"/>
+          </a:xfrm>
+          <a:prstGeom prst="rect">
+            <a:avLst/>
+          </a:prstGeom>
+          <a:noFill/>
+        </p:spPr>
+        <p:txBody>
+          <a:bodyPr wrap="none" rtlCol="0">
+            <a:spAutoFit/>
+          </a:bodyPr>
+          <a:lstStyle/>
+          <a:p>
+            <a:r>
+              <a:rPr lang="en-US" sz="1600" b="1" dirty="0">
+                <a:solidFill>
+                  <a:schemeClr val="bg1"/>
+                </a:solidFill>
+                <a:latin typeface="Comic Sans MS" panose="030F0902030302020204" pitchFamily="66" charset="0"/>
+              </a:rPr>
+              <a:t>Edit Review</a:t>
+            </a:r>
+          </a:p>
+        </p:txBody>
+      </p:sp>
+      <p:sp>
+        <p:nvSpPr>
+          <p:cNvPr id="7" name="TextBox 6">
+            <a:extLst>
+              <a:ext uri="{FF2B5EF4-FFF2-40B4-BE49-F238E27FC236}">
+                <a16:creationId xmlns:a16="http://schemas.microsoft.com/office/drawing/2014/main" id="{F3573DF9-457D-7948-8B22-DB5337292FA7}"/>
+              </a:ext>
+            </a:extLst>
+          </p:cNvPr>
+          <p:cNvSpPr txBox="1"/>
+          <p:nvPr/>
+        </p:nvSpPr>
+        <p:spPr>
+          <a:xfrm>
+            <a:off x="1784068" y="292529"/>
+            <a:ext cx="1938351" cy="276999"/>
+          </a:xfrm>
+          <a:prstGeom prst="rect">
+            <a:avLst/>
+          </a:prstGeom>
+          <a:noFill/>
+        </p:spPr>
+        <p:txBody>
+          <a:bodyPr wrap="none" rtlCol="0">
+            <a:spAutoFit/>
+          </a:bodyPr>
+          <a:lstStyle/>
+          <a:p>
+            <a:r>
+              <a:rPr lang="en-US" sz="1200" dirty="0" err="1">
+                <a:solidFill>
+                  <a:schemeClr val="bg1"/>
+                </a:solidFill>
+                <a:latin typeface="Comic Sans MS" panose="030F0902030302020204" pitchFamily="66" charset="0"/>
+              </a:rPr>
+              <a:t>SellbackMart</a:t>
+            </a:r>
+            <a:r>
+              <a:rPr lang="en-US" sz="1200" dirty="0">
+                <a:solidFill>
+                  <a:schemeClr val="bg1"/>
+                </a:solidFill>
+                <a:latin typeface="Comic Sans MS" panose="030F0902030302020204" pitchFamily="66" charset="0"/>
+              </a:rPr>
+              <a:t>-New Item</a:t>
+            </a:r>
+          </a:p>
+        </p:txBody>
+      </p:sp>
+      <p:sp>
+        <p:nvSpPr>
+          <p:cNvPr id="8" name="TextBox 7">
+            <a:extLst>
+              <a:ext uri="{FF2B5EF4-FFF2-40B4-BE49-F238E27FC236}">
+                <a16:creationId xmlns:a16="http://schemas.microsoft.com/office/drawing/2014/main" id="{49DF0299-C639-944C-9F0E-91BE71AC7E52}"/>
+              </a:ext>
+            </a:extLst>
+          </p:cNvPr>
+          <p:cNvSpPr txBox="1"/>
+          <p:nvPr/>
+        </p:nvSpPr>
+        <p:spPr>
+          <a:xfrm>
+            <a:off x="2233351" y="581403"/>
+            <a:ext cx="4007828" cy="276999"/>
+          </a:xfrm>
+          <a:prstGeom prst="rect">
+            <a:avLst/>
+          </a:prstGeom>
+          <a:noFill/>
+        </p:spPr>
+        <p:txBody>
+          <a:bodyPr wrap="none" rtlCol="0">
+            <a:spAutoFit/>
+          </a:bodyPr>
+          <a:lstStyle/>
+          <a:p>
+            <a:r>
+              <a:rPr lang="en-US" sz="1200" dirty="0">
+                <a:solidFill>
+                  <a:schemeClr val="bg1"/>
+                </a:solidFill>
+                <a:latin typeface="Comic Sans MS" panose="030F0902030302020204" pitchFamily="66" charset="0"/>
+              </a:rPr>
+              <a:t>http://localhost:3000/reviews/</a:t>
+            </a:r>
+            <a:r>
+              <a:rPr lang="en-US" sz="1200" dirty="0" err="1">
+                <a:solidFill>
+                  <a:schemeClr val="bg1"/>
+                </a:solidFill>
+                <a:latin typeface="Comic Sans MS" panose="030F0902030302020204" pitchFamily="66" charset="0"/>
+              </a:rPr>
+              <a:t>view_reviews</a:t>
+            </a:r>
+            <a:r>
+              <a:rPr lang="en-US" sz="1200" dirty="0">
+                <a:solidFill>
+                  <a:schemeClr val="bg1"/>
+                </a:solidFill>
+                <a:latin typeface="Comic Sans MS" panose="030F0902030302020204" pitchFamily="66" charset="0"/>
+              </a:rPr>
+              <a:t>_#/edit</a:t>
+            </a:r>
+          </a:p>
+        </p:txBody>
+      </p:sp>
+      <p:sp>
+        <p:nvSpPr>
+          <p:cNvPr id="10" name="TextBox 9">
+            <a:extLst>
+              <a:ext uri="{FF2B5EF4-FFF2-40B4-BE49-F238E27FC236}">
+                <a16:creationId xmlns:a16="http://schemas.microsoft.com/office/drawing/2014/main" id="{C8E10E37-1019-8D4C-BA6F-9A6E9CF0D317}"/>
+              </a:ext>
+            </a:extLst>
+          </p:cNvPr>
+          <p:cNvSpPr txBox="1"/>
+          <p:nvPr/>
+        </p:nvSpPr>
+        <p:spPr>
+          <a:xfrm>
+            <a:off x="1913403" y="1826264"/>
+            <a:ext cx="1149674" cy="1815882"/>
+          </a:xfrm>
+          <a:prstGeom prst="rect">
+            <a:avLst/>
+          </a:prstGeom>
+          <a:noFill/>
+        </p:spPr>
+        <p:txBody>
+          <a:bodyPr wrap="none" rtlCol="0">
+            <a:spAutoFit/>
+          </a:bodyPr>
+          <a:lstStyle/>
+          <a:p>
+            <a:r>
+              <a:rPr lang="en-US" sz="1400" dirty="0">
+                <a:solidFill>
+                  <a:schemeClr val="bg1"/>
+                </a:solidFill>
+                <a:latin typeface="Comic Sans MS" panose="030F0902030302020204" pitchFamily="66" charset="0"/>
+              </a:rPr>
+              <a:t>Description</a:t>
+            </a:r>
+          </a:p>
+          <a:p>
+            <a:endParaRPr lang="en-US" sz="1400" dirty="0">
+              <a:solidFill>
+                <a:schemeClr val="bg1"/>
+              </a:solidFill>
+              <a:latin typeface="Comic Sans MS" panose="030F0902030302020204" pitchFamily="66" charset="0"/>
+            </a:endParaRPr>
+          </a:p>
+          <a:p>
+            <a:endParaRPr lang="en-US" sz="1400" dirty="0">
+              <a:solidFill>
+                <a:schemeClr val="bg1"/>
+              </a:solidFill>
+              <a:latin typeface="Comic Sans MS" panose="030F0902030302020204" pitchFamily="66" charset="0"/>
+            </a:endParaRPr>
+          </a:p>
+          <a:p>
+            <a:endParaRPr lang="en-US" sz="1400" dirty="0">
+              <a:solidFill>
+                <a:schemeClr val="bg1"/>
+              </a:solidFill>
+              <a:latin typeface="Comic Sans MS" panose="030F0902030302020204" pitchFamily="66" charset="0"/>
+            </a:endParaRPr>
+          </a:p>
+          <a:p>
+            <a:endParaRPr lang="en-US" sz="1400" dirty="0">
+              <a:solidFill>
+                <a:schemeClr val="bg1"/>
+              </a:solidFill>
+              <a:latin typeface="Comic Sans MS" panose="030F0902030302020204" pitchFamily="66" charset="0"/>
+            </a:endParaRPr>
+          </a:p>
+          <a:p>
+            <a:endParaRPr lang="en-US" sz="1400" u="sng" dirty="0">
+              <a:solidFill>
+                <a:srgbClr val="0432FF"/>
+              </a:solidFill>
+              <a:latin typeface="Comic Sans MS" panose="030F0902030302020204" pitchFamily="66" charset="0"/>
+            </a:endParaRPr>
+          </a:p>
+          <a:p>
+            <a:endParaRPr lang="en-US" sz="1400" u="sng" dirty="0">
+              <a:solidFill>
+                <a:srgbClr val="0432FF"/>
+              </a:solidFill>
+              <a:latin typeface="Comic Sans MS" panose="030F0902030302020204" pitchFamily="66" charset="0"/>
+            </a:endParaRPr>
+          </a:p>
+          <a:p>
+            <a:r>
+              <a:rPr lang="en-US" sz="1400" u="sng" dirty="0">
+                <a:solidFill>
+                  <a:srgbClr val="0432FF"/>
+                </a:solidFill>
+                <a:latin typeface="Comic Sans MS" panose="030F0902030302020204" pitchFamily="66" charset="0"/>
+              </a:rPr>
+              <a:t>Back</a:t>
+            </a:r>
+          </a:p>
+        </p:txBody>
+      </p:sp>
+      <p:sp>
+        <p:nvSpPr>
+          <p:cNvPr id="11" name="TextBox 10">
+            <a:extLst>
+              <a:ext uri="{FF2B5EF4-FFF2-40B4-BE49-F238E27FC236}">
+                <a16:creationId xmlns:a16="http://schemas.microsoft.com/office/drawing/2014/main" id="{5880DF0C-DDBC-A243-8BC6-846ACCD4FA07}"/>
+              </a:ext>
+            </a:extLst>
+          </p:cNvPr>
+          <p:cNvSpPr txBox="1"/>
+          <p:nvPr/>
+        </p:nvSpPr>
+        <p:spPr>
+          <a:xfrm>
+            <a:off x="1954471" y="2197485"/>
+            <a:ext cx="3610099" cy="307777"/>
+          </a:xfrm>
+          <a:prstGeom prst="rect">
+            <a:avLst/>
+          </a:prstGeom>
+          <a:noFill/>
+          <a:ln>
+            <a:solidFill>
+              <a:schemeClr val="bg1"/>
+            </a:solidFill>
+          </a:ln>
+        </p:spPr>
+        <p:txBody>
+          <a:bodyPr wrap="square" rtlCol="0">
+            <a:spAutoFit/>
+          </a:bodyPr>
+          <a:lstStyle/>
+          <a:p>
+            <a:pPr algn="l"/>
+            <a:endParaRPr lang="en-US" sz="1400" dirty="0">
+              <a:solidFill>
+                <a:schemeClr val="bg1"/>
+              </a:solidFill>
+              <a:latin typeface="Comic Sans MS" panose="030F0902030302020204" pitchFamily="66" charset="0"/>
+            </a:endParaRPr>
+          </a:p>
+        </p:txBody>
+      </p:sp>
+      <p:sp>
+        <p:nvSpPr>
+          <p:cNvPr id="5" name="Rounded Rectangle 4">
+            <a:extLst>
+              <a:ext uri="{FF2B5EF4-FFF2-40B4-BE49-F238E27FC236}">
+                <a16:creationId xmlns:a16="http://schemas.microsoft.com/office/drawing/2014/main" id="{1376ECFE-A6F2-6C42-A904-0E15AFF7920D}"/>
+              </a:ext>
+            </a:extLst>
+          </p:cNvPr>
+          <p:cNvSpPr/>
+          <p:nvPr/>
+        </p:nvSpPr>
+        <p:spPr>
+          <a:xfrm>
+            <a:off x="1954471" y="2726939"/>
+            <a:ext cx="1771663" cy="327860"/>
+          </a:xfrm>
+          <a:prstGeom prst="roundRect">
+            <a:avLst/>
+          </a:prstGeom>
+          <a:solidFill>
+            <a:srgbClr val="0432FF"/>
+          </a:solidFill>
+          <a:ln>
+            <a:solidFill>
+              <a:schemeClr val="bg1"/>
+            </a:solidFill>
+          </a:ln>
+        </p:spPr>
+        <p:style>
+          <a:lnRef idx="2">
+            <a:schemeClr val="accent1">
+              <a:shade val="50000"/>
+            </a:schemeClr>
+          </a:lnRef>
+          <a:fillRef idx="1">
+            <a:schemeClr val="accent1"/>
+          </a:fillRef>
+          <a:effectRef idx="0">
+            <a:schemeClr val="accent1"/>
+          </a:effectRef>
+          <a:fontRef idx="minor">
+            <a:schemeClr val="lt1"/>
+          </a:fontRef>
+        </p:style>
+        <p:txBody>
+          <a:bodyPr rtlCol="0" anchor="ctr"/>
+          <a:lstStyle/>
+          <a:p>
+            <a:pPr algn="r"/>
+            <a:r>
+              <a:rPr lang="en-US" sz="1400" dirty="0">
+                <a:solidFill>
+                  <a:schemeClr val="tx1"/>
+                </a:solidFill>
+                <a:latin typeface="Comic Sans MS" panose="030F0902030302020204" pitchFamily="66" charset="0"/>
+              </a:rPr>
+              <a:t>Post Item Review</a:t>
+            </a:r>
+          </a:p>
+        </p:txBody>
+      </p:sp>
+      <p:sp>
+        <p:nvSpPr>
+          <p:cNvPr id="26" name="Rectangle 25">
+            <a:extLst>
+              <a:ext uri="{FF2B5EF4-FFF2-40B4-BE49-F238E27FC236}">
+                <a16:creationId xmlns:a16="http://schemas.microsoft.com/office/drawing/2014/main" id="{816F7272-CDBA-8C4B-8FE7-15C1FF6845BF}"/>
+              </a:ext>
+            </a:extLst>
+          </p:cNvPr>
+          <p:cNvSpPr/>
+          <p:nvPr/>
+        </p:nvSpPr>
+        <p:spPr>
+          <a:xfrm>
+            <a:off x="1188497" y="869150"/>
+            <a:ext cx="9832769" cy="344384"/>
+          </a:xfrm>
+          <a:prstGeom prst="rect">
+            <a:avLst/>
+          </a:prstGeom>
+          <a:solidFill>
+            <a:schemeClr val="tx1"/>
+          </a:solidFill>
+          <a:ln>
+            <a:noFill/>
+          </a:ln>
+        </p:spPr>
+        <p:style>
+          <a:lnRef idx="2">
+            <a:schemeClr val="accent1">
+              <a:shade val="50000"/>
+            </a:schemeClr>
+          </a:lnRef>
+          <a:fillRef idx="1">
+            <a:schemeClr val="accent1"/>
+          </a:fillRef>
+          <a:effectRef idx="0">
+            <a:schemeClr val="accent1"/>
+          </a:effectRef>
+          <a:fontRef idx="minor">
+            <a:schemeClr val="lt1"/>
+          </a:fontRef>
+        </p:style>
+        <p:txBody>
+          <a:bodyPr rtlCol="0" anchor="ctr"/>
+          <a:lstStyle/>
+          <a:p>
+            <a:r>
+              <a:rPr lang="en-US" sz="1400" dirty="0">
+                <a:solidFill>
+                  <a:schemeClr val="accent1">
+                    <a:lumMod val="50000"/>
+                  </a:schemeClr>
+                </a:solidFill>
+                <a:latin typeface="Comic Sans MS" panose="030F0902030302020204" pitchFamily="66" charset="0"/>
+              </a:rPr>
+              <a:t> </a:t>
+            </a:r>
+            <a:r>
+              <a:rPr lang="en-US" sz="2400" b="1" dirty="0" err="1">
+                <a:solidFill>
+                  <a:schemeClr val="accent1">
+                    <a:lumMod val="50000"/>
+                  </a:schemeClr>
+                </a:solidFill>
+                <a:latin typeface="Comic Sans MS" panose="030F0902030302020204" pitchFamily="66" charset="0"/>
+              </a:rPr>
+              <a:t>SellBack</a:t>
+            </a:r>
+            <a:r>
+              <a:rPr lang="en-US" sz="2400" b="1" dirty="0" err="1">
+                <a:solidFill>
+                  <a:schemeClr val="accent1">
+                    <a:lumMod val="60000"/>
+                    <a:lumOff val="40000"/>
+                  </a:schemeClr>
+                </a:solidFill>
+                <a:latin typeface="Comic Sans MS" panose="030F0902030302020204" pitchFamily="66" charset="0"/>
+              </a:rPr>
+              <a:t>Mart</a:t>
+            </a:r>
+            <a:endParaRPr lang="en-US" sz="1400" b="1" dirty="0">
+              <a:solidFill>
+                <a:schemeClr val="accent1">
+                  <a:lumMod val="60000"/>
+                  <a:lumOff val="40000"/>
+                </a:schemeClr>
+              </a:solidFill>
+              <a:latin typeface="Comic Sans MS" panose="030F0902030302020204" pitchFamily="66" charset="0"/>
+            </a:endParaRPr>
+          </a:p>
+        </p:txBody>
+      </p:sp>
+      <p:sp>
+        <p:nvSpPr>
+          <p:cNvPr id="27" name="Rectangle 26">
+            <a:extLst>
+              <a:ext uri="{FF2B5EF4-FFF2-40B4-BE49-F238E27FC236}">
+                <a16:creationId xmlns:a16="http://schemas.microsoft.com/office/drawing/2014/main" id="{97DCF38F-321F-6B4E-97DD-0ED3FE4EAE82}"/>
+              </a:ext>
+            </a:extLst>
+          </p:cNvPr>
+          <p:cNvSpPr/>
+          <p:nvPr/>
+        </p:nvSpPr>
+        <p:spPr>
+          <a:xfrm>
+            <a:off x="6911440" y="865442"/>
+            <a:ext cx="4044384" cy="344384"/>
+          </a:xfrm>
+          <a:prstGeom prst="rect">
+            <a:avLst/>
+          </a:prstGeom>
+          <a:solidFill>
+            <a:schemeClr val="tx1"/>
+          </a:solidFill>
+          <a:ln>
+            <a:noFill/>
+          </a:ln>
+        </p:spPr>
+        <p:style>
+          <a:lnRef idx="2">
+            <a:schemeClr val="accent1">
+              <a:shade val="50000"/>
+            </a:schemeClr>
+          </a:lnRef>
+          <a:fillRef idx="1">
+            <a:schemeClr val="accent1"/>
+          </a:fillRef>
+          <a:effectRef idx="0">
+            <a:schemeClr val="accent1"/>
+          </a:effectRef>
+          <a:fontRef idx="minor">
+            <a:schemeClr val="lt1"/>
+          </a:fontRef>
+        </p:style>
+        <p:txBody>
+          <a:bodyPr rtlCol="0" anchor="ctr"/>
+          <a:lstStyle/>
+          <a:p>
+            <a:pPr algn="r"/>
+            <a:r>
+              <a:rPr lang="en-US" sz="1400" dirty="0">
+                <a:solidFill>
+                  <a:schemeClr val="bg2">
+                    <a:lumMod val="50000"/>
+                  </a:schemeClr>
+                </a:solidFill>
+                <a:latin typeface="Comic Sans MS" panose="030F0902030302020204" pitchFamily="66" charset="0"/>
+              </a:rPr>
+              <a:t>Catalog     Users Profile    Username</a:t>
+            </a:r>
+          </a:p>
+        </p:txBody>
+      </p:sp>
+      <p:sp>
+        <p:nvSpPr>
+          <p:cNvPr id="12" name="Rectangle 11">
+            <a:extLst>
+              <a:ext uri="{FF2B5EF4-FFF2-40B4-BE49-F238E27FC236}">
+                <a16:creationId xmlns:a16="http://schemas.microsoft.com/office/drawing/2014/main" id="{B5F2FB83-42EF-794D-8844-14CA4905A5EE}"/>
+              </a:ext>
+            </a:extLst>
+          </p:cNvPr>
+          <p:cNvSpPr/>
+          <p:nvPr/>
+        </p:nvSpPr>
+        <p:spPr>
+          <a:xfrm>
+            <a:off x="6625652" y="895422"/>
+            <a:ext cx="4330172" cy="344384"/>
+          </a:xfrm>
+          <a:prstGeom prst="rect">
+            <a:avLst/>
+          </a:prstGeom>
+          <a:solidFill>
+            <a:schemeClr val="tx1"/>
+          </a:solidFill>
+          <a:ln>
+            <a:noFill/>
+          </a:ln>
+        </p:spPr>
+        <p:style>
+          <a:lnRef idx="2">
+            <a:schemeClr val="accent1">
+              <a:shade val="50000"/>
+            </a:schemeClr>
+          </a:lnRef>
+          <a:fillRef idx="1">
+            <a:schemeClr val="accent1"/>
+          </a:fillRef>
+          <a:effectRef idx="0">
+            <a:schemeClr val="accent1"/>
+          </a:effectRef>
+          <a:fontRef idx="minor">
+            <a:schemeClr val="lt1"/>
+          </a:fontRef>
+        </p:style>
+        <p:txBody>
+          <a:bodyPr rtlCol="0" anchor="ctr"/>
+          <a:lstStyle/>
+          <a:p>
+            <a:pPr algn="r"/>
+            <a:r>
+              <a:rPr lang="en-US" sz="1400" dirty="0">
+                <a:solidFill>
+                  <a:schemeClr val="bg2">
+                    <a:lumMod val="50000"/>
+                  </a:schemeClr>
+                </a:solidFill>
+                <a:latin typeface="Comic Sans MS" panose="030F0902030302020204" pitchFamily="66" charset="0"/>
+              </a:rPr>
+              <a:t>Catalog     Messages   Users Profile    Username</a:t>
+            </a:r>
+          </a:p>
+        </p:txBody>
+      </p:sp>
+    </p:spTree>
+    <p:extLst>
+      <p:ext uri="{BB962C8B-B14F-4D97-AF65-F5344CB8AC3E}">
+        <p14:creationId xmlns:p14="http://schemas.microsoft.com/office/powerpoint/2010/main" val="2250614639"/>
+      </p:ext>
+    </p:extLst>
+  </p:cSld>
+  <p:clrMapOvr>
+    <a:masterClrMapping/>
+  </p:clrMapOvr>
+</p:sld>
+</file>
+
 <file path=ppt/slides/slide3.xml><?xml version="1.0" encoding="utf-8"?>
 <p:sld xmlns:a="http://schemas.openxmlformats.org/drawingml/2006/main" xmlns:r="http://schemas.openxmlformats.org/officeDocument/2006/relationships" xmlns:p="http://schemas.openxmlformats.org/presentationml/2006/main">
   <p:cSld>
@@ -20035,14 +24388,20 @@
       </p:grpSpPr>
       <p:sp>
         <p:nvSpPr>
-          <p:cNvPr id="5" name="TextBox 4"/>
+          <p:cNvPr id="30" name="TextBox 29">
+            <a:extLst>
+              <a:ext uri="{FF2B5EF4-FFF2-40B4-BE49-F238E27FC236}">
+                <a16:creationId xmlns:a16="http://schemas.microsoft.com/office/drawing/2014/main" id="{50DC85BE-E0FE-1D4B-A268-B6DD16A293AE}"/>
+              </a:ext>
+            </a:extLst>
+          </p:cNvPr>
           <p:cNvSpPr txBox="1"/>
           <p:nvPr/>
         </p:nvSpPr>
         <p:spPr>
           <a:xfrm>
-            <a:off x="3093920" y="1348799"/>
-            <a:ext cx="7525634" cy="5509201"/>
+            <a:off x="3500787" y="1459039"/>
+            <a:ext cx="1903617" cy="2462213"/>
           </a:xfrm>
           <a:prstGeom prst="rect">
             <a:avLst/>
@@ -20061,7 +24420,7 @@
           <a:lstStyle/>
           <a:p>
             <a:pPr algn="l"/>
-            <a:endParaRPr lang="en-US" sz="1600" dirty="0">
+            <a:endParaRPr lang="en-US" sz="1400" dirty="0">
               <a:solidFill>
                 <a:schemeClr val="bg1"/>
               </a:solidFill>
@@ -20070,7 +24429,7 @@
           </a:p>
           <a:p>
             <a:pPr algn="l"/>
-            <a:endParaRPr lang="en-US" sz="1600" dirty="0">
+            <a:endParaRPr lang="en-US" sz="1400" dirty="0">
               <a:solidFill>
                 <a:schemeClr val="bg1"/>
               </a:solidFill>
@@ -20079,7 +24438,7 @@
           </a:p>
           <a:p>
             <a:pPr algn="l"/>
-            <a:endParaRPr lang="en-US" sz="1600" dirty="0">
+            <a:endParaRPr lang="en-US" sz="1400" dirty="0">
               <a:solidFill>
                 <a:schemeClr val="bg1"/>
               </a:solidFill>
@@ -20088,7 +24447,7 @@
           </a:p>
           <a:p>
             <a:pPr algn="l"/>
-            <a:endParaRPr lang="en-US" sz="1600" dirty="0">
+            <a:endParaRPr lang="en-US" sz="1400" dirty="0">
               <a:solidFill>
                 <a:schemeClr val="bg1"/>
               </a:solidFill>
@@ -20097,7 +24456,7 @@
           </a:p>
           <a:p>
             <a:pPr algn="l"/>
-            <a:endParaRPr lang="en-US" sz="1600" dirty="0">
+            <a:endParaRPr lang="en-US" sz="1400" dirty="0">
               <a:solidFill>
                 <a:schemeClr val="bg1"/>
               </a:solidFill>
@@ -20106,7 +24465,7 @@
           </a:p>
           <a:p>
             <a:pPr algn="l"/>
-            <a:endParaRPr lang="en-US" sz="1600" dirty="0">
+            <a:endParaRPr lang="en-US" sz="1400" dirty="0">
               <a:solidFill>
                 <a:schemeClr val="bg1"/>
               </a:solidFill>
@@ -20115,7 +24474,7 @@
           </a:p>
           <a:p>
             <a:pPr algn="l"/>
-            <a:endParaRPr lang="en-US" sz="1600" dirty="0">
+            <a:endParaRPr lang="en-US" sz="1400" dirty="0">
               <a:solidFill>
                 <a:schemeClr val="bg1"/>
               </a:solidFill>
@@ -20124,7 +24483,7 @@
           </a:p>
           <a:p>
             <a:pPr algn="l"/>
-            <a:endParaRPr lang="en-US" sz="1600" dirty="0">
+            <a:endParaRPr lang="en-US" sz="1400" dirty="0">
               <a:solidFill>
                 <a:schemeClr val="bg1"/>
               </a:solidFill>
@@ -20133,7 +24492,7 @@
           </a:p>
           <a:p>
             <a:pPr algn="l"/>
-            <a:endParaRPr lang="en-US" sz="1600" dirty="0">
+            <a:endParaRPr lang="en-US" sz="1400" dirty="0">
               <a:solidFill>
                 <a:schemeClr val="bg1"/>
               </a:solidFill>
@@ -20142,7 +24501,7 @@
           </a:p>
           <a:p>
             <a:pPr algn="l"/>
-            <a:endParaRPr lang="en-US" sz="1600" dirty="0">
+            <a:endParaRPr lang="en-US" sz="1400" dirty="0">
               <a:solidFill>
                 <a:schemeClr val="bg1"/>
               </a:solidFill>
@@ -20151,120 +24510,21 @@
           </a:p>
           <a:p>
             <a:pPr algn="l"/>
-            <a:endParaRPr lang="en-US" sz="1600" dirty="0">
+            <a:endParaRPr lang="en-US" sz="1400" dirty="0">
               <a:solidFill>
                 <a:schemeClr val="bg1"/>
               </a:solidFill>
               <a:latin typeface="Comic Sans MS" panose="030F0902030302020204" pitchFamily="66" charset="0"/>
             </a:endParaRPr>
           </a:p>
-          <a:p>
-            <a:pPr algn="l"/>
-            <a:endParaRPr lang="en-US" sz="1600" dirty="0">
-              <a:solidFill>
-                <a:schemeClr val="bg1"/>
-              </a:solidFill>
-              <a:latin typeface="Comic Sans MS" panose="030F0902030302020204" pitchFamily="66" charset="0"/>
-            </a:endParaRPr>
-          </a:p>
-          <a:p>
-            <a:pPr algn="l"/>
-            <a:endParaRPr lang="en-US" sz="1600" dirty="0">
-              <a:solidFill>
-                <a:schemeClr val="bg1"/>
-              </a:solidFill>
-              <a:latin typeface="Comic Sans MS" panose="030F0902030302020204" pitchFamily="66" charset="0"/>
-            </a:endParaRPr>
-          </a:p>
-          <a:p>
-            <a:pPr algn="l"/>
-            <a:endParaRPr lang="en-US" sz="1600" dirty="0">
-              <a:solidFill>
-                <a:schemeClr val="bg1"/>
-              </a:solidFill>
-              <a:latin typeface="Comic Sans MS" panose="030F0902030302020204" pitchFamily="66" charset="0"/>
-            </a:endParaRPr>
-          </a:p>
-          <a:p>
-            <a:pPr algn="l"/>
-            <a:endParaRPr lang="en-US" sz="1600" dirty="0">
-              <a:solidFill>
-                <a:schemeClr val="bg1"/>
-              </a:solidFill>
-              <a:latin typeface="Comic Sans MS" panose="030F0902030302020204" pitchFamily="66" charset="0"/>
-            </a:endParaRPr>
-          </a:p>
-          <a:p>
-            <a:pPr algn="l"/>
-            <a:endParaRPr lang="en-US" sz="1600" dirty="0">
-              <a:solidFill>
-                <a:schemeClr val="bg1"/>
-              </a:solidFill>
-              <a:latin typeface="Comic Sans MS" panose="030F0902030302020204" pitchFamily="66" charset="0"/>
-            </a:endParaRPr>
-          </a:p>
-          <a:p>
-            <a:pPr algn="l"/>
-            <a:endParaRPr lang="en-US" sz="1600" dirty="0">
-              <a:solidFill>
-                <a:schemeClr val="bg1"/>
-              </a:solidFill>
-              <a:latin typeface="Comic Sans MS" panose="030F0902030302020204" pitchFamily="66" charset="0"/>
-            </a:endParaRPr>
-          </a:p>
-          <a:p>
-            <a:pPr algn="l"/>
-            <a:endParaRPr lang="en-US" sz="1600" dirty="0">
-              <a:solidFill>
-                <a:schemeClr val="bg1"/>
-              </a:solidFill>
-              <a:latin typeface="Comic Sans MS" panose="030F0902030302020204" pitchFamily="66" charset="0"/>
-            </a:endParaRPr>
-          </a:p>
-          <a:p>
-            <a:pPr algn="l"/>
-            <a:endParaRPr lang="en-US" sz="1600" dirty="0">
-              <a:solidFill>
-                <a:schemeClr val="bg1"/>
-              </a:solidFill>
-              <a:latin typeface="Comic Sans MS" panose="030F0902030302020204" pitchFamily="66" charset="0"/>
-            </a:endParaRPr>
-          </a:p>
-          <a:p>
-            <a:pPr algn="l"/>
-            <a:endParaRPr lang="en-US" sz="1600" dirty="0">
-              <a:solidFill>
-                <a:schemeClr val="bg1"/>
-              </a:solidFill>
-              <a:latin typeface="Comic Sans MS" panose="030F0902030302020204" pitchFamily="66" charset="0"/>
-            </a:endParaRPr>
-          </a:p>
-          <a:p>
-            <a:pPr algn="l"/>
-            <a:endParaRPr lang="en-US" sz="1600" dirty="0">
-              <a:solidFill>
-                <a:schemeClr val="bg1"/>
-              </a:solidFill>
-              <a:latin typeface="Comic Sans MS" panose="030F0902030302020204" pitchFamily="66" charset="0"/>
-            </a:endParaRPr>
-          </a:p>
-          <a:p>
-            <a:pPr algn="l"/>
-            <a:endParaRPr lang="en-US" sz="1600" dirty="0" err="1">
-              <a:solidFill>
-                <a:schemeClr val="bg1"/>
-              </a:solidFill>
-              <a:latin typeface="Comic Sans MS" panose="030F0902030302020204" pitchFamily="66" charset="0"/>
-            </a:endParaRPr>
-          </a:p>
-        </p:txBody>
-      </p:sp>
-      <p:sp>
-        <p:nvSpPr>
-          <p:cNvPr id="2" name="TextBox 1">
-            <a:extLst>
-              <a:ext uri="{FF2B5EF4-FFF2-40B4-BE49-F238E27FC236}">
-                <a16:creationId xmlns:a16="http://schemas.microsoft.com/office/drawing/2014/main" id="{221DED5B-F56B-0F43-A308-4F2DD034B5B7}"/>
+        </p:txBody>
+      </p:sp>
+      <p:sp>
+        <p:nvSpPr>
+          <p:cNvPr id="32" name="TextBox 31">
+            <a:extLst>
+              <a:ext uri="{FF2B5EF4-FFF2-40B4-BE49-F238E27FC236}">
+                <a16:creationId xmlns:a16="http://schemas.microsoft.com/office/drawing/2014/main" id="{50DC85BE-E0FE-1D4B-A268-B6DD16A293AE}"/>
               </a:ext>
             </a:extLst>
           </p:cNvPr>
@@ -20273,137 +24533,8 @@
         </p:nvSpPr>
         <p:spPr>
           <a:xfrm>
-            <a:off x="1253996" y="1266033"/>
-            <a:ext cx="1685077" cy="338554"/>
-          </a:xfrm>
-          <a:prstGeom prst="rect">
-            <a:avLst/>
-          </a:prstGeom>
-          <a:noFill/>
-        </p:spPr>
-        <p:txBody>
-          <a:bodyPr wrap="none" rtlCol="0">
-            <a:spAutoFit/>
-          </a:bodyPr>
-          <a:lstStyle/>
-          <a:p>
-            <a:r>
-              <a:rPr lang="en-US" sz="1600" b="1" dirty="0">
-                <a:solidFill>
-                  <a:schemeClr val="bg1"/>
-                </a:solidFill>
-                <a:latin typeface="Comic Sans MS" panose="030F0902030302020204" pitchFamily="66" charset="0"/>
-              </a:rPr>
-              <a:t>Items for Sale</a:t>
-            </a:r>
-          </a:p>
-        </p:txBody>
-      </p:sp>
-      <p:sp>
-        <p:nvSpPr>
-          <p:cNvPr id="7" name="TextBox 6">
-            <a:extLst>
-              <a:ext uri="{FF2B5EF4-FFF2-40B4-BE49-F238E27FC236}">
-                <a16:creationId xmlns:a16="http://schemas.microsoft.com/office/drawing/2014/main" id="{F3573DF9-457D-7948-8B22-DB5337292FA7}"/>
-              </a:ext>
-            </a:extLst>
-          </p:cNvPr>
-          <p:cNvSpPr txBox="1"/>
-          <p:nvPr/>
-        </p:nvSpPr>
-        <p:spPr>
-          <a:xfrm>
-            <a:off x="1784068" y="292529"/>
-            <a:ext cx="2149948" cy="276999"/>
-          </a:xfrm>
-          <a:prstGeom prst="rect">
-            <a:avLst/>
-          </a:prstGeom>
-          <a:noFill/>
-        </p:spPr>
-        <p:txBody>
-          <a:bodyPr wrap="none" rtlCol="0">
-            <a:spAutoFit/>
-          </a:bodyPr>
-          <a:lstStyle/>
-          <a:p>
-            <a:r>
-              <a:rPr lang="en-US" sz="1200" dirty="0" err="1">
-                <a:solidFill>
-                  <a:schemeClr val="bg1"/>
-                </a:solidFill>
-                <a:latin typeface="Comic Sans MS" panose="030F0902030302020204" pitchFamily="66" charset="0"/>
-              </a:rPr>
-              <a:t>SellbackMart</a:t>
-            </a:r>
-            <a:r>
-              <a:rPr lang="en-US" sz="1200" dirty="0">
-                <a:solidFill>
-                  <a:schemeClr val="bg1"/>
-                </a:solidFill>
-                <a:latin typeface="Comic Sans MS" panose="030F0902030302020204" pitchFamily="66" charset="0"/>
-              </a:rPr>
-              <a:t>-Item Catalog</a:t>
-            </a:r>
-          </a:p>
-        </p:txBody>
-      </p:sp>
-      <p:sp>
-        <p:nvSpPr>
-          <p:cNvPr id="8" name="TextBox 7">
-            <a:extLst>
-              <a:ext uri="{FF2B5EF4-FFF2-40B4-BE49-F238E27FC236}">
-                <a16:creationId xmlns:a16="http://schemas.microsoft.com/office/drawing/2014/main" id="{49DF0299-C639-944C-9F0E-91BE71AC7E52}"/>
-              </a:ext>
-            </a:extLst>
-          </p:cNvPr>
-          <p:cNvSpPr txBox="1"/>
-          <p:nvPr/>
-        </p:nvSpPr>
-        <p:spPr>
-          <a:xfrm>
-            <a:off x="2233351" y="581403"/>
-            <a:ext cx="2353529" cy="276999"/>
-          </a:xfrm>
-          <a:prstGeom prst="rect">
-            <a:avLst/>
-          </a:prstGeom>
-          <a:noFill/>
-        </p:spPr>
-        <p:txBody>
-          <a:bodyPr wrap="none" rtlCol="0">
-            <a:spAutoFit/>
-          </a:bodyPr>
-          <a:lstStyle/>
-          <a:p>
-            <a:r>
-              <a:rPr lang="en-US" sz="1200" dirty="0">
-                <a:solidFill>
-                  <a:schemeClr val="bg1"/>
-                </a:solidFill>
-                <a:latin typeface="Comic Sans MS" panose="030F0902030302020204" pitchFamily="66" charset="0"/>
-              </a:rPr>
-              <a:t>http://localhost:3000/catalog</a:t>
-            </a:r>
-          </a:p>
-        </p:txBody>
-      </p:sp>
-      <p:sp>
-        <p:nvSpPr>
-          <p:cNvPr id="4" name="TextBox 3">
-            <a:extLst>
-              <a:ext uri="{FF2B5EF4-FFF2-40B4-BE49-F238E27FC236}">
-                <a16:creationId xmlns:a16="http://schemas.microsoft.com/office/drawing/2014/main" id="{32820AB9-7CA6-8F41-A812-9F4C46331562}"/>
-              </a:ext>
-            </a:extLst>
-          </p:cNvPr>
-          <p:cNvSpPr txBox="1"/>
-          <p:nvPr/>
-        </p:nvSpPr>
-        <p:spPr>
-          <a:xfrm>
-            <a:off x="3608875" y="2828647"/>
-            <a:ext cx="1686456" cy="954107"/>
+            <a:off x="5904929" y="1445529"/>
+            <a:ext cx="1903617" cy="2462213"/>
           </a:xfrm>
           <a:prstGeom prst="rect">
             <a:avLst/>
@@ -20422,57 +24553,108 @@
           <a:lstStyle/>
           <a:p>
             <a:pPr algn="l"/>
-            <a:r>
-              <a:rPr lang="en-US" sz="1400" i="1" dirty="0">
-                <a:solidFill>
-                  <a:schemeClr val="bg1"/>
-                </a:solidFill>
-                <a:latin typeface="Comic Sans MS" panose="030F0902030302020204" pitchFamily="66" charset="0"/>
-              </a:rPr>
-              <a:t>Title</a:t>
-            </a:r>
-          </a:p>
-          <a:p>
-            <a:pPr algn="l"/>
-            <a:r>
-              <a:rPr lang="en-US" sz="1400" i="1" dirty="0">
-                <a:solidFill>
-                  <a:schemeClr val="bg1"/>
-                </a:solidFill>
-                <a:latin typeface="Comic Sans MS" panose="030F0902030302020204" pitchFamily="66" charset="0"/>
-              </a:rPr>
-              <a:t>$$</a:t>
-            </a:r>
-          </a:p>
-          <a:p>
-            <a:pPr algn="l"/>
-            <a:r>
-              <a:rPr lang="en-US" sz="1400" i="1" dirty="0">
-                <a:solidFill>
-                  <a:schemeClr val="bg1"/>
-                </a:solidFill>
-                <a:latin typeface="Comic Sans MS" panose="030F0902030302020204" pitchFamily="66" charset="0"/>
-              </a:rPr>
-              <a:t>Seller</a:t>
-            </a:r>
-          </a:p>
-          <a:p>
-            <a:pPr algn="l"/>
-            <a:r>
-              <a:rPr lang="en-US" sz="1400" i="1" dirty="0">
-                <a:solidFill>
-                  <a:schemeClr val="bg1"/>
-                </a:solidFill>
-                <a:latin typeface="Comic Sans MS" panose="030F0902030302020204" pitchFamily="66" charset="0"/>
-              </a:rPr>
-              <a:t>Publication Date</a:t>
-            </a:r>
-          </a:p>
-        </p:txBody>
-      </p:sp>
-      <p:sp>
-        <p:nvSpPr>
-          <p:cNvPr id="15" name="TextBox 14">
+            <a:endParaRPr lang="en-US" sz="1400" dirty="0">
+              <a:solidFill>
+                <a:schemeClr val="bg1"/>
+              </a:solidFill>
+              <a:latin typeface="Comic Sans MS" panose="030F0902030302020204" pitchFamily="66" charset="0"/>
+            </a:endParaRPr>
+          </a:p>
+          <a:p>
+            <a:pPr algn="l"/>
+            <a:endParaRPr lang="en-US" sz="1400" dirty="0">
+              <a:solidFill>
+                <a:schemeClr val="bg1"/>
+              </a:solidFill>
+              <a:latin typeface="Comic Sans MS" panose="030F0902030302020204" pitchFamily="66" charset="0"/>
+            </a:endParaRPr>
+          </a:p>
+          <a:p>
+            <a:pPr algn="l"/>
+            <a:endParaRPr lang="en-US" sz="1400" dirty="0">
+              <a:solidFill>
+                <a:schemeClr val="bg1"/>
+              </a:solidFill>
+              <a:latin typeface="Comic Sans MS" panose="030F0902030302020204" pitchFamily="66" charset="0"/>
+            </a:endParaRPr>
+          </a:p>
+          <a:p>
+            <a:pPr algn="l"/>
+            <a:endParaRPr lang="en-US" sz="1400" dirty="0">
+              <a:solidFill>
+                <a:schemeClr val="bg1"/>
+              </a:solidFill>
+              <a:latin typeface="Comic Sans MS" panose="030F0902030302020204" pitchFamily="66" charset="0"/>
+            </a:endParaRPr>
+          </a:p>
+          <a:p>
+            <a:pPr algn="l"/>
+            <a:endParaRPr lang="en-US" sz="1400" dirty="0">
+              <a:solidFill>
+                <a:schemeClr val="bg1"/>
+              </a:solidFill>
+              <a:latin typeface="Comic Sans MS" panose="030F0902030302020204" pitchFamily="66" charset="0"/>
+            </a:endParaRPr>
+          </a:p>
+          <a:p>
+            <a:pPr algn="l"/>
+            <a:endParaRPr lang="en-US" sz="1400" dirty="0">
+              <a:solidFill>
+                <a:schemeClr val="bg1"/>
+              </a:solidFill>
+              <a:latin typeface="Comic Sans MS" panose="030F0902030302020204" pitchFamily="66" charset="0"/>
+            </a:endParaRPr>
+          </a:p>
+          <a:p>
+            <a:pPr algn="l"/>
+            <a:endParaRPr lang="en-US" sz="1400" dirty="0">
+              <a:solidFill>
+                <a:schemeClr val="bg1"/>
+              </a:solidFill>
+              <a:latin typeface="Comic Sans MS" panose="030F0902030302020204" pitchFamily="66" charset="0"/>
+            </a:endParaRPr>
+          </a:p>
+          <a:p>
+            <a:pPr algn="l"/>
+            <a:endParaRPr lang="en-US" sz="1400" dirty="0">
+              <a:solidFill>
+                <a:schemeClr val="bg1"/>
+              </a:solidFill>
+              <a:latin typeface="Comic Sans MS" panose="030F0902030302020204" pitchFamily="66" charset="0"/>
+            </a:endParaRPr>
+          </a:p>
+          <a:p>
+            <a:pPr algn="l"/>
+            <a:endParaRPr lang="en-US" sz="1400" dirty="0">
+              <a:solidFill>
+                <a:schemeClr val="bg1"/>
+              </a:solidFill>
+              <a:latin typeface="Comic Sans MS" panose="030F0902030302020204" pitchFamily="66" charset="0"/>
+            </a:endParaRPr>
+          </a:p>
+          <a:p>
+            <a:pPr algn="l"/>
+            <a:endParaRPr lang="en-US" sz="1400" dirty="0">
+              <a:solidFill>
+                <a:schemeClr val="bg1"/>
+              </a:solidFill>
+              <a:latin typeface="Comic Sans MS" panose="030F0902030302020204" pitchFamily="66" charset="0"/>
+            </a:endParaRPr>
+          </a:p>
+          <a:p>
+            <a:pPr algn="l"/>
+            <a:endParaRPr lang="en-US" sz="1400" dirty="0">
+              <a:solidFill>
+                <a:schemeClr val="bg1"/>
+              </a:solidFill>
+              <a:latin typeface="Comic Sans MS" panose="030F0902030302020204" pitchFamily="66" charset="0"/>
+            </a:endParaRPr>
+          </a:p>
+        </p:txBody>
+      </p:sp>
+      <p:sp>
+        <p:nvSpPr>
+          <p:cNvPr id="33" name="TextBox 32">
             <a:extLst>
               <a:ext uri="{FF2B5EF4-FFF2-40B4-BE49-F238E27FC236}">
                 <a16:creationId xmlns:a16="http://schemas.microsoft.com/office/drawing/2014/main" id="{50DC85BE-E0FE-1D4B-A268-B6DD16A293AE}"/>
@@ -20484,8 +24666,8 @@
         </p:nvSpPr>
         <p:spPr>
           <a:xfrm>
-            <a:off x="1253996" y="1709467"/>
-            <a:ext cx="1647686" cy="2677656"/>
+            <a:off x="8341380" y="1459039"/>
+            <a:ext cx="1903617" cy="2462213"/>
           </a:xfrm>
           <a:prstGeom prst="rect">
             <a:avLst/>
@@ -20504,6 +24686,987 @@
           <a:lstStyle/>
           <a:p>
             <a:pPr algn="l"/>
+            <a:endParaRPr lang="en-US" sz="1400" dirty="0">
+              <a:solidFill>
+                <a:schemeClr val="bg1"/>
+              </a:solidFill>
+              <a:latin typeface="Comic Sans MS" panose="030F0902030302020204" pitchFamily="66" charset="0"/>
+            </a:endParaRPr>
+          </a:p>
+          <a:p>
+            <a:pPr algn="l"/>
+            <a:endParaRPr lang="en-US" sz="1400" dirty="0">
+              <a:solidFill>
+                <a:schemeClr val="bg1"/>
+              </a:solidFill>
+              <a:latin typeface="Comic Sans MS" panose="030F0902030302020204" pitchFamily="66" charset="0"/>
+            </a:endParaRPr>
+          </a:p>
+          <a:p>
+            <a:pPr algn="l"/>
+            <a:endParaRPr lang="en-US" sz="1400" dirty="0">
+              <a:solidFill>
+                <a:schemeClr val="bg1"/>
+              </a:solidFill>
+              <a:latin typeface="Comic Sans MS" panose="030F0902030302020204" pitchFamily="66" charset="0"/>
+            </a:endParaRPr>
+          </a:p>
+          <a:p>
+            <a:pPr algn="l"/>
+            <a:endParaRPr lang="en-US" sz="1400" dirty="0">
+              <a:solidFill>
+                <a:schemeClr val="bg1"/>
+              </a:solidFill>
+              <a:latin typeface="Comic Sans MS" panose="030F0902030302020204" pitchFamily="66" charset="0"/>
+            </a:endParaRPr>
+          </a:p>
+          <a:p>
+            <a:pPr algn="l"/>
+            <a:endParaRPr lang="en-US" sz="1400" dirty="0">
+              <a:solidFill>
+                <a:schemeClr val="bg1"/>
+              </a:solidFill>
+              <a:latin typeface="Comic Sans MS" panose="030F0902030302020204" pitchFamily="66" charset="0"/>
+            </a:endParaRPr>
+          </a:p>
+          <a:p>
+            <a:pPr algn="l"/>
+            <a:endParaRPr lang="en-US" sz="1400" dirty="0">
+              <a:solidFill>
+                <a:schemeClr val="bg1"/>
+              </a:solidFill>
+              <a:latin typeface="Comic Sans MS" panose="030F0902030302020204" pitchFamily="66" charset="0"/>
+            </a:endParaRPr>
+          </a:p>
+          <a:p>
+            <a:pPr algn="l"/>
+            <a:endParaRPr lang="en-US" sz="1400" dirty="0">
+              <a:solidFill>
+                <a:schemeClr val="bg1"/>
+              </a:solidFill>
+              <a:latin typeface="Comic Sans MS" panose="030F0902030302020204" pitchFamily="66" charset="0"/>
+            </a:endParaRPr>
+          </a:p>
+          <a:p>
+            <a:pPr algn="l"/>
+            <a:endParaRPr lang="en-US" sz="1400" dirty="0">
+              <a:solidFill>
+                <a:schemeClr val="bg1"/>
+              </a:solidFill>
+              <a:latin typeface="Comic Sans MS" panose="030F0902030302020204" pitchFamily="66" charset="0"/>
+            </a:endParaRPr>
+          </a:p>
+          <a:p>
+            <a:pPr algn="l"/>
+            <a:endParaRPr lang="en-US" sz="1400" dirty="0">
+              <a:solidFill>
+                <a:schemeClr val="bg1"/>
+              </a:solidFill>
+              <a:latin typeface="Comic Sans MS" panose="030F0902030302020204" pitchFamily="66" charset="0"/>
+            </a:endParaRPr>
+          </a:p>
+          <a:p>
+            <a:pPr algn="l"/>
+            <a:endParaRPr lang="en-US" sz="1400" dirty="0">
+              <a:solidFill>
+                <a:schemeClr val="bg1"/>
+              </a:solidFill>
+              <a:latin typeface="Comic Sans MS" panose="030F0902030302020204" pitchFamily="66" charset="0"/>
+            </a:endParaRPr>
+          </a:p>
+          <a:p>
+            <a:pPr algn="l"/>
+            <a:endParaRPr lang="en-US" sz="1400" dirty="0">
+              <a:solidFill>
+                <a:schemeClr val="bg1"/>
+              </a:solidFill>
+              <a:latin typeface="Comic Sans MS" panose="030F0902030302020204" pitchFamily="66" charset="0"/>
+            </a:endParaRPr>
+          </a:p>
+        </p:txBody>
+      </p:sp>
+      <p:sp>
+        <p:nvSpPr>
+          <p:cNvPr id="35" name="TextBox 34">
+            <a:extLst>
+              <a:ext uri="{FF2B5EF4-FFF2-40B4-BE49-F238E27FC236}">
+                <a16:creationId xmlns:a16="http://schemas.microsoft.com/office/drawing/2014/main" id="{50DC85BE-E0FE-1D4B-A268-B6DD16A293AE}"/>
+              </a:ext>
+            </a:extLst>
+          </p:cNvPr>
+          <p:cNvSpPr txBox="1"/>
+          <p:nvPr/>
+        </p:nvSpPr>
+        <p:spPr>
+          <a:xfrm>
+            <a:off x="8287336" y="4316776"/>
+            <a:ext cx="1903617" cy="2462213"/>
+          </a:xfrm>
+          <a:prstGeom prst="rect">
+            <a:avLst/>
+          </a:prstGeom>
+          <a:noFill/>
+          <a:ln>
+            <a:solidFill>
+              <a:schemeClr val="bg1"/>
+            </a:solidFill>
+          </a:ln>
+        </p:spPr>
+        <p:txBody>
+          <a:bodyPr wrap="square" rtlCol="0">
+            <a:spAutoFit/>
+          </a:bodyPr>
+          <a:lstStyle/>
+          <a:p>
+            <a:pPr algn="l"/>
+            <a:endParaRPr lang="en-US" sz="1400" dirty="0">
+              <a:solidFill>
+                <a:schemeClr val="bg1"/>
+              </a:solidFill>
+              <a:latin typeface="Comic Sans MS" panose="030F0902030302020204" pitchFamily="66" charset="0"/>
+            </a:endParaRPr>
+          </a:p>
+          <a:p>
+            <a:pPr algn="l"/>
+            <a:endParaRPr lang="en-US" sz="1400" dirty="0">
+              <a:solidFill>
+                <a:schemeClr val="bg1"/>
+              </a:solidFill>
+              <a:latin typeface="Comic Sans MS" panose="030F0902030302020204" pitchFamily="66" charset="0"/>
+            </a:endParaRPr>
+          </a:p>
+          <a:p>
+            <a:pPr algn="l"/>
+            <a:endParaRPr lang="en-US" sz="1400" dirty="0">
+              <a:solidFill>
+                <a:schemeClr val="bg1"/>
+              </a:solidFill>
+              <a:latin typeface="Comic Sans MS" panose="030F0902030302020204" pitchFamily="66" charset="0"/>
+            </a:endParaRPr>
+          </a:p>
+          <a:p>
+            <a:pPr algn="l"/>
+            <a:endParaRPr lang="en-US" sz="1400" dirty="0">
+              <a:solidFill>
+                <a:schemeClr val="bg1"/>
+              </a:solidFill>
+              <a:latin typeface="Comic Sans MS" panose="030F0902030302020204" pitchFamily="66" charset="0"/>
+            </a:endParaRPr>
+          </a:p>
+          <a:p>
+            <a:pPr algn="l"/>
+            <a:endParaRPr lang="en-US" sz="1400" dirty="0">
+              <a:solidFill>
+                <a:schemeClr val="bg1"/>
+              </a:solidFill>
+              <a:latin typeface="Comic Sans MS" panose="030F0902030302020204" pitchFamily="66" charset="0"/>
+            </a:endParaRPr>
+          </a:p>
+          <a:p>
+            <a:pPr algn="l"/>
+            <a:endParaRPr lang="en-US" sz="1400" dirty="0">
+              <a:solidFill>
+                <a:schemeClr val="bg1"/>
+              </a:solidFill>
+              <a:latin typeface="Comic Sans MS" panose="030F0902030302020204" pitchFamily="66" charset="0"/>
+            </a:endParaRPr>
+          </a:p>
+          <a:p>
+            <a:pPr algn="l"/>
+            <a:endParaRPr lang="en-US" sz="1400" dirty="0">
+              <a:solidFill>
+                <a:schemeClr val="bg1"/>
+              </a:solidFill>
+              <a:latin typeface="Comic Sans MS" panose="030F0902030302020204" pitchFamily="66" charset="0"/>
+            </a:endParaRPr>
+          </a:p>
+          <a:p>
+            <a:pPr algn="l"/>
+            <a:endParaRPr lang="en-US" sz="1400" dirty="0">
+              <a:solidFill>
+                <a:schemeClr val="bg1"/>
+              </a:solidFill>
+              <a:latin typeface="Comic Sans MS" panose="030F0902030302020204" pitchFamily="66" charset="0"/>
+            </a:endParaRPr>
+          </a:p>
+          <a:p>
+            <a:pPr algn="l"/>
+            <a:endParaRPr lang="en-US" sz="1400" dirty="0">
+              <a:solidFill>
+                <a:schemeClr val="bg1"/>
+              </a:solidFill>
+              <a:latin typeface="Comic Sans MS" panose="030F0902030302020204" pitchFamily="66" charset="0"/>
+            </a:endParaRPr>
+          </a:p>
+          <a:p>
+            <a:pPr algn="l"/>
+            <a:endParaRPr lang="en-US" sz="1400" dirty="0">
+              <a:solidFill>
+                <a:schemeClr val="bg1"/>
+              </a:solidFill>
+              <a:latin typeface="Comic Sans MS" panose="030F0902030302020204" pitchFamily="66" charset="0"/>
+            </a:endParaRPr>
+          </a:p>
+          <a:p>
+            <a:pPr algn="l"/>
+            <a:endParaRPr lang="en-US" sz="1400" dirty="0">
+              <a:solidFill>
+                <a:schemeClr val="bg1"/>
+              </a:solidFill>
+              <a:latin typeface="Comic Sans MS" panose="030F0902030302020204" pitchFamily="66" charset="0"/>
+            </a:endParaRPr>
+          </a:p>
+        </p:txBody>
+      </p:sp>
+      <p:sp>
+        <p:nvSpPr>
+          <p:cNvPr id="36" name="TextBox 35">
+            <a:extLst>
+              <a:ext uri="{FF2B5EF4-FFF2-40B4-BE49-F238E27FC236}">
+                <a16:creationId xmlns:a16="http://schemas.microsoft.com/office/drawing/2014/main" id="{50DC85BE-E0FE-1D4B-A268-B6DD16A293AE}"/>
+              </a:ext>
+            </a:extLst>
+          </p:cNvPr>
+          <p:cNvSpPr txBox="1"/>
+          <p:nvPr/>
+        </p:nvSpPr>
+        <p:spPr>
+          <a:xfrm>
+            <a:off x="5904929" y="4323751"/>
+            <a:ext cx="1903617" cy="2462213"/>
+          </a:xfrm>
+          <a:prstGeom prst="rect">
+            <a:avLst/>
+          </a:prstGeom>
+          <a:noFill/>
+          <a:ln>
+            <a:solidFill>
+              <a:schemeClr val="bg1"/>
+            </a:solidFill>
+          </a:ln>
+        </p:spPr>
+        <p:txBody>
+          <a:bodyPr wrap="square" rtlCol="0">
+            <a:spAutoFit/>
+          </a:bodyPr>
+          <a:lstStyle/>
+          <a:p>
+            <a:pPr algn="l"/>
+            <a:endParaRPr lang="en-US" sz="1400" dirty="0">
+              <a:solidFill>
+                <a:schemeClr val="bg1"/>
+              </a:solidFill>
+              <a:latin typeface="Comic Sans MS" panose="030F0902030302020204" pitchFamily="66" charset="0"/>
+            </a:endParaRPr>
+          </a:p>
+          <a:p>
+            <a:pPr algn="l"/>
+            <a:endParaRPr lang="en-US" sz="1400" dirty="0">
+              <a:solidFill>
+                <a:schemeClr val="bg1"/>
+              </a:solidFill>
+              <a:latin typeface="Comic Sans MS" panose="030F0902030302020204" pitchFamily="66" charset="0"/>
+            </a:endParaRPr>
+          </a:p>
+          <a:p>
+            <a:pPr algn="l"/>
+            <a:endParaRPr lang="en-US" sz="1400" dirty="0">
+              <a:solidFill>
+                <a:schemeClr val="bg1"/>
+              </a:solidFill>
+              <a:latin typeface="Comic Sans MS" panose="030F0902030302020204" pitchFamily="66" charset="0"/>
+            </a:endParaRPr>
+          </a:p>
+          <a:p>
+            <a:pPr algn="l"/>
+            <a:endParaRPr lang="en-US" sz="1400" dirty="0">
+              <a:solidFill>
+                <a:schemeClr val="bg1"/>
+              </a:solidFill>
+              <a:latin typeface="Comic Sans MS" panose="030F0902030302020204" pitchFamily="66" charset="0"/>
+            </a:endParaRPr>
+          </a:p>
+          <a:p>
+            <a:pPr algn="l"/>
+            <a:endParaRPr lang="en-US" sz="1400" dirty="0">
+              <a:solidFill>
+                <a:schemeClr val="bg1"/>
+              </a:solidFill>
+              <a:latin typeface="Comic Sans MS" panose="030F0902030302020204" pitchFamily="66" charset="0"/>
+            </a:endParaRPr>
+          </a:p>
+          <a:p>
+            <a:pPr algn="l"/>
+            <a:endParaRPr lang="en-US" sz="1400" dirty="0">
+              <a:solidFill>
+                <a:schemeClr val="bg1"/>
+              </a:solidFill>
+              <a:latin typeface="Comic Sans MS" panose="030F0902030302020204" pitchFamily="66" charset="0"/>
+            </a:endParaRPr>
+          </a:p>
+          <a:p>
+            <a:pPr algn="l"/>
+            <a:endParaRPr lang="en-US" sz="1400" dirty="0">
+              <a:solidFill>
+                <a:schemeClr val="bg1"/>
+              </a:solidFill>
+              <a:latin typeface="Comic Sans MS" panose="030F0902030302020204" pitchFamily="66" charset="0"/>
+            </a:endParaRPr>
+          </a:p>
+          <a:p>
+            <a:pPr algn="l"/>
+            <a:endParaRPr lang="en-US" sz="1400" dirty="0">
+              <a:solidFill>
+                <a:schemeClr val="bg1"/>
+              </a:solidFill>
+              <a:latin typeface="Comic Sans MS" panose="030F0902030302020204" pitchFamily="66" charset="0"/>
+            </a:endParaRPr>
+          </a:p>
+          <a:p>
+            <a:pPr algn="l"/>
+            <a:endParaRPr lang="en-US" sz="1400" dirty="0">
+              <a:solidFill>
+                <a:schemeClr val="bg1"/>
+              </a:solidFill>
+              <a:latin typeface="Comic Sans MS" panose="030F0902030302020204" pitchFamily="66" charset="0"/>
+            </a:endParaRPr>
+          </a:p>
+          <a:p>
+            <a:pPr algn="l"/>
+            <a:endParaRPr lang="en-US" sz="1400" dirty="0">
+              <a:solidFill>
+                <a:schemeClr val="bg1"/>
+              </a:solidFill>
+              <a:latin typeface="Comic Sans MS" panose="030F0902030302020204" pitchFamily="66" charset="0"/>
+            </a:endParaRPr>
+          </a:p>
+          <a:p>
+            <a:pPr algn="l"/>
+            <a:endParaRPr lang="en-US" sz="1400" dirty="0">
+              <a:solidFill>
+                <a:schemeClr val="bg1"/>
+              </a:solidFill>
+              <a:latin typeface="Comic Sans MS" panose="030F0902030302020204" pitchFamily="66" charset="0"/>
+            </a:endParaRPr>
+          </a:p>
+        </p:txBody>
+      </p:sp>
+      <p:sp>
+        <p:nvSpPr>
+          <p:cNvPr id="5" name="TextBox 4"/>
+          <p:cNvSpPr txBox="1"/>
+          <p:nvPr/>
+        </p:nvSpPr>
+        <p:spPr>
+          <a:xfrm>
+            <a:off x="3093920" y="1348799"/>
+            <a:ext cx="7525634" cy="5509201"/>
+          </a:xfrm>
+          <a:prstGeom prst="rect">
+            <a:avLst/>
+          </a:prstGeom>
+          <a:noFill/>
+          <a:ln>
+            <a:solidFill>
+              <a:schemeClr val="bg1"/>
+            </a:solidFill>
+          </a:ln>
+        </p:spPr>
+        <p:txBody>
+          <a:bodyPr wrap="square" rtlCol="0">
+            <a:spAutoFit/>
+          </a:bodyPr>
+          <a:lstStyle/>
+          <a:p>
+            <a:pPr algn="l"/>
+            <a:endParaRPr lang="en-US" sz="1600" dirty="0">
+              <a:solidFill>
+                <a:schemeClr val="bg1"/>
+              </a:solidFill>
+              <a:latin typeface="Comic Sans MS" panose="030F0902030302020204" pitchFamily="66" charset="0"/>
+            </a:endParaRPr>
+          </a:p>
+          <a:p>
+            <a:pPr algn="l"/>
+            <a:endParaRPr lang="en-US" sz="1600" dirty="0">
+              <a:solidFill>
+                <a:schemeClr val="bg1"/>
+              </a:solidFill>
+              <a:latin typeface="Comic Sans MS" panose="030F0902030302020204" pitchFamily="66" charset="0"/>
+            </a:endParaRPr>
+          </a:p>
+          <a:p>
+            <a:pPr algn="l"/>
+            <a:endParaRPr lang="en-US" sz="1600" dirty="0">
+              <a:solidFill>
+                <a:schemeClr val="bg1"/>
+              </a:solidFill>
+              <a:latin typeface="Comic Sans MS" panose="030F0902030302020204" pitchFamily="66" charset="0"/>
+            </a:endParaRPr>
+          </a:p>
+          <a:p>
+            <a:pPr algn="l"/>
+            <a:endParaRPr lang="en-US" sz="1600" dirty="0">
+              <a:solidFill>
+                <a:schemeClr val="bg1"/>
+              </a:solidFill>
+              <a:latin typeface="Comic Sans MS" panose="030F0902030302020204" pitchFamily="66" charset="0"/>
+            </a:endParaRPr>
+          </a:p>
+          <a:p>
+            <a:pPr algn="l"/>
+            <a:endParaRPr lang="en-US" sz="1600" dirty="0">
+              <a:solidFill>
+                <a:schemeClr val="bg1"/>
+              </a:solidFill>
+              <a:latin typeface="Comic Sans MS" panose="030F0902030302020204" pitchFamily="66" charset="0"/>
+            </a:endParaRPr>
+          </a:p>
+          <a:p>
+            <a:pPr algn="l"/>
+            <a:endParaRPr lang="en-US" sz="1600" dirty="0">
+              <a:solidFill>
+                <a:schemeClr val="bg1"/>
+              </a:solidFill>
+              <a:latin typeface="Comic Sans MS" panose="030F0902030302020204" pitchFamily="66" charset="0"/>
+            </a:endParaRPr>
+          </a:p>
+          <a:p>
+            <a:pPr algn="l"/>
+            <a:endParaRPr lang="en-US" sz="1600" dirty="0">
+              <a:solidFill>
+                <a:schemeClr val="bg1"/>
+              </a:solidFill>
+              <a:latin typeface="Comic Sans MS" panose="030F0902030302020204" pitchFamily="66" charset="0"/>
+            </a:endParaRPr>
+          </a:p>
+          <a:p>
+            <a:pPr algn="l"/>
+            <a:endParaRPr lang="en-US" sz="1600" dirty="0">
+              <a:solidFill>
+                <a:schemeClr val="bg1"/>
+              </a:solidFill>
+              <a:latin typeface="Comic Sans MS" panose="030F0902030302020204" pitchFamily="66" charset="0"/>
+            </a:endParaRPr>
+          </a:p>
+          <a:p>
+            <a:pPr algn="l"/>
+            <a:endParaRPr lang="en-US" sz="1600" dirty="0">
+              <a:solidFill>
+                <a:schemeClr val="bg1"/>
+              </a:solidFill>
+              <a:latin typeface="Comic Sans MS" panose="030F0902030302020204" pitchFamily="66" charset="0"/>
+            </a:endParaRPr>
+          </a:p>
+          <a:p>
+            <a:pPr algn="l"/>
+            <a:endParaRPr lang="en-US" sz="1600" dirty="0">
+              <a:solidFill>
+                <a:schemeClr val="bg1"/>
+              </a:solidFill>
+              <a:latin typeface="Comic Sans MS" panose="030F0902030302020204" pitchFamily="66" charset="0"/>
+            </a:endParaRPr>
+          </a:p>
+          <a:p>
+            <a:pPr algn="l"/>
+            <a:endParaRPr lang="en-US" sz="1600" dirty="0">
+              <a:solidFill>
+                <a:schemeClr val="bg1"/>
+              </a:solidFill>
+              <a:latin typeface="Comic Sans MS" panose="030F0902030302020204" pitchFamily="66" charset="0"/>
+            </a:endParaRPr>
+          </a:p>
+          <a:p>
+            <a:pPr algn="l"/>
+            <a:endParaRPr lang="en-US" sz="1600" dirty="0">
+              <a:solidFill>
+                <a:schemeClr val="bg1"/>
+              </a:solidFill>
+              <a:latin typeface="Comic Sans MS" panose="030F0902030302020204" pitchFamily="66" charset="0"/>
+            </a:endParaRPr>
+          </a:p>
+          <a:p>
+            <a:pPr algn="l"/>
+            <a:endParaRPr lang="en-US" sz="1600" dirty="0">
+              <a:solidFill>
+                <a:schemeClr val="bg1"/>
+              </a:solidFill>
+              <a:latin typeface="Comic Sans MS" panose="030F0902030302020204" pitchFamily="66" charset="0"/>
+            </a:endParaRPr>
+          </a:p>
+          <a:p>
+            <a:pPr algn="l"/>
+            <a:endParaRPr lang="en-US" sz="1600" dirty="0">
+              <a:solidFill>
+                <a:schemeClr val="bg1"/>
+              </a:solidFill>
+              <a:latin typeface="Comic Sans MS" panose="030F0902030302020204" pitchFamily="66" charset="0"/>
+            </a:endParaRPr>
+          </a:p>
+          <a:p>
+            <a:pPr algn="l"/>
+            <a:endParaRPr lang="en-US" sz="1600" dirty="0">
+              <a:solidFill>
+                <a:schemeClr val="bg1"/>
+              </a:solidFill>
+              <a:latin typeface="Comic Sans MS" panose="030F0902030302020204" pitchFamily="66" charset="0"/>
+            </a:endParaRPr>
+          </a:p>
+          <a:p>
+            <a:pPr algn="l"/>
+            <a:endParaRPr lang="en-US" sz="1600" dirty="0">
+              <a:solidFill>
+                <a:schemeClr val="bg1"/>
+              </a:solidFill>
+              <a:latin typeface="Comic Sans MS" panose="030F0902030302020204" pitchFamily="66" charset="0"/>
+            </a:endParaRPr>
+          </a:p>
+          <a:p>
+            <a:pPr algn="l"/>
+            <a:endParaRPr lang="en-US" sz="1600" dirty="0">
+              <a:solidFill>
+                <a:schemeClr val="bg1"/>
+              </a:solidFill>
+              <a:latin typeface="Comic Sans MS" panose="030F0902030302020204" pitchFamily="66" charset="0"/>
+            </a:endParaRPr>
+          </a:p>
+          <a:p>
+            <a:pPr algn="l"/>
+            <a:endParaRPr lang="en-US" sz="1600" dirty="0">
+              <a:solidFill>
+                <a:schemeClr val="bg1"/>
+              </a:solidFill>
+              <a:latin typeface="Comic Sans MS" panose="030F0902030302020204" pitchFamily="66" charset="0"/>
+            </a:endParaRPr>
+          </a:p>
+          <a:p>
+            <a:pPr algn="l"/>
+            <a:endParaRPr lang="en-US" sz="1600" dirty="0">
+              <a:solidFill>
+                <a:schemeClr val="bg1"/>
+              </a:solidFill>
+              <a:latin typeface="Comic Sans MS" panose="030F0902030302020204" pitchFamily="66" charset="0"/>
+            </a:endParaRPr>
+          </a:p>
+          <a:p>
+            <a:pPr algn="l"/>
+            <a:endParaRPr lang="en-US" sz="1600" dirty="0">
+              <a:solidFill>
+                <a:schemeClr val="bg1"/>
+              </a:solidFill>
+              <a:latin typeface="Comic Sans MS" panose="030F0902030302020204" pitchFamily="66" charset="0"/>
+            </a:endParaRPr>
+          </a:p>
+          <a:p>
+            <a:pPr algn="l"/>
+            <a:endParaRPr lang="en-US" sz="1600" dirty="0">
+              <a:solidFill>
+                <a:schemeClr val="bg1"/>
+              </a:solidFill>
+              <a:latin typeface="Comic Sans MS" panose="030F0902030302020204" pitchFamily="66" charset="0"/>
+            </a:endParaRPr>
+          </a:p>
+          <a:p>
+            <a:pPr algn="l"/>
+            <a:endParaRPr lang="en-US" sz="1600" dirty="0" err="1">
+              <a:solidFill>
+                <a:schemeClr val="bg1"/>
+              </a:solidFill>
+              <a:latin typeface="Comic Sans MS" panose="030F0902030302020204" pitchFamily="66" charset="0"/>
+            </a:endParaRPr>
+          </a:p>
+        </p:txBody>
+      </p:sp>
+      <p:sp>
+        <p:nvSpPr>
+          <p:cNvPr id="37" name="TextBox 36">
+            <a:extLst>
+              <a:ext uri="{FF2B5EF4-FFF2-40B4-BE49-F238E27FC236}">
+                <a16:creationId xmlns:a16="http://schemas.microsoft.com/office/drawing/2014/main" id="{50DC85BE-E0FE-1D4B-A268-B6DD16A293AE}"/>
+              </a:ext>
+            </a:extLst>
+          </p:cNvPr>
+          <p:cNvSpPr txBox="1"/>
+          <p:nvPr/>
+        </p:nvSpPr>
+        <p:spPr>
+          <a:xfrm>
+            <a:off x="3500787" y="4298052"/>
+            <a:ext cx="1903617" cy="2462213"/>
+          </a:xfrm>
+          <a:prstGeom prst="rect">
+            <a:avLst/>
+          </a:prstGeom>
+          <a:noFill/>
+          <a:ln>
+            <a:solidFill>
+              <a:schemeClr val="bg1"/>
+            </a:solidFill>
+          </a:ln>
+        </p:spPr>
+        <p:txBody>
+          <a:bodyPr wrap="square" rtlCol="0">
+            <a:spAutoFit/>
+          </a:bodyPr>
+          <a:lstStyle/>
+          <a:p>
+            <a:pPr algn="l"/>
+            <a:endParaRPr lang="en-US" sz="1400" dirty="0">
+              <a:solidFill>
+                <a:schemeClr val="bg1"/>
+              </a:solidFill>
+              <a:latin typeface="Comic Sans MS" panose="030F0902030302020204" pitchFamily="66" charset="0"/>
+            </a:endParaRPr>
+          </a:p>
+          <a:p>
+            <a:pPr algn="l"/>
+            <a:endParaRPr lang="en-US" sz="1400" dirty="0">
+              <a:solidFill>
+                <a:schemeClr val="bg1"/>
+              </a:solidFill>
+              <a:latin typeface="Comic Sans MS" panose="030F0902030302020204" pitchFamily="66" charset="0"/>
+            </a:endParaRPr>
+          </a:p>
+          <a:p>
+            <a:pPr algn="l"/>
+            <a:endParaRPr lang="en-US" sz="1400" dirty="0">
+              <a:solidFill>
+                <a:schemeClr val="bg1"/>
+              </a:solidFill>
+              <a:latin typeface="Comic Sans MS" panose="030F0902030302020204" pitchFamily="66" charset="0"/>
+            </a:endParaRPr>
+          </a:p>
+          <a:p>
+            <a:pPr algn="l"/>
+            <a:endParaRPr lang="en-US" sz="1400" dirty="0">
+              <a:solidFill>
+                <a:schemeClr val="bg1"/>
+              </a:solidFill>
+              <a:latin typeface="Comic Sans MS" panose="030F0902030302020204" pitchFamily="66" charset="0"/>
+            </a:endParaRPr>
+          </a:p>
+          <a:p>
+            <a:pPr algn="l"/>
+            <a:endParaRPr lang="en-US" sz="1400" dirty="0">
+              <a:solidFill>
+                <a:schemeClr val="bg1"/>
+              </a:solidFill>
+              <a:latin typeface="Comic Sans MS" panose="030F0902030302020204" pitchFamily="66" charset="0"/>
+            </a:endParaRPr>
+          </a:p>
+          <a:p>
+            <a:pPr algn="l"/>
+            <a:endParaRPr lang="en-US" sz="1400" dirty="0">
+              <a:solidFill>
+                <a:schemeClr val="bg1"/>
+              </a:solidFill>
+              <a:latin typeface="Comic Sans MS" panose="030F0902030302020204" pitchFamily="66" charset="0"/>
+            </a:endParaRPr>
+          </a:p>
+          <a:p>
+            <a:pPr algn="l"/>
+            <a:endParaRPr lang="en-US" sz="1400" dirty="0">
+              <a:solidFill>
+                <a:schemeClr val="bg1"/>
+              </a:solidFill>
+              <a:latin typeface="Comic Sans MS" panose="030F0902030302020204" pitchFamily="66" charset="0"/>
+            </a:endParaRPr>
+          </a:p>
+          <a:p>
+            <a:pPr algn="l"/>
+            <a:endParaRPr lang="en-US" sz="1400" dirty="0">
+              <a:solidFill>
+                <a:schemeClr val="bg1"/>
+              </a:solidFill>
+              <a:latin typeface="Comic Sans MS" panose="030F0902030302020204" pitchFamily="66" charset="0"/>
+            </a:endParaRPr>
+          </a:p>
+          <a:p>
+            <a:pPr algn="l"/>
+            <a:endParaRPr lang="en-US" sz="1400" dirty="0">
+              <a:solidFill>
+                <a:schemeClr val="bg1"/>
+              </a:solidFill>
+              <a:latin typeface="Comic Sans MS" panose="030F0902030302020204" pitchFamily="66" charset="0"/>
+            </a:endParaRPr>
+          </a:p>
+          <a:p>
+            <a:pPr algn="l"/>
+            <a:endParaRPr lang="en-US" sz="1400" dirty="0">
+              <a:solidFill>
+                <a:schemeClr val="bg1"/>
+              </a:solidFill>
+              <a:latin typeface="Comic Sans MS" panose="030F0902030302020204" pitchFamily="66" charset="0"/>
+            </a:endParaRPr>
+          </a:p>
+          <a:p>
+            <a:pPr algn="l"/>
+            <a:endParaRPr lang="en-US" sz="1400" dirty="0">
+              <a:solidFill>
+                <a:schemeClr val="bg1"/>
+              </a:solidFill>
+              <a:latin typeface="Comic Sans MS" panose="030F0902030302020204" pitchFamily="66" charset="0"/>
+            </a:endParaRPr>
+          </a:p>
+        </p:txBody>
+      </p:sp>
+      <p:sp>
+        <p:nvSpPr>
+          <p:cNvPr id="2" name="TextBox 1">
+            <a:extLst>
+              <a:ext uri="{FF2B5EF4-FFF2-40B4-BE49-F238E27FC236}">
+                <a16:creationId xmlns:a16="http://schemas.microsoft.com/office/drawing/2014/main" id="{221DED5B-F56B-0F43-A308-4F2DD034B5B7}"/>
+              </a:ext>
+            </a:extLst>
+          </p:cNvPr>
+          <p:cNvSpPr txBox="1"/>
+          <p:nvPr/>
+        </p:nvSpPr>
+        <p:spPr>
+          <a:xfrm>
+            <a:off x="1253996" y="1266033"/>
+            <a:ext cx="1685077" cy="338554"/>
+          </a:xfrm>
+          <a:prstGeom prst="rect">
+            <a:avLst/>
+          </a:prstGeom>
+          <a:noFill/>
+        </p:spPr>
+        <p:txBody>
+          <a:bodyPr wrap="none" rtlCol="0">
+            <a:spAutoFit/>
+          </a:bodyPr>
+          <a:lstStyle/>
+          <a:p>
+            <a:r>
+              <a:rPr lang="en-US" sz="1600" b="1" dirty="0">
+                <a:solidFill>
+                  <a:schemeClr val="bg1"/>
+                </a:solidFill>
+                <a:latin typeface="Comic Sans MS" panose="030F0902030302020204" pitchFamily="66" charset="0"/>
+              </a:rPr>
+              <a:t>Items for Sale</a:t>
+            </a:r>
+          </a:p>
+        </p:txBody>
+      </p:sp>
+      <p:sp>
+        <p:nvSpPr>
+          <p:cNvPr id="7" name="TextBox 6">
+            <a:extLst>
+              <a:ext uri="{FF2B5EF4-FFF2-40B4-BE49-F238E27FC236}">
+                <a16:creationId xmlns:a16="http://schemas.microsoft.com/office/drawing/2014/main" id="{F3573DF9-457D-7948-8B22-DB5337292FA7}"/>
+              </a:ext>
+            </a:extLst>
+          </p:cNvPr>
+          <p:cNvSpPr txBox="1"/>
+          <p:nvPr/>
+        </p:nvSpPr>
+        <p:spPr>
+          <a:xfrm>
+            <a:off x="1784068" y="292529"/>
+            <a:ext cx="2149948" cy="276999"/>
+          </a:xfrm>
+          <a:prstGeom prst="rect">
+            <a:avLst/>
+          </a:prstGeom>
+          <a:noFill/>
+        </p:spPr>
+        <p:txBody>
+          <a:bodyPr wrap="none" rtlCol="0">
+            <a:spAutoFit/>
+          </a:bodyPr>
+          <a:lstStyle/>
+          <a:p>
+            <a:r>
+              <a:rPr lang="en-US" sz="1200" dirty="0" err="1">
+                <a:solidFill>
+                  <a:schemeClr val="bg1"/>
+                </a:solidFill>
+                <a:latin typeface="Comic Sans MS" panose="030F0902030302020204" pitchFamily="66" charset="0"/>
+              </a:rPr>
+              <a:t>SellbackMart</a:t>
+            </a:r>
+            <a:r>
+              <a:rPr lang="en-US" sz="1200" dirty="0">
+                <a:solidFill>
+                  <a:schemeClr val="bg1"/>
+                </a:solidFill>
+                <a:latin typeface="Comic Sans MS" panose="030F0902030302020204" pitchFamily="66" charset="0"/>
+              </a:rPr>
+              <a:t>-Item Catalog</a:t>
+            </a:r>
+          </a:p>
+        </p:txBody>
+      </p:sp>
+      <p:sp>
+        <p:nvSpPr>
+          <p:cNvPr id="8" name="TextBox 7">
+            <a:extLst>
+              <a:ext uri="{FF2B5EF4-FFF2-40B4-BE49-F238E27FC236}">
+                <a16:creationId xmlns:a16="http://schemas.microsoft.com/office/drawing/2014/main" id="{49DF0299-C639-944C-9F0E-91BE71AC7E52}"/>
+              </a:ext>
+            </a:extLst>
+          </p:cNvPr>
+          <p:cNvSpPr txBox="1"/>
+          <p:nvPr/>
+        </p:nvSpPr>
+        <p:spPr>
+          <a:xfrm>
+            <a:off x="2233351" y="581403"/>
+            <a:ext cx="2353529" cy="276999"/>
+          </a:xfrm>
+          <a:prstGeom prst="rect">
+            <a:avLst/>
+          </a:prstGeom>
+          <a:noFill/>
+        </p:spPr>
+        <p:txBody>
+          <a:bodyPr wrap="none" rtlCol="0">
+            <a:spAutoFit/>
+          </a:bodyPr>
+          <a:lstStyle/>
+          <a:p>
+            <a:r>
+              <a:rPr lang="en-US" sz="1200" dirty="0">
+                <a:solidFill>
+                  <a:schemeClr val="bg1"/>
+                </a:solidFill>
+                <a:latin typeface="Comic Sans MS" panose="030F0902030302020204" pitchFamily="66" charset="0"/>
+              </a:rPr>
+              <a:t>http://localhost:3000/catalog</a:t>
+            </a:r>
+          </a:p>
+        </p:txBody>
+      </p:sp>
+      <p:sp>
+        <p:nvSpPr>
+          <p:cNvPr id="4" name="TextBox 3">
+            <a:extLst>
+              <a:ext uri="{FF2B5EF4-FFF2-40B4-BE49-F238E27FC236}">
+                <a16:creationId xmlns:a16="http://schemas.microsoft.com/office/drawing/2014/main" id="{32820AB9-7CA6-8F41-A812-9F4C46331562}"/>
+              </a:ext>
+            </a:extLst>
+          </p:cNvPr>
+          <p:cNvSpPr txBox="1"/>
+          <p:nvPr/>
+        </p:nvSpPr>
+        <p:spPr>
+          <a:xfrm>
+            <a:off x="3608875" y="2684524"/>
+            <a:ext cx="1686456" cy="1169551"/>
+          </a:xfrm>
+          <a:prstGeom prst="rect">
+            <a:avLst/>
+          </a:prstGeom>
+          <a:noFill/>
+          <a:ln>
+            <a:solidFill>
+              <a:schemeClr val="bg1"/>
+            </a:solidFill>
+          </a:ln>
+        </p:spPr>
+        <p:txBody>
+          <a:bodyPr wrap="square" rtlCol="0">
+            <a:spAutoFit/>
+          </a:bodyPr>
+          <a:lstStyle/>
+          <a:p>
+            <a:pPr algn="l"/>
+            <a:r>
+              <a:rPr lang="en-US" sz="1400" i="1" dirty="0">
+                <a:solidFill>
+                  <a:schemeClr val="bg1"/>
+                </a:solidFill>
+                <a:latin typeface="Comic Sans MS" panose="030F0902030302020204" pitchFamily="66" charset="0"/>
+              </a:rPr>
+              <a:t>Title</a:t>
+            </a:r>
+          </a:p>
+          <a:p>
+            <a:pPr algn="l"/>
+            <a:r>
+              <a:rPr lang="en-US" sz="1400" i="1" dirty="0">
+                <a:solidFill>
+                  <a:schemeClr val="bg1"/>
+                </a:solidFill>
+                <a:latin typeface="Comic Sans MS" panose="030F0902030302020204" pitchFamily="66" charset="0"/>
+              </a:rPr>
+              <a:t>$$</a:t>
+            </a:r>
+          </a:p>
+          <a:p>
+            <a:pPr algn="l"/>
+            <a:r>
+              <a:rPr lang="en-US" sz="1400" i="1" dirty="0">
+                <a:solidFill>
+                  <a:schemeClr val="bg1"/>
+                </a:solidFill>
+                <a:latin typeface="Comic Sans MS" panose="030F0902030302020204" pitchFamily="66" charset="0"/>
+              </a:rPr>
+              <a:t>Seller</a:t>
+            </a:r>
+          </a:p>
+          <a:p>
+            <a:pPr algn="l"/>
+            <a:r>
+              <a:rPr lang="en-US" sz="1400" i="1" dirty="0">
+                <a:solidFill>
+                  <a:schemeClr val="bg1"/>
+                </a:solidFill>
+                <a:latin typeface="Comic Sans MS" panose="030F0902030302020204" pitchFamily="66" charset="0"/>
+              </a:rPr>
+              <a:t>Publication Date</a:t>
+            </a:r>
+          </a:p>
+          <a:p>
+            <a:pPr algn="l"/>
+            <a:r>
+              <a:rPr lang="en-US" sz="1400" i="1" dirty="0">
+                <a:solidFill>
+                  <a:schemeClr val="bg1"/>
+                </a:solidFill>
+                <a:latin typeface="Comic Sans MS" panose="030F0902030302020204" pitchFamily="66" charset="0"/>
+              </a:rPr>
+              <a:t>Status</a:t>
+            </a:r>
+          </a:p>
+        </p:txBody>
+      </p:sp>
+      <p:sp>
+        <p:nvSpPr>
+          <p:cNvPr id="15" name="TextBox 14">
+            <a:extLst>
+              <a:ext uri="{FF2B5EF4-FFF2-40B4-BE49-F238E27FC236}">
+                <a16:creationId xmlns:a16="http://schemas.microsoft.com/office/drawing/2014/main" id="{50DC85BE-E0FE-1D4B-A268-B6DD16A293AE}"/>
+              </a:ext>
+            </a:extLst>
+          </p:cNvPr>
+          <p:cNvSpPr txBox="1"/>
+          <p:nvPr/>
+        </p:nvSpPr>
+        <p:spPr>
+          <a:xfrm>
+            <a:off x="1253995" y="1709467"/>
+            <a:ext cx="1822045" cy="2246769"/>
+          </a:xfrm>
+          <a:prstGeom prst="rect">
+            <a:avLst/>
+          </a:prstGeom>
+          <a:noFill/>
+          <a:ln>
+            <a:solidFill>
+              <a:schemeClr val="bg1"/>
+            </a:solidFill>
+          </a:ln>
+        </p:spPr>
+        <p:txBody>
+          <a:bodyPr wrap="square" rtlCol="0">
+            <a:spAutoFit/>
+          </a:bodyPr>
+          <a:lstStyle/>
+          <a:p>
+            <a:pPr algn="l"/>
             <a:r>
               <a:rPr lang="en-US" sz="1400" b="1" dirty="0">
                 <a:solidFill>
@@ -20553,7 +25716,7 @@
                 </a:solidFill>
                 <a:latin typeface="Comic Sans MS" panose="030F0902030302020204" pitchFamily="66" charset="0"/>
               </a:rPr>
-              <a:t>Price</a:t>
+              <a:t>Key Word Search</a:t>
             </a:r>
           </a:p>
           <a:p>
@@ -20574,26 +25737,8 @@
                 </a:solidFill>
                 <a:latin typeface="Comic Sans MS" panose="030F0902030302020204" pitchFamily="66" charset="0"/>
               </a:rPr>
-              <a:t>Key Words</a:t>
-            </a:r>
-          </a:p>
-          <a:p>
-            <a:pPr algn="l"/>
-            <a:endParaRPr lang="en-US" sz="1400" dirty="0">
-              <a:solidFill>
-                <a:schemeClr val="bg1"/>
-              </a:solidFill>
-              <a:latin typeface="Comic Sans MS" panose="030F0902030302020204" pitchFamily="66" charset="0"/>
-            </a:endParaRPr>
-          </a:p>
-          <a:p>
-            <a:pPr algn="l"/>
-            <a:endParaRPr lang="en-US" sz="1400" dirty="0">
-              <a:solidFill>
-                <a:schemeClr val="bg1"/>
-              </a:solidFill>
-              <a:latin typeface="Comic Sans MS" panose="030F0902030302020204" pitchFamily="66" charset="0"/>
-            </a:endParaRPr>
+              <a:t>Include sold items?</a:t>
+            </a:r>
           </a:p>
           <a:p>
             <a:pPr algn="l"/>
@@ -20675,88 +25820,6 @@
       </p:sp>
       <p:sp>
         <p:nvSpPr>
-          <p:cNvPr id="20" name="TextBox 19">
-            <a:extLst>
-              <a:ext uri="{FF2B5EF4-FFF2-40B4-BE49-F238E27FC236}">
-                <a16:creationId xmlns:a16="http://schemas.microsoft.com/office/drawing/2014/main" id="{85F0BA12-0219-4A4C-9A23-F57F00470D4D}"/>
-              </a:ext>
-            </a:extLst>
-          </p:cNvPr>
-          <p:cNvSpPr txBox="1"/>
-          <p:nvPr/>
-        </p:nvSpPr>
-        <p:spPr>
-          <a:xfrm>
-            <a:off x="5999507" y="2828647"/>
-            <a:ext cx="1686456" cy="954107"/>
-          </a:xfrm>
-          <a:prstGeom prst="rect">
-            <a:avLst/>
-          </a:prstGeom>
-          <a:noFill/>
-          <a:ln>
-            <a:solidFill>
-              <a:schemeClr val="bg1"/>
-            </a:solidFill>
-          </a:ln>
-        </p:spPr>
-        <p:txBody>
-          <a:bodyPr wrap="square" rtlCol="0">
-            <a:spAutoFit/>
-          </a:bodyPr>
-          <a:lstStyle/>
-          <a:p>
-            <a:pPr algn="l"/>
-            <a:r>
-              <a:rPr lang="en-US" sz="1400" i="1" dirty="0">
-                <a:solidFill>
-                  <a:schemeClr val="bg1"/>
-                </a:solidFill>
-                <a:latin typeface="Comic Sans MS" panose="030F0902030302020204" pitchFamily="66" charset="0"/>
-              </a:rPr>
-              <a:t>Title</a:t>
-            </a:r>
-          </a:p>
-          <a:p>
-            <a:pPr algn="l"/>
-            <a:r>
-              <a:rPr lang="en-US" sz="1400" i="1" dirty="0">
-                <a:solidFill>
-                  <a:schemeClr val="bg1"/>
-                </a:solidFill>
-                <a:latin typeface="Comic Sans MS" panose="030F0902030302020204" pitchFamily="66" charset="0"/>
-              </a:rPr>
-              <a:t>$$</a:t>
-            </a:r>
-          </a:p>
-          <a:p>
-            <a:pPr algn="l"/>
-            <a:r>
-              <a:rPr lang="en-US" sz="1400" i="1" dirty="0">
-                <a:solidFill>
-                  <a:schemeClr val="bg1"/>
-                </a:solidFill>
-                <a:latin typeface="Comic Sans MS" panose="030F0902030302020204" pitchFamily="66" charset="0"/>
-              </a:rPr>
-              <a:t>Seller</a:t>
-            </a:r>
-          </a:p>
-          <a:p>
-            <a:pPr algn="l"/>
-            <a:r>
-              <a:rPr lang="en-US" sz="1400" i="1" dirty="0">
-                <a:solidFill>
-                  <a:schemeClr val="bg1"/>
-                </a:solidFill>
-                <a:latin typeface="Comic Sans MS" panose="030F0902030302020204" pitchFamily="66" charset="0"/>
-              </a:rPr>
-              <a:t>Publication Date</a:t>
-            </a:r>
-          </a:p>
-        </p:txBody>
-      </p:sp>
-      <p:sp>
-        <p:nvSpPr>
           <p:cNvPr id="21" name="Rectangle 20">
             <a:extLst>
               <a:ext uri="{FF2B5EF4-FFF2-40B4-BE49-F238E27FC236}">
@@ -20806,88 +25869,6 @@
       </p:sp>
       <p:sp>
         <p:nvSpPr>
-          <p:cNvPr id="22" name="TextBox 21">
-            <a:extLst>
-              <a:ext uri="{FF2B5EF4-FFF2-40B4-BE49-F238E27FC236}">
-                <a16:creationId xmlns:a16="http://schemas.microsoft.com/office/drawing/2014/main" id="{F981B8C4-EA28-6948-AC1C-98FE575D3876}"/>
-              </a:ext>
-            </a:extLst>
-          </p:cNvPr>
-          <p:cNvSpPr txBox="1"/>
-          <p:nvPr/>
-        </p:nvSpPr>
-        <p:spPr>
-          <a:xfrm>
-            <a:off x="8445690" y="2828647"/>
-            <a:ext cx="1686456" cy="954107"/>
-          </a:xfrm>
-          <a:prstGeom prst="rect">
-            <a:avLst/>
-          </a:prstGeom>
-          <a:noFill/>
-          <a:ln>
-            <a:solidFill>
-              <a:schemeClr val="bg1"/>
-            </a:solidFill>
-          </a:ln>
-        </p:spPr>
-        <p:txBody>
-          <a:bodyPr wrap="square" rtlCol="0">
-            <a:spAutoFit/>
-          </a:bodyPr>
-          <a:lstStyle/>
-          <a:p>
-            <a:pPr algn="l"/>
-            <a:r>
-              <a:rPr lang="en-US" sz="1400" i="1" dirty="0">
-                <a:solidFill>
-                  <a:schemeClr val="bg1"/>
-                </a:solidFill>
-                <a:latin typeface="Comic Sans MS" panose="030F0902030302020204" pitchFamily="66" charset="0"/>
-              </a:rPr>
-              <a:t>Title</a:t>
-            </a:r>
-          </a:p>
-          <a:p>
-            <a:pPr algn="l"/>
-            <a:r>
-              <a:rPr lang="en-US" sz="1400" i="1" dirty="0">
-                <a:solidFill>
-                  <a:schemeClr val="bg1"/>
-                </a:solidFill>
-                <a:latin typeface="Comic Sans MS" panose="030F0902030302020204" pitchFamily="66" charset="0"/>
-              </a:rPr>
-              <a:t>$$</a:t>
-            </a:r>
-          </a:p>
-          <a:p>
-            <a:pPr algn="l"/>
-            <a:r>
-              <a:rPr lang="en-US" sz="1400" i="1" dirty="0">
-                <a:solidFill>
-                  <a:schemeClr val="bg1"/>
-                </a:solidFill>
-                <a:latin typeface="Comic Sans MS" panose="030F0902030302020204" pitchFamily="66" charset="0"/>
-              </a:rPr>
-              <a:t>Seller</a:t>
-            </a:r>
-          </a:p>
-          <a:p>
-            <a:pPr algn="l"/>
-            <a:r>
-              <a:rPr lang="en-US" sz="1400" i="1" dirty="0">
-                <a:solidFill>
-                  <a:schemeClr val="bg1"/>
-                </a:solidFill>
-                <a:latin typeface="Comic Sans MS" panose="030F0902030302020204" pitchFamily="66" charset="0"/>
-              </a:rPr>
-              <a:t>Publication Date</a:t>
-            </a:r>
-          </a:p>
-        </p:txBody>
-      </p:sp>
-      <p:sp>
-        <p:nvSpPr>
           <p:cNvPr id="23" name="Rectangle 22">
             <a:extLst>
               <a:ext uri="{FF2B5EF4-FFF2-40B4-BE49-F238E27FC236}">
@@ -20937,88 +25918,6 @@
       </p:sp>
       <p:sp>
         <p:nvSpPr>
-          <p:cNvPr id="24" name="TextBox 23">
-            <a:extLst>
-              <a:ext uri="{FF2B5EF4-FFF2-40B4-BE49-F238E27FC236}">
-                <a16:creationId xmlns:a16="http://schemas.microsoft.com/office/drawing/2014/main" id="{B8669C60-76C6-2140-B42C-6B1F4F2D42B4}"/>
-              </a:ext>
-            </a:extLst>
-          </p:cNvPr>
-          <p:cNvSpPr txBox="1"/>
-          <p:nvPr/>
-        </p:nvSpPr>
-        <p:spPr>
-          <a:xfrm>
-            <a:off x="3608875" y="5696952"/>
-            <a:ext cx="1686456" cy="954107"/>
-          </a:xfrm>
-          <a:prstGeom prst="rect">
-            <a:avLst/>
-          </a:prstGeom>
-          <a:noFill/>
-          <a:ln>
-            <a:solidFill>
-              <a:schemeClr val="bg1"/>
-            </a:solidFill>
-          </a:ln>
-        </p:spPr>
-        <p:txBody>
-          <a:bodyPr wrap="square" rtlCol="0">
-            <a:spAutoFit/>
-          </a:bodyPr>
-          <a:lstStyle/>
-          <a:p>
-            <a:pPr algn="l"/>
-            <a:r>
-              <a:rPr lang="en-US" sz="1400" i="1" dirty="0">
-                <a:solidFill>
-                  <a:schemeClr val="bg1"/>
-                </a:solidFill>
-                <a:latin typeface="Comic Sans MS" panose="030F0902030302020204" pitchFamily="66" charset="0"/>
-              </a:rPr>
-              <a:t>Title</a:t>
-            </a:r>
-          </a:p>
-          <a:p>
-            <a:pPr algn="l"/>
-            <a:r>
-              <a:rPr lang="en-US" sz="1400" i="1" dirty="0">
-                <a:solidFill>
-                  <a:schemeClr val="bg1"/>
-                </a:solidFill>
-                <a:latin typeface="Comic Sans MS" panose="030F0902030302020204" pitchFamily="66" charset="0"/>
-              </a:rPr>
-              <a:t>$$</a:t>
-            </a:r>
-          </a:p>
-          <a:p>
-            <a:pPr algn="l"/>
-            <a:r>
-              <a:rPr lang="en-US" sz="1400" i="1" dirty="0">
-                <a:solidFill>
-                  <a:schemeClr val="bg1"/>
-                </a:solidFill>
-                <a:latin typeface="Comic Sans MS" panose="030F0902030302020204" pitchFamily="66" charset="0"/>
-              </a:rPr>
-              <a:t>Seller</a:t>
-            </a:r>
-          </a:p>
-          <a:p>
-            <a:pPr algn="l"/>
-            <a:r>
-              <a:rPr lang="en-US" sz="1400" i="1" dirty="0">
-                <a:solidFill>
-                  <a:schemeClr val="bg1"/>
-                </a:solidFill>
-                <a:latin typeface="Comic Sans MS" panose="030F0902030302020204" pitchFamily="66" charset="0"/>
-              </a:rPr>
-              <a:t>Publication Date</a:t>
-            </a:r>
-          </a:p>
-        </p:txBody>
-      </p:sp>
-      <p:sp>
-        <p:nvSpPr>
           <p:cNvPr id="25" name="Rectangle 24">
             <a:extLst>
               <a:ext uri="{FF2B5EF4-FFF2-40B4-BE49-F238E27FC236}">
@@ -21068,88 +25967,6 @@
       </p:sp>
       <p:sp>
         <p:nvSpPr>
-          <p:cNvPr id="26" name="TextBox 25">
-            <a:extLst>
-              <a:ext uri="{FF2B5EF4-FFF2-40B4-BE49-F238E27FC236}">
-                <a16:creationId xmlns:a16="http://schemas.microsoft.com/office/drawing/2014/main" id="{2111CB14-445C-1148-A482-F6A0A40F244E}"/>
-              </a:ext>
-            </a:extLst>
-          </p:cNvPr>
-          <p:cNvSpPr txBox="1"/>
-          <p:nvPr/>
-        </p:nvSpPr>
-        <p:spPr>
-          <a:xfrm>
-            <a:off x="5999507" y="5742138"/>
-            <a:ext cx="1686456" cy="954107"/>
-          </a:xfrm>
-          <a:prstGeom prst="rect">
-            <a:avLst/>
-          </a:prstGeom>
-          <a:noFill/>
-          <a:ln>
-            <a:solidFill>
-              <a:schemeClr val="bg1"/>
-            </a:solidFill>
-          </a:ln>
-        </p:spPr>
-        <p:txBody>
-          <a:bodyPr wrap="square" rtlCol="0">
-            <a:spAutoFit/>
-          </a:bodyPr>
-          <a:lstStyle/>
-          <a:p>
-            <a:pPr algn="l"/>
-            <a:r>
-              <a:rPr lang="en-US" sz="1400" i="1" dirty="0">
-                <a:solidFill>
-                  <a:schemeClr val="bg1"/>
-                </a:solidFill>
-                <a:latin typeface="Comic Sans MS" panose="030F0902030302020204" pitchFamily="66" charset="0"/>
-              </a:rPr>
-              <a:t>Title</a:t>
-            </a:r>
-          </a:p>
-          <a:p>
-            <a:pPr algn="l"/>
-            <a:r>
-              <a:rPr lang="en-US" sz="1400" i="1" dirty="0">
-                <a:solidFill>
-                  <a:schemeClr val="bg1"/>
-                </a:solidFill>
-                <a:latin typeface="Comic Sans MS" panose="030F0902030302020204" pitchFamily="66" charset="0"/>
-              </a:rPr>
-              <a:t>$$</a:t>
-            </a:r>
-          </a:p>
-          <a:p>
-            <a:pPr algn="l"/>
-            <a:r>
-              <a:rPr lang="en-US" sz="1400" i="1" dirty="0">
-                <a:solidFill>
-                  <a:schemeClr val="bg1"/>
-                </a:solidFill>
-                <a:latin typeface="Comic Sans MS" panose="030F0902030302020204" pitchFamily="66" charset="0"/>
-              </a:rPr>
-              <a:t>Seller</a:t>
-            </a:r>
-          </a:p>
-          <a:p>
-            <a:pPr algn="l"/>
-            <a:r>
-              <a:rPr lang="en-US" sz="1400" i="1" dirty="0">
-                <a:solidFill>
-                  <a:schemeClr val="bg1"/>
-                </a:solidFill>
-                <a:latin typeface="Comic Sans MS" panose="030F0902030302020204" pitchFamily="66" charset="0"/>
-              </a:rPr>
-              <a:t>Publication Date</a:t>
-            </a:r>
-          </a:p>
-        </p:txBody>
-      </p:sp>
-      <p:sp>
-        <p:nvSpPr>
           <p:cNvPr id="27" name="Rectangle 26">
             <a:extLst>
               <a:ext uri="{FF2B5EF4-FFF2-40B4-BE49-F238E27FC236}">
@@ -21162,7 +25979,7 @@
         </p:nvSpPr>
         <p:spPr>
           <a:xfrm>
-            <a:off x="5999507" y="4518078"/>
+            <a:off x="6012663" y="4481966"/>
             <a:ext cx="1686456" cy="1056726"/>
           </a:xfrm>
           <a:prstGeom prst="rect">
@@ -21199,221 +26016,6 @@
       </p:sp>
       <p:sp>
         <p:nvSpPr>
-          <p:cNvPr id="30" name="TextBox 29">
-            <a:extLst>
-              <a:ext uri="{FF2B5EF4-FFF2-40B4-BE49-F238E27FC236}">
-                <a16:creationId xmlns:a16="http://schemas.microsoft.com/office/drawing/2014/main" id="{50DC85BE-E0FE-1D4B-A268-B6DD16A293AE}"/>
-              </a:ext>
-            </a:extLst>
-          </p:cNvPr>
-          <p:cNvSpPr txBox="1"/>
-          <p:nvPr/>
-        </p:nvSpPr>
-        <p:spPr>
-          <a:xfrm>
-            <a:off x="3500787" y="1459039"/>
-            <a:ext cx="1903617" cy="2462213"/>
-          </a:xfrm>
-          <a:prstGeom prst="rect">
-            <a:avLst/>
-          </a:prstGeom>
-          <a:noFill/>
-          <a:ln>
-            <a:solidFill>
-              <a:schemeClr val="bg1"/>
-            </a:solidFill>
-          </a:ln>
-        </p:spPr>
-        <p:txBody>
-          <a:bodyPr wrap="square" rtlCol="0">
-            <a:spAutoFit/>
-          </a:bodyPr>
-          <a:lstStyle/>
-          <a:p>
-            <a:pPr algn="l"/>
-            <a:endParaRPr lang="en-US" sz="1400" dirty="0">
-              <a:solidFill>
-                <a:schemeClr val="bg1"/>
-              </a:solidFill>
-              <a:latin typeface="Comic Sans MS" panose="030F0902030302020204" pitchFamily="66" charset="0"/>
-            </a:endParaRPr>
-          </a:p>
-          <a:p>
-            <a:pPr algn="l"/>
-            <a:endParaRPr lang="en-US" sz="1400" dirty="0">
-              <a:solidFill>
-                <a:schemeClr val="bg1"/>
-              </a:solidFill>
-              <a:latin typeface="Comic Sans MS" panose="030F0902030302020204" pitchFamily="66" charset="0"/>
-            </a:endParaRPr>
-          </a:p>
-          <a:p>
-            <a:pPr algn="l"/>
-            <a:endParaRPr lang="en-US" sz="1400" dirty="0">
-              <a:solidFill>
-                <a:schemeClr val="bg1"/>
-              </a:solidFill>
-              <a:latin typeface="Comic Sans MS" panose="030F0902030302020204" pitchFamily="66" charset="0"/>
-            </a:endParaRPr>
-          </a:p>
-          <a:p>
-            <a:pPr algn="l"/>
-            <a:endParaRPr lang="en-US" sz="1400" dirty="0">
-              <a:solidFill>
-                <a:schemeClr val="bg1"/>
-              </a:solidFill>
-              <a:latin typeface="Comic Sans MS" panose="030F0902030302020204" pitchFamily="66" charset="0"/>
-            </a:endParaRPr>
-          </a:p>
-          <a:p>
-            <a:pPr algn="l"/>
-            <a:endParaRPr lang="en-US" sz="1400" dirty="0">
-              <a:solidFill>
-                <a:schemeClr val="bg1"/>
-              </a:solidFill>
-              <a:latin typeface="Comic Sans MS" panose="030F0902030302020204" pitchFamily="66" charset="0"/>
-            </a:endParaRPr>
-          </a:p>
-          <a:p>
-            <a:pPr algn="l"/>
-            <a:endParaRPr lang="en-US" sz="1400" dirty="0">
-              <a:solidFill>
-                <a:schemeClr val="bg1"/>
-              </a:solidFill>
-              <a:latin typeface="Comic Sans MS" panose="030F0902030302020204" pitchFamily="66" charset="0"/>
-            </a:endParaRPr>
-          </a:p>
-          <a:p>
-            <a:pPr algn="l"/>
-            <a:endParaRPr lang="en-US" sz="1400" dirty="0">
-              <a:solidFill>
-                <a:schemeClr val="bg1"/>
-              </a:solidFill>
-              <a:latin typeface="Comic Sans MS" panose="030F0902030302020204" pitchFamily="66" charset="0"/>
-            </a:endParaRPr>
-          </a:p>
-          <a:p>
-            <a:pPr algn="l"/>
-            <a:endParaRPr lang="en-US" sz="1400" dirty="0">
-              <a:solidFill>
-                <a:schemeClr val="bg1"/>
-              </a:solidFill>
-              <a:latin typeface="Comic Sans MS" panose="030F0902030302020204" pitchFamily="66" charset="0"/>
-            </a:endParaRPr>
-          </a:p>
-          <a:p>
-            <a:pPr algn="l"/>
-            <a:endParaRPr lang="en-US" sz="1400" dirty="0">
-              <a:solidFill>
-                <a:schemeClr val="bg1"/>
-              </a:solidFill>
-              <a:latin typeface="Comic Sans MS" panose="030F0902030302020204" pitchFamily="66" charset="0"/>
-            </a:endParaRPr>
-          </a:p>
-          <a:p>
-            <a:pPr algn="l"/>
-            <a:endParaRPr lang="en-US" sz="1400" dirty="0">
-              <a:solidFill>
-                <a:schemeClr val="bg1"/>
-              </a:solidFill>
-              <a:latin typeface="Comic Sans MS" panose="030F0902030302020204" pitchFamily="66" charset="0"/>
-            </a:endParaRPr>
-          </a:p>
-          <a:p>
-            <a:pPr algn="l"/>
-            <a:endParaRPr lang="en-US" sz="1400" dirty="0">
-              <a:solidFill>
-                <a:schemeClr val="bg1"/>
-              </a:solidFill>
-              <a:latin typeface="Comic Sans MS" panose="030F0902030302020204" pitchFamily="66" charset="0"/>
-            </a:endParaRPr>
-          </a:p>
-        </p:txBody>
-      </p:sp>
-      <p:sp>
-        <p:nvSpPr>
-          <p:cNvPr id="28" name="TextBox 27">
-            <a:extLst>
-              <a:ext uri="{FF2B5EF4-FFF2-40B4-BE49-F238E27FC236}">
-                <a16:creationId xmlns:a16="http://schemas.microsoft.com/office/drawing/2014/main" id="{C80D794F-CECE-4842-82CD-7950608C0D33}"/>
-              </a:ext>
-            </a:extLst>
-          </p:cNvPr>
-          <p:cNvSpPr txBox="1"/>
-          <p:nvPr/>
-        </p:nvSpPr>
-        <p:spPr>
-          <a:xfrm>
-            <a:off x="8390139" y="5696493"/>
-            <a:ext cx="1686456" cy="954107"/>
-          </a:xfrm>
-          <a:prstGeom prst="rect">
-            <a:avLst/>
-          </a:prstGeom>
-          <a:noFill/>
-          <a:ln>
-            <a:solidFill>
-              <a:schemeClr val="bg1"/>
-            </a:solidFill>
-          </a:ln>
-        </p:spPr>
-        <p:txBody>
-          <a:bodyPr wrap="square" rtlCol="0">
-            <a:spAutoFit/>
-          </a:bodyPr>
-          <a:lstStyle/>
-          <a:p>
-            <a:pPr algn="l"/>
-            <a:r>
-              <a:rPr lang="en-US" sz="1400" i="1" dirty="0">
-                <a:solidFill>
-                  <a:schemeClr val="bg1"/>
-                </a:solidFill>
-                <a:latin typeface="Comic Sans MS" panose="030F0902030302020204" pitchFamily="66" charset="0"/>
-              </a:rPr>
-              <a:t>Title</a:t>
-            </a:r>
-          </a:p>
-          <a:p>
-            <a:pPr algn="l"/>
-            <a:r>
-              <a:rPr lang="en-US" sz="1400" i="1" dirty="0">
-                <a:solidFill>
-                  <a:schemeClr val="bg1"/>
-                </a:solidFill>
-                <a:latin typeface="Comic Sans MS" panose="030F0902030302020204" pitchFamily="66" charset="0"/>
-              </a:rPr>
-              <a:t>$$</a:t>
-            </a:r>
-          </a:p>
-          <a:p>
-            <a:pPr algn="l"/>
-            <a:r>
-              <a:rPr lang="en-US" sz="1400" i="1" dirty="0">
-                <a:solidFill>
-                  <a:schemeClr val="bg1"/>
-                </a:solidFill>
-                <a:latin typeface="Comic Sans MS" panose="030F0902030302020204" pitchFamily="66" charset="0"/>
-              </a:rPr>
-              <a:t>Seller</a:t>
-            </a:r>
-          </a:p>
-          <a:p>
-            <a:pPr algn="l"/>
-            <a:r>
-              <a:rPr lang="en-US" sz="1400" i="1" dirty="0">
-                <a:solidFill>
-                  <a:schemeClr val="bg1"/>
-                </a:solidFill>
-                <a:latin typeface="Comic Sans MS" panose="030F0902030302020204" pitchFamily="66" charset="0"/>
-              </a:rPr>
-              <a:t>Publication Date</a:t>
-            </a:r>
-          </a:p>
-        </p:txBody>
-      </p:sp>
-      <p:sp>
-        <p:nvSpPr>
           <p:cNvPr id="29" name="Rectangle 28">
             <a:extLst>
               <a:ext uri="{FF2B5EF4-FFF2-40B4-BE49-F238E27FC236}">
@@ -21463,671 +26065,6 @@
       </p:sp>
       <p:sp>
         <p:nvSpPr>
-          <p:cNvPr id="32" name="TextBox 31">
-            <a:extLst>
-              <a:ext uri="{FF2B5EF4-FFF2-40B4-BE49-F238E27FC236}">
-                <a16:creationId xmlns:a16="http://schemas.microsoft.com/office/drawing/2014/main" id="{50DC85BE-E0FE-1D4B-A268-B6DD16A293AE}"/>
-              </a:ext>
-            </a:extLst>
-          </p:cNvPr>
-          <p:cNvSpPr txBox="1"/>
-          <p:nvPr/>
-        </p:nvSpPr>
-        <p:spPr>
-          <a:xfrm>
-            <a:off x="5904929" y="1445529"/>
-            <a:ext cx="1903617" cy="2462213"/>
-          </a:xfrm>
-          <a:prstGeom prst="rect">
-            <a:avLst/>
-          </a:prstGeom>
-          <a:noFill/>
-          <a:ln>
-            <a:solidFill>
-              <a:schemeClr val="bg1"/>
-            </a:solidFill>
-          </a:ln>
-        </p:spPr>
-        <p:txBody>
-          <a:bodyPr wrap="square" rtlCol="0">
-            <a:spAutoFit/>
-          </a:bodyPr>
-          <a:lstStyle/>
-          <a:p>
-            <a:pPr algn="l"/>
-            <a:endParaRPr lang="en-US" sz="1400" dirty="0">
-              <a:solidFill>
-                <a:schemeClr val="bg1"/>
-              </a:solidFill>
-              <a:latin typeface="Comic Sans MS" panose="030F0902030302020204" pitchFamily="66" charset="0"/>
-            </a:endParaRPr>
-          </a:p>
-          <a:p>
-            <a:pPr algn="l"/>
-            <a:endParaRPr lang="en-US" sz="1400" dirty="0">
-              <a:solidFill>
-                <a:schemeClr val="bg1"/>
-              </a:solidFill>
-              <a:latin typeface="Comic Sans MS" panose="030F0902030302020204" pitchFamily="66" charset="0"/>
-            </a:endParaRPr>
-          </a:p>
-          <a:p>
-            <a:pPr algn="l"/>
-            <a:endParaRPr lang="en-US" sz="1400" dirty="0">
-              <a:solidFill>
-                <a:schemeClr val="bg1"/>
-              </a:solidFill>
-              <a:latin typeface="Comic Sans MS" panose="030F0902030302020204" pitchFamily="66" charset="0"/>
-            </a:endParaRPr>
-          </a:p>
-          <a:p>
-            <a:pPr algn="l"/>
-            <a:endParaRPr lang="en-US" sz="1400" dirty="0">
-              <a:solidFill>
-                <a:schemeClr val="bg1"/>
-              </a:solidFill>
-              <a:latin typeface="Comic Sans MS" panose="030F0902030302020204" pitchFamily="66" charset="0"/>
-            </a:endParaRPr>
-          </a:p>
-          <a:p>
-            <a:pPr algn="l"/>
-            <a:endParaRPr lang="en-US" sz="1400" dirty="0">
-              <a:solidFill>
-                <a:schemeClr val="bg1"/>
-              </a:solidFill>
-              <a:latin typeface="Comic Sans MS" panose="030F0902030302020204" pitchFamily="66" charset="0"/>
-            </a:endParaRPr>
-          </a:p>
-          <a:p>
-            <a:pPr algn="l"/>
-            <a:endParaRPr lang="en-US" sz="1400" dirty="0">
-              <a:solidFill>
-                <a:schemeClr val="bg1"/>
-              </a:solidFill>
-              <a:latin typeface="Comic Sans MS" panose="030F0902030302020204" pitchFamily="66" charset="0"/>
-            </a:endParaRPr>
-          </a:p>
-          <a:p>
-            <a:pPr algn="l"/>
-            <a:endParaRPr lang="en-US" sz="1400" dirty="0">
-              <a:solidFill>
-                <a:schemeClr val="bg1"/>
-              </a:solidFill>
-              <a:latin typeface="Comic Sans MS" panose="030F0902030302020204" pitchFamily="66" charset="0"/>
-            </a:endParaRPr>
-          </a:p>
-          <a:p>
-            <a:pPr algn="l"/>
-            <a:endParaRPr lang="en-US" sz="1400" dirty="0">
-              <a:solidFill>
-                <a:schemeClr val="bg1"/>
-              </a:solidFill>
-              <a:latin typeface="Comic Sans MS" panose="030F0902030302020204" pitchFamily="66" charset="0"/>
-            </a:endParaRPr>
-          </a:p>
-          <a:p>
-            <a:pPr algn="l"/>
-            <a:endParaRPr lang="en-US" sz="1400" dirty="0">
-              <a:solidFill>
-                <a:schemeClr val="bg1"/>
-              </a:solidFill>
-              <a:latin typeface="Comic Sans MS" panose="030F0902030302020204" pitchFamily="66" charset="0"/>
-            </a:endParaRPr>
-          </a:p>
-          <a:p>
-            <a:pPr algn="l"/>
-            <a:endParaRPr lang="en-US" sz="1400" dirty="0">
-              <a:solidFill>
-                <a:schemeClr val="bg1"/>
-              </a:solidFill>
-              <a:latin typeface="Comic Sans MS" panose="030F0902030302020204" pitchFamily="66" charset="0"/>
-            </a:endParaRPr>
-          </a:p>
-          <a:p>
-            <a:pPr algn="l"/>
-            <a:endParaRPr lang="en-US" sz="1400" dirty="0">
-              <a:solidFill>
-                <a:schemeClr val="bg1"/>
-              </a:solidFill>
-              <a:latin typeface="Comic Sans MS" panose="030F0902030302020204" pitchFamily="66" charset="0"/>
-            </a:endParaRPr>
-          </a:p>
-        </p:txBody>
-      </p:sp>
-      <p:sp>
-        <p:nvSpPr>
-          <p:cNvPr id="33" name="TextBox 32">
-            <a:extLst>
-              <a:ext uri="{FF2B5EF4-FFF2-40B4-BE49-F238E27FC236}">
-                <a16:creationId xmlns:a16="http://schemas.microsoft.com/office/drawing/2014/main" id="{50DC85BE-E0FE-1D4B-A268-B6DD16A293AE}"/>
-              </a:ext>
-            </a:extLst>
-          </p:cNvPr>
-          <p:cNvSpPr txBox="1"/>
-          <p:nvPr/>
-        </p:nvSpPr>
-        <p:spPr>
-          <a:xfrm>
-            <a:off x="8341380" y="1459039"/>
-            <a:ext cx="1903617" cy="2462213"/>
-          </a:xfrm>
-          <a:prstGeom prst="rect">
-            <a:avLst/>
-          </a:prstGeom>
-          <a:noFill/>
-          <a:ln>
-            <a:solidFill>
-              <a:schemeClr val="bg1"/>
-            </a:solidFill>
-          </a:ln>
-        </p:spPr>
-        <p:txBody>
-          <a:bodyPr wrap="square" rtlCol="0">
-            <a:spAutoFit/>
-          </a:bodyPr>
-          <a:lstStyle/>
-          <a:p>
-            <a:pPr algn="l"/>
-            <a:endParaRPr lang="en-US" sz="1400" dirty="0">
-              <a:solidFill>
-                <a:schemeClr val="bg1"/>
-              </a:solidFill>
-              <a:latin typeface="Comic Sans MS" panose="030F0902030302020204" pitchFamily="66" charset="0"/>
-            </a:endParaRPr>
-          </a:p>
-          <a:p>
-            <a:pPr algn="l"/>
-            <a:endParaRPr lang="en-US" sz="1400" dirty="0">
-              <a:solidFill>
-                <a:schemeClr val="bg1"/>
-              </a:solidFill>
-              <a:latin typeface="Comic Sans MS" panose="030F0902030302020204" pitchFamily="66" charset="0"/>
-            </a:endParaRPr>
-          </a:p>
-          <a:p>
-            <a:pPr algn="l"/>
-            <a:endParaRPr lang="en-US" sz="1400" dirty="0">
-              <a:solidFill>
-                <a:schemeClr val="bg1"/>
-              </a:solidFill>
-              <a:latin typeface="Comic Sans MS" panose="030F0902030302020204" pitchFamily="66" charset="0"/>
-            </a:endParaRPr>
-          </a:p>
-          <a:p>
-            <a:pPr algn="l"/>
-            <a:endParaRPr lang="en-US" sz="1400" dirty="0">
-              <a:solidFill>
-                <a:schemeClr val="bg1"/>
-              </a:solidFill>
-              <a:latin typeface="Comic Sans MS" panose="030F0902030302020204" pitchFamily="66" charset="0"/>
-            </a:endParaRPr>
-          </a:p>
-          <a:p>
-            <a:pPr algn="l"/>
-            <a:endParaRPr lang="en-US" sz="1400" dirty="0">
-              <a:solidFill>
-                <a:schemeClr val="bg1"/>
-              </a:solidFill>
-              <a:latin typeface="Comic Sans MS" panose="030F0902030302020204" pitchFamily="66" charset="0"/>
-            </a:endParaRPr>
-          </a:p>
-          <a:p>
-            <a:pPr algn="l"/>
-            <a:endParaRPr lang="en-US" sz="1400" dirty="0">
-              <a:solidFill>
-                <a:schemeClr val="bg1"/>
-              </a:solidFill>
-              <a:latin typeface="Comic Sans MS" panose="030F0902030302020204" pitchFamily="66" charset="0"/>
-            </a:endParaRPr>
-          </a:p>
-          <a:p>
-            <a:pPr algn="l"/>
-            <a:endParaRPr lang="en-US" sz="1400" dirty="0">
-              <a:solidFill>
-                <a:schemeClr val="bg1"/>
-              </a:solidFill>
-              <a:latin typeface="Comic Sans MS" panose="030F0902030302020204" pitchFamily="66" charset="0"/>
-            </a:endParaRPr>
-          </a:p>
-          <a:p>
-            <a:pPr algn="l"/>
-            <a:endParaRPr lang="en-US" sz="1400" dirty="0">
-              <a:solidFill>
-                <a:schemeClr val="bg1"/>
-              </a:solidFill>
-              <a:latin typeface="Comic Sans MS" panose="030F0902030302020204" pitchFamily="66" charset="0"/>
-            </a:endParaRPr>
-          </a:p>
-          <a:p>
-            <a:pPr algn="l"/>
-            <a:endParaRPr lang="en-US" sz="1400" dirty="0">
-              <a:solidFill>
-                <a:schemeClr val="bg1"/>
-              </a:solidFill>
-              <a:latin typeface="Comic Sans MS" panose="030F0902030302020204" pitchFamily="66" charset="0"/>
-            </a:endParaRPr>
-          </a:p>
-          <a:p>
-            <a:pPr algn="l"/>
-            <a:endParaRPr lang="en-US" sz="1400" dirty="0">
-              <a:solidFill>
-                <a:schemeClr val="bg1"/>
-              </a:solidFill>
-              <a:latin typeface="Comic Sans MS" panose="030F0902030302020204" pitchFamily="66" charset="0"/>
-            </a:endParaRPr>
-          </a:p>
-          <a:p>
-            <a:pPr algn="l"/>
-            <a:endParaRPr lang="en-US" sz="1400" dirty="0">
-              <a:solidFill>
-                <a:schemeClr val="bg1"/>
-              </a:solidFill>
-              <a:latin typeface="Comic Sans MS" panose="030F0902030302020204" pitchFamily="66" charset="0"/>
-            </a:endParaRPr>
-          </a:p>
-        </p:txBody>
-      </p:sp>
-      <p:sp>
-        <p:nvSpPr>
-          <p:cNvPr id="35" name="TextBox 34">
-            <a:extLst>
-              <a:ext uri="{FF2B5EF4-FFF2-40B4-BE49-F238E27FC236}">
-                <a16:creationId xmlns:a16="http://schemas.microsoft.com/office/drawing/2014/main" id="{50DC85BE-E0FE-1D4B-A268-B6DD16A293AE}"/>
-              </a:ext>
-            </a:extLst>
-          </p:cNvPr>
-          <p:cNvSpPr txBox="1"/>
-          <p:nvPr/>
-        </p:nvSpPr>
-        <p:spPr>
-          <a:xfrm>
-            <a:off x="8287336" y="4316776"/>
-            <a:ext cx="1903617" cy="2462213"/>
-          </a:xfrm>
-          <a:prstGeom prst="rect">
-            <a:avLst/>
-          </a:prstGeom>
-          <a:noFill/>
-          <a:ln>
-            <a:solidFill>
-              <a:schemeClr val="bg1"/>
-            </a:solidFill>
-          </a:ln>
-        </p:spPr>
-        <p:txBody>
-          <a:bodyPr wrap="square" rtlCol="0">
-            <a:spAutoFit/>
-          </a:bodyPr>
-          <a:lstStyle/>
-          <a:p>
-            <a:pPr algn="l"/>
-            <a:endParaRPr lang="en-US" sz="1400" dirty="0">
-              <a:solidFill>
-                <a:schemeClr val="bg1"/>
-              </a:solidFill>
-              <a:latin typeface="Comic Sans MS" panose="030F0902030302020204" pitchFamily="66" charset="0"/>
-            </a:endParaRPr>
-          </a:p>
-          <a:p>
-            <a:pPr algn="l"/>
-            <a:endParaRPr lang="en-US" sz="1400" dirty="0">
-              <a:solidFill>
-                <a:schemeClr val="bg1"/>
-              </a:solidFill>
-              <a:latin typeface="Comic Sans MS" panose="030F0902030302020204" pitchFamily="66" charset="0"/>
-            </a:endParaRPr>
-          </a:p>
-          <a:p>
-            <a:pPr algn="l"/>
-            <a:endParaRPr lang="en-US" sz="1400" dirty="0">
-              <a:solidFill>
-                <a:schemeClr val="bg1"/>
-              </a:solidFill>
-              <a:latin typeface="Comic Sans MS" panose="030F0902030302020204" pitchFamily="66" charset="0"/>
-            </a:endParaRPr>
-          </a:p>
-          <a:p>
-            <a:pPr algn="l"/>
-            <a:endParaRPr lang="en-US" sz="1400" dirty="0">
-              <a:solidFill>
-                <a:schemeClr val="bg1"/>
-              </a:solidFill>
-              <a:latin typeface="Comic Sans MS" panose="030F0902030302020204" pitchFamily="66" charset="0"/>
-            </a:endParaRPr>
-          </a:p>
-          <a:p>
-            <a:pPr algn="l"/>
-            <a:endParaRPr lang="en-US" sz="1400" dirty="0">
-              <a:solidFill>
-                <a:schemeClr val="bg1"/>
-              </a:solidFill>
-              <a:latin typeface="Comic Sans MS" panose="030F0902030302020204" pitchFamily="66" charset="0"/>
-            </a:endParaRPr>
-          </a:p>
-          <a:p>
-            <a:pPr algn="l"/>
-            <a:endParaRPr lang="en-US" sz="1400" dirty="0">
-              <a:solidFill>
-                <a:schemeClr val="bg1"/>
-              </a:solidFill>
-              <a:latin typeface="Comic Sans MS" panose="030F0902030302020204" pitchFamily="66" charset="0"/>
-            </a:endParaRPr>
-          </a:p>
-          <a:p>
-            <a:pPr algn="l"/>
-            <a:endParaRPr lang="en-US" sz="1400" dirty="0">
-              <a:solidFill>
-                <a:schemeClr val="bg1"/>
-              </a:solidFill>
-              <a:latin typeface="Comic Sans MS" panose="030F0902030302020204" pitchFamily="66" charset="0"/>
-            </a:endParaRPr>
-          </a:p>
-          <a:p>
-            <a:pPr algn="l"/>
-            <a:endParaRPr lang="en-US" sz="1400" dirty="0">
-              <a:solidFill>
-                <a:schemeClr val="bg1"/>
-              </a:solidFill>
-              <a:latin typeface="Comic Sans MS" panose="030F0902030302020204" pitchFamily="66" charset="0"/>
-            </a:endParaRPr>
-          </a:p>
-          <a:p>
-            <a:pPr algn="l"/>
-            <a:endParaRPr lang="en-US" sz="1400" dirty="0">
-              <a:solidFill>
-                <a:schemeClr val="bg1"/>
-              </a:solidFill>
-              <a:latin typeface="Comic Sans MS" panose="030F0902030302020204" pitchFamily="66" charset="0"/>
-            </a:endParaRPr>
-          </a:p>
-          <a:p>
-            <a:pPr algn="l"/>
-            <a:endParaRPr lang="en-US" sz="1400" dirty="0">
-              <a:solidFill>
-                <a:schemeClr val="bg1"/>
-              </a:solidFill>
-              <a:latin typeface="Comic Sans MS" panose="030F0902030302020204" pitchFamily="66" charset="0"/>
-            </a:endParaRPr>
-          </a:p>
-          <a:p>
-            <a:pPr algn="l"/>
-            <a:endParaRPr lang="en-US" sz="1400" dirty="0">
-              <a:solidFill>
-                <a:schemeClr val="bg1"/>
-              </a:solidFill>
-              <a:latin typeface="Comic Sans MS" panose="030F0902030302020204" pitchFamily="66" charset="0"/>
-            </a:endParaRPr>
-          </a:p>
-        </p:txBody>
-      </p:sp>
-      <p:sp>
-        <p:nvSpPr>
-          <p:cNvPr id="36" name="TextBox 35">
-            <a:extLst>
-              <a:ext uri="{FF2B5EF4-FFF2-40B4-BE49-F238E27FC236}">
-                <a16:creationId xmlns:a16="http://schemas.microsoft.com/office/drawing/2014/main" id="{50DC85BE-E0FE-1D4B-A268-B6DD16A293AE}"/>
-              </a:ext>
-            </a:extLst>
-          </p:cNvPr>
-          <p:cNvSpPr txBox="1"/>
-          <p:nvPr/>
-        </p:nvSpPr>
-        <p:spPr>
-          <a:xfrm>
-            <a:off x="5904929" y="4323751"/>
-            <a:ext cx="1903617" cy="2462213"/>
-          </a:xfrm>
-          <a:prstGeom prst="rect">
-            <a:avLst/>
-          </a:prstGeom>
-          <a:noFill/>
-          <a:ln>
-            <a:solidFill>
-              <a:schemeClr val="bg1"/>
-            </a:solidFill>
-          </a:ln>
-        </p:spPr>
-        <p:txBody>
-          <a:bodyPr wrap="square" rtlCol="0">
-            <a:spAutoFit/>
-          </a:bodyPr>
-          <a:lstStyle/>
-          <a:p>
-            <a:pPr algn="l"/>
-            <a:endParaRPr lang="en-US" sz="1400" dirty="0">
-              <a:solidFill>
-                <a:schemeClr val="bg1"/>
-              </a:solidFill>
-              <a:latin typeface="Comic Sans MS" panose="030F0902030302020204" pitchFamily="66" charset="0"/>
-            </a:endParaRPr>
-          </a:p>
-          <a:p>
-            <a:pPr algn="l"/>
-            <a:endParaRPr lang="en-US" sz="1400" dirty="0">
-              <a:solidFill>
-                <a:schemeClr val="bg1"/>
-              </a:solidFill>
-              <a:latin typeface="Comic Sans MS" panose="030F0902030302020204" pitchFamily="66" charset="0"/>
-            </a:endParaRPr>
-          </a:p>
-          <a:p>
-            <a:pPr algn="l"/>
-            <a:endParaRPr lang="en-US" sz="1400" dirty="0">
-              <a:solidFill>
-                <a:schemeClr val="bg1"/>
-              </a:solidFill>
-              <a:latin typeface="Comic Sans MS" panose="030F0902030302020204" pitchFamily="66" charset="0"/>
-            </a:endParaRPr>
-          </a:p>
-          <a:p>
-            <a:pPr algn="l"/>
-            <a:endParaRPr lang="en-US" sz="1400" dirty="0">
-              <a:solidFill>
-                <a:schemeClr val="bg1"/>
-              </a:solidFill>
-              <a:latin typeface="Comic Sans MS" panose="030F0902030302020204" pitchFamily="66" charset="0"/>
-            </a:endParaRPr>
-          </a:p>
-          <a:p>
-            <a:pPr algn="l"/>
-            <a:endParaRPr lang="en-US" sz="1400" dirty="0">
-              <a:solidFill>
-                <a:schemeClr val="bg1"/>
-              </a:solidFill>
-              <a:latin typeface="Comic Sans MS" panose="030F0902030302020204" pitchFamily="66" charset="0"/>
-            </a:endParaRPr>
-          </a:p>
-          <a:p>
-            <a:pPr algn="l"/>
-            <a:endParaRPr lang="en-US" sz="1400" dirty="0">
-              <a:solidFill>
-                <a:schemeClr val="bg1"/>
-              </a:solidFill>
-              <a:latin typeface="Comic Sans MS" panose="030F0902030302020204" pitchFamily="66" charset="0"/>
-            </a:endParaRPr>
-          </a:p>
-          <a:p>
-            <a:pPr algn="l"/>
-            <a:endParaRPr lang="en-US" sz="1400" dirty="0">
-              <a:solidFill>
-                <a:schemeClr val="bg1"/>
-              </a:solidFill>
-              <a:latin typeface="Comic Sans MS" panose="030F0902030302020204" pitchFamily="66" charset="0"/>
-            </a:endParaRPr>
-          </a:p>
-          <a:p>
-            <a:pPr algn="l"/>
-            <a:endParaRPr lang="en-US" sz="1400" dirty="0">
-              <a:solidFill>
-                <a:schemeClr val="bg1"/>
-              </a:solidFill>
-              <a:latin typeface="Comic Sans MS" panose="030F0902030302020204" pitchFamily="66" charset="0"/>
-            </a:endParaRPr>
-          </a:p>
-          <a:p>
-            <a:pPr algn="l"/>
-            <a:endParaRPr lang="en-US" sz="1400" dirty="0">
-              <a:solidFill>
-                <a:schemeClr val="bg1"/>
-              </a:solidFill>
-              <a:latin typeface="Comic Sans MS" panose="030F0902030302020204" pitchFamily="66" charset="0"/>
-            </a:endParaRPr>
-          </a:p>
-          <a:p>
-            <a:pPr algn="l"/>
-            <a:endParaRPr lang="en-US" sz="1400" dirty="0">
-              <a:solidFill>
-                <a:schemeClr val="bg1"/>
-              </a:solidFill>
-              <a:latin typeface="Comic Sans MS" panose="030F0902030302020204" pitchFamily="66" charset="0"/>
-            </a:endParaRPr>
-          </a:p>
-          <a:p>
-            <a:pPr algn="l"/>
-            <a:endParaRPr lang="en-US" sz="1400" dirty="0">
-              <a:solidFill>
-                <a:schemeClr val="bg1"/>
-              </a:solidFill>
-              <a:latin typeface="Comic Sans MS" panose="030F0902030302020204" pitchFamily="66" charset="0"/>
-            </a:endParaRPr>
-          </a:p>
-        </p:txBody>
-      </p:sp>
-      <p:sp>
-        <p:nvSpPr>
-          <p:cNvPr id="37" name="TextBox 36">
-            <a:extLst>
-              <a:ext uri="{FF2B5EF4-FFF2-40B4-BE49-F238E27FC236}">
-                <a16:creationId xmlns:a16="http://schemas.microsoft.com/office/drawing/2014/main" id="{50DC85BE-E0FE-1D4B-A268-B6DD16A293AE}"/>
-              </a:ext>
-            </a:extLst>
-          </p:cNvPr>
-          <p:cNvSpPr txBox="1"/>
-          <p:nvPr/>
-        </p:nvSpPr>
-        <p:spPr>
-          <a:xfrm>
-            <a:off x="3500787" y="4298052"/>
-            <a:ext cx="1903617" cy="2462213"/>
-          </a:xfrm>
-          <a:prstGeom prst="rect">
-            <a:avLst/>
-          </a:prstGeom>
-          <a:noFill/>
-          <a:ln>
-            <a:solidFill>
-              <a:schemeClr val="bg1"/>
-            </a:solidFill>
-          </a:ln>
-        </p:spPr>
-        <p:txBody>
-          <a:bodyPr wrap="square" rtlCol="0">
-            <a:spAutoFit/>
-          </a:bodyPr>
-          <a:lstStyle/>
-          <a:p>
-            <a:pPr algn="l"/>
-            <a:endParaRPr lang="en-US" sz="1400" dirty="0">
-              <a:solidFill>
-                <a:schemeClr val="bg1"/>
-              </a:solidFill>
-              <a:latin typeface="Comic Sans MS" panose="030F0902030302020204" pitchFamily="66" charset="0"/>
-            </a:endParaRPr>
-          </a:p>
-          <a:p>
-            <a:pPr algn="l"/>
-            <a:endParaRPr lang="en-US" sz="1400" dirty="0">
-              <a:solidFill>
-                <a:schemeClr val="bg1"/>
-              </a:solidFill>
-              <a:latin typeface="Comic Sans MS" panose="030F0902030302020204" pitchFamily="66" charset="0"/>
-            </a:endParaRPr>
-          </a:p>
-          <a:p>
-            <a:pPr algn="l"/>
-            <a:endParaRPr lang="en-US" sz="1400" dirty="0">
-              <a:solidFill>
-                <a:schemeClr val="bg1"/>
-              </a:solidFill>
-              <a:latin typeface="Comic Sans MS" panose="030F0902030302020204" pitchFamily="66" charset="0"/>
-            </a:endParaRPr>
-          </a:p>
-          <a:p>
-            <a:pPr algn="l"/>
-            <a:endParaRPr lang="en-US" sz="1400" dirty="0">
-              <a:solidFill>
-                <a:schemeClr val="bg1"/>
-              </a:solidFill>
-              <a:latin typeface="Comic Sans MS" panose="030F0902030302020204" pitchFamily="66" charset="0"/>
-            </a:endParaRPr>
-          </a:p>
-          <a:p>
-            <a:pPr algn="l"/>
-            <a:endParaRPr lang="en-US" sz="1400" dirty="0">
-              <a:solidFill>
-                <a:schemeClr val="bg1"/>
-              </a:solidFill>
-              <a:latin typeface="Comic Sans MS" panose="030F0902030302020204" pitchFamily="66" charset="0"/>
-            </a:endParaRPr>
-          </a:p>
-          <a:p>
-            <a:pPr algn="l"/>
-            <a:endParaRPr lang="en-US" sz="1400" dirty="0">
-              <a:solidFill>
-                <a:schemeClr val="bg1"/>
-              </a:solidFill>
-              <a:latin typeface="Comic Sans MS" panose="030F0902030302020204" pitchFamily="66" charset="0"/>
-            </a:endParaRPr>
-          </a:p>
-          <a:p>
-            <a:pPr algn="l"/>
-            <a:endParaRPr lang="en-US" sz="1400" dirty="0">
-              <a:solidFill>
-                <a:schemeClr val="bg1"/>
-              </a:solidFill>
-              <a:latin typeface="Comic Sans MS" panose="030F0902030302020204" pitchFamily="66" charset="0"/>
-            </a:endParaRPr>
-          </a:p>
-          <a:p>
-            <a:pPr algn="l"/>
-            <a:endParaRPr lang="en-US" sz="1400" dirty="0">
-              <a:solidFill>
-                <a:schemeClr val="bg1"/>
-              </a:solidFill>
-              <a:latin typeface="Comic Sans MS" panose="030F0902030302020204" pitchFamily="66" charset="0"/>
-            </a:endParaRPr>
-          </a:p>
-          <a:p>
-            <a:pPr algn="l"/>
-            <a:endParaRPr lang="en-US" sz="1400" dirty="0">
-              <a:solidFill>
-                <a:schemeClr val="bg1"/>
-              </a:solidFill>
-              <a:latin typeface="Comic Sans MS" panose="030F0902030302020204" pitchFamily="66" charset="0"/>
-            </a:endParaRPr>
-          </a:p>
-          <a:p>
-            <a:pPr algn="l"/>
-            <a:endParaRPr lang="en-US" sz="1400" dirty="0">
-              <a:solidFill>
-                <a:schemeClr val="bg1"/>
-              </a:solidFill>
-              <a:latin typeface="Comic Sans MS" panose="030F0902030302020204" pitchFamily="66" charset="0"/>
-            </a:endParaRPr>
-          </a:p>
-          <a:p>
-            <a:pPr algn="l"/>
-            <a:endParaRPr lang="en-US" sz="1400" dirty="0">
-              <a:solidFill>
-                <a:schemeClr val="bg1"/>
-              </a:solidFill>
-              <a:latin typeface="Comic Sans MS" panose="030F0902030302020204" pitchFamily="66" charset="0"/>
-            </a:endParaRPr>
-          </a:p>
-        </p:txBody>
-      </p:sp>
-      <p:sp>
-        <p:nvSpPr>
           <p:cNvPr id="31" name="Rectangle 30">
             <a:extLst>
               <a:ext uri="{FF2B5EF4-FFF2-40B4-BE49-F238E27FC236}">
@@ -22233,8 +26170,8 @@
         </p:nvSpPr>
         <p:spPr>
           <a:xfrm>
-            <a:off x="6911440" y="865442"/>
-            <a:ext cx="4044384" cy="344384"/>
+            <a:off x="6625652" y="865442"/>
+            <a:ext cx="4330172" cy="344384"/>
           </a:xfrm>
           <a:prstGeom prst="rect">
             <a:avLst/>
@@ -22276,7 +26213,539 @@
                 </a:solidFill>
                 <a:latin typeface="Comic Sans MS" panose="030F0902030302020204" pitchFamily="66" charset="0"/>
               </a:rPr>
-              <a:t>Catalog     Users Profile    Username</a:t>
+              <a:t>Catalog     Messages   Users Profile    Username</a:t>
+            </a:r>
+          </a:p>
+        </p:txBody>
+      </p:sp>
+      <p:sp>
+        <p:nvSpPr>
+          <p:cNvPr id="34" name="Rounded Rectangle 33">
+            <a:extLst>
+              <a:ext uri="{FF2B5EF4-FFF2-40B4-BE49-F238E27FC236}">
+                <a16:creationId xmlns:a16="http://schemas.microsoft.com/office/drawing/2014/main" id="{004343CA-5086-3247-AD22-3E1AA7E8EA55}"/>
+              </a:ext>
+            </a:extLst>
+          </p:cNvPr>
+          <p:cNvSpPr/>
+          <p:nvPr/>
+        </p:nvSpPr>
+        <p:spPr>
+          <a:xfrm>
+            <a:off x="1311494" y="3454894"/>
+            <a:ext cx="1441611" cy="327860"/>
+          </a:xfrm>
+          <a:prstGeom prst="roundRect">
+            <a:avLst/>
+          </a:prstGeom>
+          <a:solidFill>
+            <a:schemeClr val="tx2"/>
+          </a:solidFill>
+          <a:ln>
+            <a:solidFill>
+              <a:schemeClr val="bg1"/>
+            </a:solidFill>
+          </a:ln>
+        </p:spPr>
+        <p:style>
+          <a:lnRef idx="2">
+            <a:schemeClr val="accent1">
+              <a:shade val="50000"/>
+            </a:schemeClr>
+          </a:lnRef>
+          <a:fillRef idx="1">
+            <a:schemeClr val="accent1"/>
+          </a:fillRef>
+          <a:effectRef idx="0">
+            <a:schemeClr val="accent1"/>
+          </a:effectRef>
+          <a:fontRef idx="minor">
+            <a:schemeClr val="lt1"/>
+          </a:fontRef>
+        </p:style>
+        <p:txBody>
+          <a:bodyPr rtlCol="0" anchor="ctr"/>
+          <a:lstStyle/>
+          <a:p>
+            <a:pPr algn="ctr"/>
+            <a:r>
+              <a:rPr lang="en-US" sz="1400" dirty="0">
+                <a:solidFill>
+                  <a:schemeClr val="bg1"/>
+                </a:solidFill>
+                <a:latin typeface="Comic Sans MS" panose="030F0902030302020204" pitchFamily="66" charset="0"/>
+              </a:rPr>
+              <a:t>Submit</a:t>
+            </a:r>
+          </a:p>
+        </p:txBody>
+      </p:sp>
+      <p:sp>
+        <p:nvSpPr>
+          <p:cNvPr id="39" name="TextBox 38">
+            <a:extLst>
+              <a:ext uri="{FF2B5EF4-FFF2-40B4-BE49-F238E27FC236}">
+                <a16:creationId xmlns:a16="http://schemas.microsoft.com/office/drawing/2014/main" id="{51200245-2660-0341-B843-6F2311DA31D4}"/>
+              </a:ext>
+            </a:extLst>
+          </p:cNvPr>
+          <p:cNvSpPr txBox="1"/>
+          <p:nvPr/>
+        </p:nvSpPr>
+        <p:spPr>
+          <a:xfrm>
+            <a:off x="5999507" y="2696119"/>
+            <a:ext cx="1686456" cy="1169551"/>
+          </a:xfrm>
+          <a:prstGeom prst="rect">
+            <a:avLst/>
+          </a:prstGeom>
+          <a:noFill/>
+          <a:ln>
+            <a:solidFill>
+              <a:schemeClr val="bg1"/>
+            </a:solidFill>
+          </a:ln>
+        </p:spPr>
+        <p:txBody>
+          <a:bodyPr wrap="square" rtlCol="0">
+            <a:spAutoFit/>
+          </a:bodyPr>
+          <a:lstStyle/>
+          <a:p>
+            <a:pPr algn="l"/>
+            <a:r>
+              <a:rPr lang="en-US" sz="1400" i="1" dirty="0">
+                <a:solidFill>
+                  <a:schemeClr val="bg1"/>
+                </a:solidFill>
+                <a:latin typeface="Comic Sans MS" panose="030F0902030302020204" pitchFamily="66" charset="0"/>
+              </a:rPr>
+              <a:t>Title</a:t>
+            </a:r>
+          </a:p>
+          <a:p>
+            <a:pPr algn="l"/>
+            <a:r>
+              <a:rPr lang="en-US" sz="1400" i="1" dirty="0">
+                <a:solidFill>
+                  <a:schemeClr val="bg1"/>
+                </a:solidFill>
+                <a:latin typeface="Comic Sans MS" panose="030F0902030302020204" pitchFamily="66" charset="0"/>
+              </a:rPr>
+              <a:t>$$</a:t>
+            </a:r>
+          </a:p>
+          <a:p>
+            <a:pPr algn="l"/>
+            <a:r>
+              <a:rPr lang="en-US" sz="1400" i="1" dirty="0">
+                <a:solidFill>
+                  <a:schemeClr val="bg1"/>
+                </a:solidFill>
+                <a:latin typeface="Comic Sans MS" panose="030F0902030302020204" pitchFamily="66" charset="0"/>
+              </a:rPr>
+              <a:t>Seller</a:t>
+            </a:r>
+          </a:p>
+          <a:p>
+            <a:pPr algn="l"/>
+            <a:r>
+              <a:rPr lang="en-US" sz="1400" i="1" dirty="0">
+                <a:solidFill>
+                  <a:schemeClr val="bg1"/>
+                </a:solidFill>
+                <a:latin typeface="Comic Sans MS" panose="030F0902030302020204" pitchFamily="66" charset="0"/>
+              </a:rPr>
+              <a:t>Publication Date</a:t>
+            </a:r>
+          </a:p>
+          <a:p>
+            <a:pPr algn="l"/>
+            <a:r>
+              <a:rPr lang="en-US" sz="1400" i="1" dirty="0">
+                <a:solidFill>
+                  <a:schemeClr val="bg1"/>
+                </a:solidFill>
+                <a:latin typeface="Comic Sans MS" panose="030F0902030302020204" pitchFamily="66" charset="0"/>
+              </a:rPr>
+              <a:t>Status</a:t>
+            </a:r>
+          </a:p>
+        </p:txBody>
+      </p:sp>
+      <p:sp>
+        <p:nvSpPr>
+          <p:cNvPr id="40" name="TextBox 39">
+            <a:extLst>
+              <a:ext uri="{FF2B5EF4-FFF2-40B4-BE49-F238E27FC236}">
+                <a16:creationId xmlns:a16="http://schemas.microsoft.com/office/drawing/2014/main" id="{1B34291F-46AB-DE49-B59B-E6BDEE91E21E}"/>
+              </a:ext>
+            </a:extLst>
+          </p:cNvPr>
+          <p:cNvSpPr txBox="1"/>
+          <p:nvPr/>
+        </p:nvSpPr>
+        <p:spPr>
+          <a:xfrm>
+            <a:off x="8445690" y="2706507"/>
+            <a:ext cx="1686456" cy="1169551"/>
+          </a:xfrm>
+          <a:prstGeom prst="rect">
+            <a:avLst/>
+          </a:prstGeom>
+          <a:noFill/>
+          <a:ln>
+            <a:solidFill>
+              <a:schemeClr val="bg1"/>
+            </a:solidFill>
+          </a:ln>
+        </p:spPr>
+        <p:txBody>
+          <a:bodyPr wrap="square" rtlCol="0">
+            <a:spAutoFit/>
+          </a:bodyPr>
+          <a:lstStyle/>
+          <a:p>
+            <a:pPr algn="l"/>
+            <a:r>
+              <a:rPr lang="en-US" sz="1400" i="1" dirty="0">
+                <a:solidFill>
+                  <a:schemeClr val="bg1"/>
+                </a:solidFill>
+                <a:latin typeface="Comic Sans MS" panose="030F0902030302020204" pitchFamily="66" charset="0"/>
+              </a:rPr>
+              <a:t>Title</a:t>
+            </a:r>
+          </a:p>
+          <a:p>
+            <a:pPr algn="l"/>
+            <a:r>
+              <a:rPr lang="en-US" sz="1400" i="1" dirty="0">
+                <a:solidFill>
+                  <a:schemeClr val="bg1"/>
+                </a:solidFill>
+                <a:latin typeface="Comic Sans MS" panose="030F0902030302020204" pitchFamily="66" charset="0"/>
+              </a:rPr>
+              <a:t>$$</a:t>
+            </a:r>
+          </a:p>
+          <a:p>
+            <a:pPr algn="l"/>
+            <a:r>
+              <a:rPr lang="en-US" sz="1400" i="1" dirty="0">
+                <a:solidFill>
+                  <a:schemeClr val="bg1"/>
+                </a:solidFill>
+                <a:latin typeface="Comic Sans MS" panose="030F0902030302020204" pitchFamily="66" charset="0"/>
+              </a:rPr>
+              <a:t>Seller</a:t>
+            </a:r>
+          </a:p>
+          <a:p>
+            <a:pPr algn="l"/>
+            <a:r>
+              <a:rPr lang="en-US" sz="1400" i="1" dirty="0">
+                <a:solidFill>
+                  <a:schemeClr val="bg1"/>
+                </a:solidFill>
+                <a:latin typeface="Comic Sans MS" panose="030F0902030302020204" pitchFamily="66" charset="0"/>
+              </a:rPr>
+              <a:t>Publication Date</a:t>
+            </a:r>
+          </a:p>
+          <a:p>
+            <a:pPr algn="l"/>
+            <a:r>
+              <a:rPr lang="en-US" sz="1400" i="1" dirty="0">
+                <a:solidFill>
+                  <a:schemeClr val="bg1"/>
+                </a:solidFill>
+                <a:latin typeface="Comic Sans MS" panose="030F0902030302020204" pitchFamily="66" charset="0"/>
+              </a:rPr>
+              <a:t>Status</a:t>
+            </a:r>
+          </a:p>
+        </p:txBody>
+      </p:sp>
+      <p:sp>
+        <p:nvSpPr>
+          <p:cNvPr id="41" name="TextBox 40">
+            <a:extLst>
+              <a:ext uri="{FF2B5EF4-FFF2-40B4-BE49-F238E27FC236}">
+                <a16:creationId xmlns:a16="http://schemas.microsoft.com/office/drawing/2014/main" id="{27641A39-F1BE-964B-A012-F6C3321777A1}"/>
+              </a:ext>
+            </a:extLst>
+          </p:cNvPr>
+          <p:cNvSpPr txBox="1"/>
+          <p:nvPr/>
+        </p:nvSpPr>
+        <p:spPr>
+          <a:xfrm>
+            <a:off x="3597660" y="5593072"/>
+            <a:ext cx="1686456" cy="1169551"/>
+          </a:xfrm>
+          <a:prstGeom prst="rect">
+            <a:avLst/>
+          </a:prstGeom>
+          <a:noFill/>
+          <a:ln>
+            <a:solidFill>
+              <a:schemeClr val="bg1"/>
+            </a:solidFill>
+          </a:ln>
+        </p:spPr>
+        <p:txBody>
+          <a:bodyPr wrap="square" rtlCol="0">
+            <a:spAutoFit/>
+          </a:bodyPr>
+          <a:lstStyle/>
+          <a:p>
+            <a:pPr algn="l"/>
+            <a:r>
+              <a:rPr lang="en-US" sz="1400" i="1" dirty="0">
+                <a:solidFill>
+                  <a:schemeClr val="bg1"/>
+                </a:solidFill>
+                <a:latin typeface="Comic Sans MS" panose="030F0902030302020204" pitchFamily="66" charset="0"/>
+              </a:rPr>
+              <a:t>Title</a:t>
+            </a:r>
+          </a:p>
+          <a:p>
+            <a:pPr algn="l"/>
+            <a:r>
+              <a:rPr lang="en-US" sz="1400" i="1" dirty="0">
+                <a:solidFill>
+                  <a:schemeClr val="bg1"/>
+                </a:solidFill>
+                <a:latin typeface="Comic Sans MS" panose="030F0902030302020204" pitchFamily="66" charset="0"/>
+              </a:rPr>
+              <a:t>$$</a:t>
+            </a:r>
+          </a:p>
+          <a:p>
+            <a:pPr algn="l"/>
+            <a:r>
+              <a:rPr lang="en-US" sz="1400" i="1" dirty="0">
+                <a:solidFill>
+                  <a:schemeClr val="bg1"/>
+                </a:solidFill>
+                <a:latin typeface="Comic Sans MS" panose="030F0902030302020204" pitchFamily="66" charset="0"/>
+              </a:rPr>
+              <a:t>Seller</a:t>
+            </a:r>
+          </a:p>
+          <a:p>
+            <a:pPr algn="l"/>
+            <a:r>
+              <a:rPr lang="en-US" sz="1400" i="1" dirty="0">
+                <a:solidFill>
+                  <a:schemeClr val="bg1"/>
+                </a:solidFill>
+                <a:latin typeface="Comic Sans MS" panose="030F0902030302020204" pitchFamily="66" charset="0"/>
+              </a:rPr>
+              <a:t>Publication Date</a:t>
+            </a:r>
+          </a:p>
+          <a:p>
+            <a:pPr algn="l"/>
+            <a:r>
+              <a:rPr lang="en-US" sz="1400" i="1" dirty="0">
+                <a:solidFill>
+                  <a:schemeClr val="bg1"/>
+                </a:solidFill>
+                <a:latin typeface="Comic Sans MS" panose="030F0902030302020204" pitchFamily="66" charset="0"/>
+              </a:rPr>
+              <a:t>Status</a:t>
+            </a:r>
+          </a:p>
+        </p:txBody>
+      </p:sp>
+      <p:sp>
+        <p:nvSpPr>
+          <p:cNvPr id="42" name="TextBox 41">
+            <a:extLst>
+              <a:ext uri="{FF2B5EF4-FFF2-40B4-BE49-F238E27FC236}">
+                <a16:creationId xmlns:a16="http://schemas.microsoft.com/office/drawing/2014/main" id="{C9179BD9-7B4F-184E-BF78-FDA6FE2D2623}"/>
+              </a:ext>
+            </a:extLst>
+          </p:cNvPr>
+          <p:cNvSpPr txBox="1"/>
+          <p:nvPr/>
+        </p:nvSpPr>
+        <p:spPr>
+          <a:xfrm>
+            <a:off x="6013509" y="5606324"/>
+            <a:ext cx="1686456" cy="1169551"/>
+          </a:xfrm>
+          <a:prstGeom prst="rect">
+            <a:avLst/>
+          </a:prstGeom>
+          <a:noFill/>
+          <a:ln>
+            <a:solidFill>
+              <a:schemeClr val="bg1"/>
+            </a:solidFill>
+          </a:ln>
+        </p:spPr>
+        <p:txBody>
+          <a:bodyPr wrap="square" rtlCol="0">
+            <a:spAutoFit/>
+          </a:bodyPr>
+          <a:lstStyle/>
+          <a:p>
+            <a:pPr algn="l"/>
+            <a:r>
+              <a:rPr lang="en-US" sz="1400" i="1" dirty="0">
+                <a:solidFill>
+                  <a:schemeClr val="bg1"/>
+                </a:solidFill>
+                <a:latin typeface="Comic Sans MS" panose="030F0902030302020204" pitchFamily="66" charset="0"/>
+              </a:rPr>
+              <a:t>Title</a:t>
+            </a:r>
+          </a:p>
+          <a:p>
+            <a:pPr algn="l"/>
+            <a:r>
+              <a:rPr lang="en-US" sz="1400" i="1" dirty="0">
+                <a:solidFill>
+                  <a:schemeClr val="bg1"/>
+                </a:solidFill>
+                <a:latin typeface="Comic Sans MS" panose="030F0902030302020204" pitchFamily="66" charset="0"/>
+              </a:rPr>
+              <a:t>$$</a:t>
+            </a:r>
+          </a:p>
+          <a:p>
+            <a:pPr algn="l"/>
+            <a:r>
+              <a:rPr lang="en-US" sz="1400" i="1" dirty="0">
+                <a:solidFill>
+                  <a:schemeClr val="bg1"/>
+                </a:solidFill>
+                <a:latin typeface="Comic Sans MS" panose="030F0902030302020204" pitchFamily="66" charset="0"/>
+              </a:rPr>
+              <a:t>Seller</a:t>
+            </a:r>
+          </a:p>
+          <a:p>
+            <a:pPr algn="l"/>
+            <a:r>
+              <a:rPr lang="en-US" sz="1400" i="1" dirty="0">
+                <a:solidFill>
+                  <a:schemeClr val="bg1"/>
+                </a:solidFill>
+                <a:latin typeface="Comic Sans MS" panose="030F0902030302020204" pitchFamily="66" charset="0"/>
+              </a:rPr>
+              <a:t>Publication Date</a:t>
+            </a:r>
+          </a:p>
+          <a:p>
+            <a:pPr algn="l"/>
+            <a:r>
+              <a:rPr lang="en-US" sz="1400" i="1" dirty="0">
+                <a:solidFill>
+                  <a:schemeClr val="bg1"/>
+                </a:solidFill>
+                <a:latin typeface="Comic Sans MS" panose="030F0902030302020204" pitchFamily="66" charset="0"/>
+              </a:rPr>
+              <a:t>Status</a:t>
+            </a:r>
+          </a:p>
+        </p:txBody>
+      </p:sp>
+      <p:sp>
+        <p:nvSpPr>
+          <p:cNvPr id="43" name="TextBox 42">
+            <a:extLst>
+              <a:ext uri="{FF2B5EF4-FFF2-40B4-BE49-F238E27FC236}">
+                <a16:creationId xmlns:a16="http://schemas.microsoft.com/office/drawing/2014/main" id="{37A96ADF-3DF5-444F-8E79-E613AF8A7C51}"/>
+              </a:ext>
+            </a:extLst>
+          </p:cNvPr>
+          <p:cNvSpPr txBox="1"/>
+          <p:nvPr/>
+        </p:nvSpPr>
+        <p:spPr>
+          <a:xfrm>
+            <a:off x="8401738" y="5616413"/>
+            <a:ext cx="1686456" cy="1169551"/>
+          </a:xfrm>
+          <a:prstGeom prst="rect">
+            <a:avLst/>
+          </a:prstGeom>
+          <a:noFill/>
+          <a:ln>
+            <a:solidFill>
+              <a:schemeClr val="bg1"/>
+            </a:solidFill>
+          </a:ln>
+        </p:spPr>
+        <p:txBody>
+          <a:bodyPr wrap="square" rtlCol="0">
+            <a:spAutoFit/>
+          </a:bodyPr>
+          <a:lstStyle/>
+          <a:p>
+            <a:pPr algn="l"/>
+            <a:r>
+              <a:rPr lang="en-US" sz="1400" i="1" dirty="0">
+                <a:solidFill>
+                  <a:schemeClr val="bg1"/>
+                </a:solidFill>
+                <a:latin typeface="Comic Sans MS" panose="030F0902030302020204" pitchFamily="66" charset="0"/>
+              </a:rPr>
+              <a:t>Title</a:t>
+            </a:r>
+          </a:p>
+          <a:p>
+            <a:pPr algn="l"/>
+            <a:r>
+              <a:rPr lang="en-US" sz="1400" i="1" dirty="0">
+                <a:solidFill>
+                  <a:schemeClr val="bg1"/>
+                </a:solidFill>
+                <a:latin typeface="Comic Sans MS" panose="030F0902030302020204" pitchFamily="66" charset="0"/>
+              </a:rPr>
+              <a:t>$$</a:t>
+            </a:r>
+          </a:p>
+          <a:p>
+            <a:pPr algn="l"/>
+            <a:r>
+              <a:rPr lang="en-US" sz="1400" i="1" dirty="0">
+                <a:solidFill>
+                  <a:schemeClr val="bg1"/>
+                </a:solidFill>
+                <a:latin typeface="Comic Sans MS" panose="030F0902030302020204" pitchFamily="66" charset="0"/>
+              </a:rPr>
+              <a:t>Seller</a:t>
+            </a:r>
+          </a:p>
+          <a:p>
+            <a:pPr algn="l"/>
+            <a:r>
+              <a:rPr lang="en-US" sz="1400" i="1" dirty="0">
+                <a:solidFill>
+                  <a:schemeClr val="bg1"/>
+                </a:solidFill>
+                <a:latin typeface="Comic Sans MS" panose="030F0902030302020204" pitchFamily="66" charset="0"/>
+              </a:rPr>
+              <a:t>Publication Date</a:t>
+            </a:r>
+          </a:p>
+          <a:p>
+            <a:pPr algn="l"/>
+            <a:r>
+              <a:rPr lang="en-US" sz="1400" i="1" dirty="0">
+                <a:solidFill>
+                  <a:schemeClr val="bg1"/>
+                </a:solidFill>
+                <a:latin typeface="Comic Sans MS" panose="030F0902030302020204" pitchFamily="66" charset="0"/>
+              </a:rPr>
+              <a:t>Status</a:t>
             </a:r>
           </a:p>
         </p:txBody>
@@ -24295,10 +28764,10 @@
       </p:sp>
       <p:sp>
         <p:nvSpPr>
-          <p:cNvPr id="29" name="Rectangle 28">
-            <a:extLst>
-              <a:ext uri="{FF2B5EF4-FFF2-40B4-BE49-F238E27FC236}">
-                <a16:creationId xmlns:a16="http://schemas.microsoft.com/office/drawing/2014/main" id="{E407852D-7BF9-4049-A41E-B18848EC4D39}"/>
+          <p:cNvPr id="24" name="Rectangle 23">
+            <a:extLst>
+              <a:ext uri="{FF2B5EF4-FFF2-40B4-BE49-F238E27FC236}">
+                <a16:creationId xmlns:a16="http://schemas.microsoft.com/office/drawing/2014/main" id="{7192CA3B-D189-3E4C-8679-43D61E37F309}"/>
               </a:ext>
             </a:extLst>
           </p:cNvPr>
@@ -24307,8 +28776,8 @@
         </p:nvSpPr>
         <p:spPr>
           <a:xfrm>
-            <a:off x="6911440" y="865442"/>
-            <a:ext cx="4044384" cy="344384"/>
+            <a:off x="6625652" y="865442"/>
+            <a:ext cx="4330172" cy="344384"/>
           </a:xfrm>
           <a:prstGeom prst="rect">
             <a:avLst/>
@@ -24350,7 +28819,7 @@
                 </a:solidFill>
                 <a:latin typeface="Comic Sans MS" panose="030F0902030302020204" pitchFamily="66" charset="0"/>
               </a:rPr>
-              <a:t>Catalog     Users Profile    Username</a:t>
+              <a:t>Catalog     Messages   Users Profile    Username</a:t>
             </a:r>
           </a:p>
         </p:txBody>
@@ -25090,7 +29559,7 @@
         </p:nvSpPr>
         <p:spPr>
           <a:xfrm rot="10800000">
-            <a:off x="5274405" y="3478413"/>
+            <a:off x="5274405" y="3847629"/>
             <a:ext cx="238500" cy="175033"/>
           </a:xfrm>
           <a:prstGeom prst="triangle">
@@ -25185,8 +29654,8 @@
         </p:nvSpPr>
         <p:spPr>
           <a:xfrm rot="10800000">
-            <a:off x="5274405" y="4109892"/>
-            <a:ext cx="238500" cy="175033"/>
+            <a:off x="5380382" y="4573942"/>
+            <a:ext cx="132541" cy="119126"/>
           </a:xfrm>
           <a:prstGeom prst="triangle">
             <a:avLst/>
@@ -25235,7 +29704,7 @@
         <p:spPr>
           <a:xfrm>
             <a:off x="2016943" y="4385292"/>
-            <a:ext cx="1765227" cy="307777"/>
+            <a:ext cx="335348" cy="307777"/>
           </a:xfrm>
           <a:prstGeom prst="rect">
             <a:avLst/>
@@ -25255,7 +29724,7 @@
                 </a:solidFill>
                 <a:latin typeface="Comic Sans MS" panose="030F0902030302020204" pitchFamily="66" charset="0"/>
               </a:rPr>
-              <a:t>Please Select one…</a:t>
+              <a:t>#</a:t>
             </a:r>
             <a:endParaRPr lang="en-US" sz="1400" u="sng" dirty="0">
               <a:solidFill>
@@ -25659,6 +30128,117 @@
                 <a:latin typeface="Comic Sans MS" panose="030F0902030302020204" pitchFamily="66" charset="0"/>
               </a:rPr>
               <a:t>Catalog     Users Profile    Username</a:t>
+            </a:r>
+          </a:p>
+        </p:txBody>
+      </p:sp>
+      <p:sp>
+        <p:nvSpPr>
+          <p:cNvPr id="28" name="Triangle 27">
+            <a:extLst>
+              <a:ext uri="{FF2B5EF4-FFF2-40B4-BE49-F238E27FC236}">
+                <a16:creationId xmlns:a16="http://schemas.microsoft.com/office/drawing/2014/main" id="{B0F1B27F-79CE-1A41-8E3E-DB7CA23021AF}"/>
+              </a:ext>
+            </a:extLst>
+          </p:cNvPr>
+          <p:cNvSpPr/>
+          <p:nvPr/>
+        </p:nvSpPr>
+        <p:spPr>
+          <a:xfrm>
+            <a:off x="5380364" y="4421607"/>
+            <a:ext cx="132541" cy="119126"/>
+          </a:xfrm>
+          <a:prstGeom prst="triangle">
+            <a:avLst/>
+          </a:prstGeom>
+          <a:solidFill>
+            <a:schemeClr val="tx2"/>
+          </a:solidFill>
+        </p:spPr>
+        <p:style>
+          <a:lnRef idx="2">
+            <a:schemeClr val="accent1">
+              <a:shade val="50000"/>
+            </a:schemeClr>
+          </a:lnRef>
+          <a:fillRef idx="1">
+            <a:schemeClr val="accent1"/>
+          </a:fillRef>
+          <a:effectRef idx="0">
+            <a:schemeClr val="accent1"/>
+          </a:effectRef>
+          <a:fontRef idx="minor">
+            <a:schemeClr val="lt1"/>
+          </a:fontRef>
+        </p:style>
+        <p:txBody>
+          <a:bodyPr rtlCol="0" anchor="ctr"/>
+          <a:lstStyle/>
+          <a:p>
+            <a:pPr algn="ctr"/>
+            <a:endParaRPr lang="en-US" dirty="0"/>
+          </a:p>
+        </p:txBody>
+      </p:sp>
+      <p:sp>
+        <p:nvSpPr>
+          <p:cNvPr id="29" name="Rectangle 28">
+            <a:extLst>
+              <a:ext uri="{FF2B5EF4-FFF2-40B4-BE49-F238E27FC236}">
+                <a16:creationId xmlns:a16="http://schemas.microsoft.com/office/drawing/2014/main" id="{A5492EC2-A9E4-7746-81D3-C58179942990}"/>
+              </a:ext>
+            </a:extLst>
+          </p:cNvPr>
+          <p:cNvSpPr/>
+          <p:nvPr/>
+        </p:nvSpPr>
+        <p:spPr>
+          <a:xfrm>
+            <a:off x="6625652" y="865442"/>
+            <a:ext cx="4330172" cy="344384"/>
+          </a:xfrm>
+          <a:prstGeom prst="rect">
+            <a:avLst/>
+          </a:prstGeom>
+          <a:solidFill>
+            <a:schemeClr val="tx1"/>
+          </a:solidFill>
+          <a:ln>
+            <a:noFill/>
+          </a:ln>
+        </p:spPr>
+        <p:style>
+          <a:lnRef idx="2">
+            <a:schemeClr val="accent1">
+              <a:shade val="50000"/>
+            </a:schemeClr>
+          </a:lnRef>
+          <a:fillRef idx="1">
+            <a:schemeClr val="accent1"/>
+          </a:fillRef>
+          <a:effectRef idx="0">
+            <a:schemeClr val="accent1"/>
+          </a:effectRef>
+          <a:fontRef idx="minor">
+            <a:schemeClr val="lt1"/>
+          </a:fontRef>
+        </p:style>
+        <p:txBody>
+          <a:bodyPr rtlCol="0" anchor="ctr"/>
+          <a:lstStyle/>
+          <a:p>
+            <a:pPr algn="r"/>
+            <a:r>
+              <a:rPr lang="en-US" sz="1400" dirty="0">
+                <a:solidFill>
+                  <a:schemeClr val="bg2">
+                    <a:lumMod val="50000"/>
+                  </a:schemeClr>
+                </a:solidFill>
+                <a:latin typeface="Comic Sans MS" panose="030F0902030302020204" pitchFamily="66" charset="0"/>
+              </a:rPr>
+              <a:t>Catalog     Messages   Users Profile    Username</a:t>
             </a:r>
           </a:p>
         </p:txBody>
